--- a/Sessions/Session 1/python-omar/python.pptx
+++ b/Sessions/Session 1/python-omar/python.pptx
@@ -3238,7 +3238,7 @@
         <p:spPr>
           <a:xfrm>
             <a:off x="0" y="0"/>
-            <a:ext cx="3016800" cy="3016800"/>
+            <a:ext cx="3016080" cy="3016080"/>
           </a:xfrm>
           <a:prstGeom prst="rect">
             <a:avLst/>
@@ -3257,7 +3257,7 @@
         <p:spPr>
           <a:xfrm>
             <a:off x="2926080" y="1737360"/>
-            <a:ext cx="6674400" cy="345600"/>
+            <a:ext cx="6673680" cy="344880"/>
           </a:xfrm>
           <a:prstGeom prst="rect">
             <a:avLst/>
@@ -3283,7 +3283,7 @@
         <p:spPr>
           <a:xfrm>
             <a:off x="1798200" y="3020400"/>
-            <a:ext cx="8594640" cy="1225080"/>
+            <a:ext cx="8593920" cy="1224360"/>
           </a:xfrm>
           <a:prstGeom prst="rect">
             <a:avLst/>
@@ -3388,7 +3388,7 @@
         <p:spPr>
           <a:xfrm>
             <a:off x="352440" y="324000"/>
-            <a:ext cx="4846680" cy="851040"/>
+            <a:ext cx="4845960" cy="850320"/>
           </a:xfrm>
           <a:prstGeom prst="rect">
             <a:avLst/>
@@ -3446,7 +3446,7 @@
         <p:spPr>
           <a:xfrm>
             <a:off x="352440" y="1235160"/>
-            <a:ext cx="3284640" cy="637920"/>
+            <a:ext cx="3283920" cy="637200"/>
           </a:xfrm>
           <a:prstGeom prst="rect">
             <a:avLst/>
@@ -3504,7 +3504,7 @@
         <p:spPr>
           <a:xfrm>
             <a:off x="352440" y="1931040"/>
-            <a:ext cx="11442240" cy="2223000"/>
+            <a:ext cx="11441520" cy="2222280"/>
           </a:xfrm>
           <a:prstGeom prst="rect">
             <a:avLst/>
@@ -3523,7 +3523,7 @@
         <p:txBody>
           <a:bodyPr lIns="90000" rIns="90000" tIns="45000" bIns="45000"/>
           <a:p>
-            <a:pPr marL="216000" indent="-214920">
+            <a:pPr marL="216000" indent="-214200">
               <a:lnSpc>
                 <a:spcPct val="100000"/>
               </a:lnSpc>
@@ -3548,7 +3548,7 @@
             </a:endParaRPr>
           </a:p>
           <a:p>
-            <a:pPr marL="216000" indent="-214920">
+            <a:pPr marL="216000" indent="-214200">
               <a:lnSpc>
                 <a:spcPct val="100000"/>
               </a:lnSpc>
@@ -3573,7 +3573,7 @@
             </a:endParaRPr>
           </a:p>
           <a:p>
-            <a:pPr marL="216000" indent="-214920">
+            <a:pPr marL="216000" indent="-214200">
               <a:lnSpc>
                 <a:spcPct val="100000"/>
               </a:lnSpc>
@@ -3598,7 +3598,7 @@
             </a:endParaRPr>
           </a:p>
           <a:p>
-            <a:pPr marL="216000" indent="-214920">
+            <a:pPr marL="216000" indent="-214200">
               <a:lnSpc>
                 <a:spcPct val="100000"/>
               </a:lnSpc>
@@ -3623,7 +3623,7 @@
             </a:endParaRPr>
           </a:p>
           <a:p>
-            <a:pPr marL="216000" indent="-214920">
+            <a:pPr marL="216000" indent="-214200">
               <a:lnSpc>
                 <a:spcPct val="100000"/>
               </a:lnSpc>
@@ -3648,7 +3648,7 @@
             </a:endParaRPr>
           </a:p>
           <a:p>
-            <a:pPr marL="216000" indent="-214920">
+            <a:pPr marL="216000" indent="-214200">
               <a:lnSpc>
                 <a:spcPct val="100000"/>
               </a:lnSpc>
@@ -3673,7 +3673,7 @@
             </a:endParaRPr>
           </a:p>
           <a:p>
-            <a:pPr marL="216000" indent="-214920">
+            <a:pPr marL="216000" indent="-214200">
               <a:lnSpc>
                 <a:spcPct val="100000"/>
               </a:lnSpc>
@@ -3698,7 +3698,7 @@
             </a:endParaRPr>
           </a:p>
           <a:p>
-            <a:pPr marL="216000" indent="-214920">
+            <a:pPr marL="216000" indent="-214200">
               <a:lnSpc>
                 <a:spcPct val="100000"/>
               </a:lnSpc>
@@ -3723,7 +3723,7 @@
             </a:endParaRPr>
           </a:p>
           <a:p>
-            <a:pPr marL="216000" indent="-214920">
+            <a:pPr marL="216000" indent="-214200">
               <a:lnSpc>
                 <a:spcPct val="100000"/>
               </a:lnSpc>
@@ -3748,7 +3748,7 @@
             </a:endParaRPr>
           </a:p>
           <a:p>
-            <a:pPr marL="216000" indent="-214920">
+            <a:pPr marL="216000" indent="-214200">
               <a:lnSpc>
                 <a:spcPct val="100000"/>
               </a:lnSpc>
@@ -3787,7 +3787,7 @@
         <p:spPr>
           <a:xfrm>
             <a:off x="11110680" y="123840"/>
-            <a:ext cx="929520" cy="980640"/>
+            <a:ext cx="928800" cy="979920"/>
           </a:xfrm>
           <a:prstGeom prst="rect">
             <a:avLst/>
@@ -3806,7 +3806,7 @@
         <p:spPr>
           <a:xfrm>
             <a:off x="6502680" y="6263640"/>
-            <a:ext cx="1343520" cy="497160"/>
+            <a:ext cx="1342800" cy="496440"/>
           </a:xfrm>
           <a:prstGeom prst="triangle">
             <a:avLst>
@@ -3854,7 +3854,7 @@
         <p:spPr>
           <a:xfrm>
             <a:off x="3777120" y="6242400"/>
-            <a:ext cx="1343520" cy="497160"/>
+            <a:ext cx="1342800" cy="496440"/>
           </a:xfrm>
           <a:prstGeom prst="triangle">
             <a:avLst>
@@ -3902,7 +3902,7 @@
         <p:spPr>
           <a:xfrm>
             <a:off x="6948360" y="6263640"/>
-            <a:ext cx="1343520" cy="497160"/>
+            <a:ext cx="1342800" cy="496440"/>
           </a:xfrm>
           <a:prstGeom prst="triangle">
             <a:avLst>
@@ -3950,7 +3950,7 @@
         <p:spPr>
           <a:xfrm>
             <a:off x="8580960" y="6251760"/>
-            <a:ext cx="1343520" cy="497160"/>
+            <a:ext cx="1342800" cy="496440"/>
           </a:xfrm>
           <a:prstGeom prst="triangle">
             <a:avLst>
@@ -3998,7 +3998,7 @@
         <p:spPr>
           <a:xfrm>
             <a:off x="7927560" y="6250680"/>
-            <a:ext cx="1343520" cy="497160"/>
+            <a:ext cx="1342800" cy="496440"/>
           </a:xfrm>
           <a:prstGeom prst="triangle">
             <a:avLst>
@@ -4046,7 +4046,7 @@
         <p:spPr>
           <a:xfrm>
             <a:off x="7424280" y="6250680"/>
-            <a:ext cx="1343520" cy="497160"/>
+            <a:ext cx="1342800" cy="496440"/>
           </a:xfrm>
           <a:prstGeom prst="triangle">
             <a:avLst>
@@ -4094,7 +4094,7 @@
         <p:spPr>
           <a:xfrm>
             <a:off x="8341200" y="6342840"/>
-            <a:ext cx="1343520" cy="497160"/>
+            <a:ext cx="1342800" cy="496440"/>
           </a:xfrm>
           <a:prstGeom prst="triangle">
             <a:avLst>
@@ -4142,7 +4142,7 @@
         <p:spPr>
           <a:xfrm>
             <a:off x="7265520" y="6329880"/>
-            <a:ext cx="1343520" cy="497160"/>
+            <a:ext cx="1342800" cy="496440"/>
           </a:xfrm>
           <a:prstGeom prst="triangle">
             <a:avLst>
@@ -4190,7 +4190,7 @@
         <p:spPr>
           <a:xfrm>
             <a:off x="6572160" y="6356160"/>
-            <a:ext cx="1343520" cy="497160"/>
+            <a:ext cx="1342800" cy="496440"/>
           </a:xfrm>
           <a:prstGeom prst="triangle">
             <a:avLst>
@@ -4238,7 +4238,7 @@
         <p:spPr>
           <a:xfrm>
             <a:off x="9141120" y="6238440"/>
-            <a:ext cx="1343520" cy="497160"/>
+            <a:ext cx="1342800" cy="496440"/>
           </a:xfrm>
           <a:prstGeom prst="triangle">
             <a:avLst>
@@ -4286,7 +4286,7 @@
         <p:spPr>
           <a:xfrm>
             <a:off x="8746200" y="6347160"/>
-            <a:ext cx="1343520" cy="497160"/>
+            <a:ext cx="1342800" cy="496440"/>
           </a:xfrm>
           <a:prstGeom prst="triangle">
             <a:avLst>
@@ -4334,7 +4334,7 @@
         <p:spPr>
           <a:xfrm>
             <a:off x="7566840" y="6356160"/>
-            <a:ext cx="1343520" cy="497160"/>
+            <a:ext cx="1342800" cy="496440"/>
           </a:xfrm>
           <a:prstGeom prst="triangle">
             <a:avLst>
@@ -4382,7 +4382,7 @@
         <p:spPr>
           <a:xfrm>
             <a:off x="9368280" y="6356160"/>
-            <a:ext cx="2811600" cy="497160"/>
+            <a:ext cx="2810880" cy="496440"/>
           </a:xfrm>
           <a:prstGeom prst="rect">
             <a:avLst/>
@@ -4430,7 +4430,7 @@
         <p:spPr>
           <a:xfrm>
             <a:off x="7938000" y="6074280"/>
-            <a:ext cx="4244040" cy="779040"/>
+            <a:ext cx="4243320" cy="778320"/>
           </a:xfrm>
           <a:prstGeom prst="rect">
             <a:avLst/>
@@ -4461,7 +4461,7 @@
         <p:spPr>
           <a:xfrm>
             <a:off x="7146360" y="5930640"/>
-            <a:ext cx="5044320" cy="925920"/>
+            <a:ext cx="5043600" cy="925200"/>
           </a:xfrm>
           <a:prstGeom prst="rect">
             <a:avLst/>
@@ -4487,7 +4487,7 @@
         <p:spPr>
           <a:xfrm>
             <a:off x="10061640" y="6480720"/>
-            <a:ext cx="2118240" cy="363600"/>
+            <a:ext cx="2117520" cy="362880"/>
           </a:xfrm>
           <a:prstGeom prst="rect">
             <a:avLst/>
@@ -4553,7 +4553,7 @@
         <p:spPr>
           <a:xfrm>
             <a:off x="8629560" y="6203160"/>
-            <a:ext cx="3561120" cy="653400"/>
+            <a:ext cx="3560400" cy="652680"/>
           </a:xfrm>
           <a:prstGeom prst="rect">
             <a:avLst/>
@@ -4579,7 +4579,7 @@
         <p:spPr>
           <a:xfrm>
             <a:off x="966600" y="6263640"/>
-            <a:ext cx="1343520" cy="497160"/>
+            <a:ext cx="1342800" cy="496440"/>
           </a:xfrm>
           <a:prstGeom prst="triangle">
             <a:avLst>
@@ -4627,7 +4627,7 @@
         <p:spPr>
           <a:xfrm>
             <a:off x="2598840" y="6251760"/>
-            <a:ext cx="1343520" cy="497160"/>
+            <a:ext cx="1342800" cy="496440"/>
           </a:xfrm>
           <a:prstGeom prst="triangle">
             <a:avLst>
@@ -4675,7 +4675,7 @@
         <p:spPr>
           <a:xfrm>
             <a:off x="1945440" y="6250680"/>
-            <a:ext cx="1343520" cy="497160"/>
+            <a:ext cx="1342800" cy="496440"/>
           </a:xfrm>
           <a:prstGeom prst="triangle">
             <a:avLst>
@@ -4723,7 +4723,7 @@
         <p:spPr>
           <a:xfrm>
             <a:off x="1442160" y="6250680"/>
-            <a:ext cx="1343520" cy="497160"/>
+            <a:ext cx="1342800" cy="496440"/>
           </a:xfrm>
           <a:prstGeom prst="triangle">
             <a:avLst>
@@ -4771,7 +4771,7 @@
         <p:spPr>
           <a:xfrm>
             <a:off x="309240" y="6237360"/>
-            <a:ext cx="1343520" cy="497160"/>
+            <a:ext cx="1342800" cy="496440"/>
           </a:xfrm>
           <a:prstGeom prst="triangle">
             <a:avLst>
@@ -4819,7 +4819,7 @@
         <p:spPr>
           <a:xfrm>
             <a:off x="0" y="6356160"/>
-            <a:ext cx="1343520" cy="497160"/>
+            <a:ext cx="1342800" cy="496440"/>
           </a:xfrm>
           <a:prstGeom prst="triangle">
             <a:avLst>
@@ -4860,7 +4860,7 @@
         <p:spPr>
           <a:xfrm>
             <a:off x="2359080" y="6342840"/>
-            <a:ext cx="1343520" cy="497160"/>
+            <a:ext cx="1342800" cy="496440"/>
           </a:xfrm>
           <a:prstGeom prst="triangle">
             <a:avLst>
@@ -4908,7 +4908,7 @@
         <p:spPr>
           <a:xfrm>
             <a:off x="1283760" y="6329880"/>
-            <a:ext cx="1343520" cy="497160"/>
+            <a:ext cx="1342800" cy="496440"/>
           </a:xfrm>
           <a:prstGeom prst="triangle">
             <a:avLst>
@@ -4956,7 +4956,7 @@
         <p:spPr>
           <a:xfrm>
             <a:off x="590040" y="6356160"/>
-            <a:ext cx="1343520" cy="497160"/>
+            <a:ext cx="1342800" cy="496440"/>
           </a:xfrm>
           <a:prstGeom prst="triangle">
             <a:avLst>
@@ -4997,7 +4997,7 @@
         <p:spPr>
           <a:xfrm>
             <a:off x="3159000" y="6238440"/>
-            <a:ext cx="1343520" cy="497160"/>
+            <a:ext cx="1342800" cy="496440"/>
           </a:xfrm>
           <a:prstGeom prst="triangle">
             <a:avLst>
@@ -5045,7 +5045,7 @@
         <p:spPr>
           <a:xfrm>
             <a:off x="2764080" y="6347160"/>
-            <a:ext cx="1343520" cy="497160"/>
+            <a:ext cx="1342800" cy="496440"/>
           </a:xfrm>
           <a:prstGeom prst="triangle">
             <a:avLst>
@@ -5093,7 +5093,7 @@
         <p:spPr>
           <a:xfrm>
             <a:off x="1584720" y="6356160"/>
-            <a:ext cx="1343520" cy="497160"/>
+            <a:ext cx="1342800" cy="496440"/>
           </a:xfrm>
           <a:prstGeom prst="triangle">
             <a:avLst>
@@ -5134,7 +5134,7 @@
         <p:spPr>
           <a:xfrm>
             <a:off x="3468960" y="6351480"/>
-            <a:ext cx="1343520" cy="497160"/>
+            <a:ext cx="1342800" cy="496440"/>
           </a:xfrm>
           <a:prstGeom prst="triangle">
             <a:avLst>
@@ -5175,7 +5175,7 @@
         <p:spPr>
           <a:xfrm>
             <a:off x="4413960" y="6263640"/>
-            <a:ext cx="1343520" cy="497160"/>
+            <a:ext cx="1342800" cy="496440"/>
           </a:xfrm>
           <a:prstGeom prst="triangle">
             <a:avLst>
@@ -5223,7 +5223,7 @@
         <p:spPr>
           <a:xfrm>
             <a:off x="6046560" y="6251760"/>
-            <a:ext cx="1343520" cy="497160"/>
+            <a:ext cx="1342800" cy="496440"/>
           </a:xfrm>
           <a:prstGeom prst="triangle">
             <a:avLst>
@@ -5271,7 +5271,7 @@
         <p:spPr>
           <a:xfrm>
             <a:off x="5393160" y="6250680"/>
-            <a:ext cx="1343520" cy="497160"/>
+            <a:ext cx="1342800" cy="496440"/>
           </a:xfrm>
           <a:prstGeom prst="triangle">
             <a:avLst>
@@ -5319,7 +5319,7 @@
         <p:spPr>
           <a:xfrm>
             <a:off x="4889880" y="6250680"/>
-            <a:ext cx="1343520" cy="497160"/>
+            <a:ext cx="1342800" cy="496440"/>
           </a:xfrm>
           <a:prstGeom prst="triangle">
             <a:avLst>
@@ -5367,7 +5367,7 @@
         <p:spPr>
           <a:xfrm>
             <a:off x="5806800" y="6342840"/>
-            <a:ext cx="1343520" cy="497160"/>
+            <a:ext cx="1342800" cy="496440"/>
           </a:xfrm>
           <a:prstGeom prst="triangle">
             <a:avLst>
@@ -5415,7 +5415,7 @@
         <p:spPr>
           <a:xfrm>
             <a:off x="4731120" y="6329880"/>
-            <a:ext cx="1343520" cy="497160"/>
+            <a:ext cx="1342800" cy="496440"/>
           </a:xfrm>
           <a:prstGeom prst="triangle">
             <a:avLst>
@@ -5463,7 +5463,7 @@
         <p:spPr>
           <a:xfrm>
             <a:off x="4037400" y="6356160"/>
-            <a:ext cx="1343520" cy="497160"/>
+            <a:ext cx="1342800" cy="496440"/>
           </a:xfrm>
           <a:prstGeom prst="triangle">
             <a:avLst>
@@ -5504,7 +5504,7 @@
         <p:spPr>
           <a:xfrm>
             <a:off x="6221520" y="6359400"/>
-            <a:ext cx="1343520" cy="497160"/>
+            <a:ext cx="1342800" cy="496440"/>
           </a:xfrm>
           <a:prstGeom prst="triangle">
             <a:avLst>
@@ -5545,7 +5545,7 @@
         <p:spPr>
           <a:xfrm>
             <a:off x="5032080" y="6356160"/>
-            <a:ext cx="1343520" cy="497160"/>
+            <a:ext cx="1342800" cy="496440"/>
           </a:xfrm>
           <a:prstGeom prst="triangle">
             <a:avLst>
@@ -5642,7 +5642,7 @@
         <p:spPr>
           <a:xfrm>
             <a:off x="352440" y="324000"/>
-            <a:ext cx="5133960" cy="851040"/>
+            <a:ext cx="5133240" cy="850320"/>
           </a:xfrm>
           <a:prstGeom prst="rect">
             <a:avLst/>
@@ -5700,7 +5700,7 @@
         <p:spPr>
           <a:xfrm>
             <a:off x="352440" y="1235160"/>
-            <a:ext cx="2116440" cy="637920"/>
+            <a:ext cx="2115720" cy="637200"/>
           </a:xfrm>
           <a:prstGeom prst="rect">
             <a:avLst/>
@@ -5762,7 +5762,7 @@
         <p:spPr>
           <a:xfrm>
             <a:off x="9561600" y="3657600"/>
-            <a:ext cx="2142720" cy="2142720"/>
+            <a:ext cx="2142000" cy="2142000"/>
           </a:xfrm>
           <a:prstGeom prst="rect">
             <a:avLst/>
@@ -5781,7 +5781,7 @@
         <p:spPr>
           <a:xfrm>
             <a:off x="352440" y="1931040"/>
-            <a:ext cx="11442240" cy="3670560"/>
+            <a:ext cx="11441520" cy="3669840"/>
           </a:xfrm>
           <a:prstGeom prst="rect">
             <a:avLst/>
@@ -5800,18 +5800,13 @@
         <p:txBody>
           <a:bodyPr lIns="90000" rIns="90000" tIns="45000" bIns="45000"/>
           <a:p>
-            <a:pPr marL="216000" indent="-214920">
+            <a:pPr>
               <a:lnSpc>
                 <a:spcPct val="90000"/>
               </a:lnSpc>
               <a:spcBef>
                 <a:spcPts val="1001"/>
               </a:spcBef>
-              <a:buClr>
-                <a:srgbClr val="000000"/>
-              </a:buClr>
-              <a:buFont typeface="Wingdings" charset="2"/>
-              <a:buChar char=""/>
             </a:pPr>
             <a:endParaRPr b="0" lang="en-US" sz="1800" spc="-1" strike="noStrike">
               <a:latin typeface="Arial"/>
@@ -5986,7 +5981,7 @@
         <p:spPr>
           <a:xfrm>
             <a:off x="11110680" y="123840"/>
-            <a:ext cx="929520" cy="980640"/>
+            <a:ext cx="928800" cy="979920"/>
           </a:xfrm>
           <a:prstGeom prst="rect">
             <a:avLst/>
@@ -6005,7 +6000,7 @@
         <p:spPr>
           <a:xfrm>
             <a:off x="6502680" y="6263640"/>
-            <a:ext cx="1343520" cy="497160"/>
+            <a:ext cx="1342800" cy="496440"/>
           </a:xfrm>
           <a:prstGeom prst="triangle">
             <a:avLst>
@@ -6053,7 +6048,7 @@
         <p:spPr>
           <a:xfrm>
             <a:off x="3777120" y="6242400"/>
-            <a:ext cx="1343520" cy="497160"/>
+            <a:ext cx="1342800" cy="496440"/>
           </a:xfrm>
           <a:prstGeom prst="triangle">
             <a:avLst>
@@ -6101,7 +6096,7 @@
         <p:spPr>
           <a:xfrm>
             <a:off x="6948360" y="6263640"/>
-            <a:ext cx="1343520" cy="497160"/>
+            <a:ext cx="1342800" cy="496440"/>
           </a:xfrm>
           <a:prstGeom prst="triangle">
             <a:avLst>
@@ -6149,7 +6144,7 @@
         <p:spPr>
           <a:xfrm>
             <a:off x="8580960" y="6251760"/>
-            <a:ext cx="1343520" cy="497160"/>
+            <a:ext cx="1342800" cy="496440"/>
           </a:xfrm>
           <a:prstGeom prst="triangle">
             <a:avLst>
@@ -6197,7 +6192,7 @@
         <p:spPr>
           <a:xfrm>
             <a:off x="7927560" y="6250680"/>
-            <a:ext cx="1343520" cy="497160"/>
+            <a:ext cx="1342800" cy="496440"/>
           </a:xfrm>
           <a:prstGeom prst="triangle">
             <a:avLst>
@@ -6245,7 +6240,7 @@
         <p:spPr>
           <a:xfrm>
             <a:off x="7424280" y="6250680"/>
-            <a:ext cx="1343520" cy="497160"/>
+            <a:ext cx="1342800" cy="496440"/>
           </a:xfrm>
           <a:prstGeom prst="triangle">
             <a:avLst>
@@ -6293,7 +6288,7 @@
         <p:spPr>
           <a:xfrm>
             <a:off x="8341200" y="6342840"/>
-            <a:ext cx="1343520" cy="497160"/>
+            <a:ext cx="1342800" cy="496440"/>
           </a:xfrm>
           <a:prstGeom prst="triangle">
             <a:avLst>
@@ -6341,7 +6336,7 @@
         <p:spPr>
           <a:xfrm>
             <a:off x="7265520" y="6329880"/>
-            <a:ext cx="1343520" cy="497160"/>
+            <a:ext cx="1342800" cy="496440"/>
           </a:xfrm>
           <a:prstGeom prst="triangle">
             <a:avLst>
@@ -6389,7 +6384,7 @@
         <p:spPr>
           <a:xfrm>
             <a:off x="6572160" y="6356160"/>
-            <a:ext cx="1343520" cy="497160"/>
+            <a:ext cx="1342800" cy="496440"/>
           </a:xfrm>
           <a:prstGeom prst="triangle">
             <a:avLst>
@@ -6437,7 +6432,7 @@
         <p:spPr>
           <a:xfrm>
             <a:off x="9141120" y="6238440"/>
-            <a:ext cx="1343520" cy="497160"/>
+            <a:ext cx="1342800" cy="496440"/>
           </a:xfrm>
           <a:prstGeom prst="triangle">
             <a:avLst>
@@ -6485,7 +6480,7 @@
         <p:spPr>
           <a:xfrm>
             <a:off x="8746200" y="6347160"/>
-            <a:ext cx="1343520" cy="497160"/>
+            <a:ext cx="1342800" cy="496440"/>
           </a:xfrm>
           <a:prstGeom prst="triangle">
             <a:avLst>
@@ -6533,7 +6528,7 @@
         <p:spPr>
           <a:xfrm>
             <a:off x="7566840" y="6356160"/>
-            <a:ext cx="1343520" cy="497160"/>
+            <a:ext cx="1342800" cy="496440"/>
           </a:xfrm>
           <a:prstGeom prst="triangle">
             <a:avLst>
@@ -6581,7 +6576,7 @@
         <p:spPr>
           <a:xfrm>
             <a:off x="9368280" y="6356160"/>
-            <a:ext cx="2811600" cy="497160"/>
+            <a:ext cx="2810880" cy="496440"/>
           </a:xfrm>
           <a:prstGeom prst="rect">
             <a:avLst/>
@@ -6629,7 +6624,7 @@
         <p:spPr>
           <a:xfrm>
             <a:off x="7938000" y="6074280"/>
-            <a:ext cx="4244040" cy="779040"/>
+            <a:ext cx="4243320" cy="778320"/>
           </a:xfrm>
           <a:prstGeom prst="rect">
             <a:avLst/>
@@ -6660,7 +6655,7 @@
         <p:spPr>
           <a:xfrm>
             <a:off x="7146360" y="5930640"/>
-            <a:ext cx="5044320" cy="925920"/>
+            <a:ext cx="5043600" cy="925200"/>
           </a:xfrm>
           <a:prstGeom prst="rect">
             <a:avLst/>
@@ -6686,7 +6681,7 @@
         <p:spPr>
           <a:xfrm>
             <a:off x="10061640" y="6480720"/>
-            <a:ext cx="2118240" cy="363600"/>
+            <a:ext cx="2117520" cy="362880"/>
           </a:xfrm>
           <a:prstGeom prst="rect">
             <a:avLst/>
@@ -6752,7 +6747,7 @@
         <p:spPr>
           <a:xfrm>
             <a:off x="8629560" y="6203160"/>
-            <a:ext cx="3561120" cy="653400"/>
+            <a:ext cx="3560400" cy="652680"/>
           </a:xfrm>
           <a:prstGeom prst="rect">
             <a:avLst/>
@@ -6778,7 +6773,7 @@
         <p:spPr>
           <a:xfrm>
             <a:off x="966600" y="6263640"/>
-            <a:ext cx="1343520" cy="497160"/>
+            <a:ext cx="1342800" cy="496440"/>
           </a:xfrm>
           <a:prstGeom prst="triangle">
             <a:avLst>
@@ -6826,7 +6821,7 @@
         <p:spPr>
           <a:xfrm>
             <a:off x="2598840" y="6251760"/>
-            <a:ext cx="1343520" cy="497160"/>
+            <a:ext cx="1342800" cy="496440"/>
           </a:xfrm>
           <a:prstGeom prst="triangle">
             <a:avLst>
@@ -6874,7 +6869,7 @@
         <p:spPr>
           <a:xfrm>
             <a:off x="1945440" y="6250680"/>
-            <a:ext cx="1343520" cy="497160"/>
+            <a:ext cx="1342800" cy="496440"/>
           </a:xfrm>
           <a:prstGeom prst="triangle">
             <a:avLst>
@@ -6922,7 +6917,7 @@
         <p:spPr>
           <a:xfrm>
             <a:off x="1442160" y="6250680"/>
-            <a:ext cx="1343520" cy="497160"/>
+            <a:ext cx="1342800" cy="496440"/>
           </a:xfrm>
           <a:prstGeom prst="triangle">
             <a:avLst>
@@ -6970,7 +6965,7 @@
         <p:spPr>
           <a:xfrm>
             <a:off x="309240" y="6237360"/>
-            <a:ext cx="1343520" cy="497160"/>
+            <a:ext cx="1342800" cy="496440"/>
           </a:xfrm>
           <a:prstGeom prst="triangle">
             <a:avLst>
@@ -7018,7 +7013,7 @@
         <p:spPr>
           <a:xfrm>
             <a:off x="0" y="6356160"/>
-            <a:ext cx="1343520" cy="497160"/>
+            <a:ext cx="1342800" cy="496440"/>
           </a:xfrm>
           <a:prstGeom prst="triangle">
             <a:avLst>
@@ -7059,7 +7054,7 @@
         <p:spPr>
           <a:xfrm>
             <a:off x="2359080" y="6342840"/>
-            <a:ext cx="1343520" cy="497160"/>
+            <a:ext cx="1342800" cy="496440"/>
           </a:xfrm>
           <a:prstGeom prst="triangle">
             <a:avLst>
@@ -7107,7 +7102,7 @@
         <p:spPr>
           <a:xfrm>
             <a:off x="1283760" y="6329880"/>
-            <a:ext cx="1343520" cy="497160"/>
+            <a:ext cx="1342800" cy="496440"/>
           </a:xfrm>
           <a:prstGeom prst="triangle">
             <a:avLst>
@@ -7155,7 +7150,7 @@
         <p:spPr>
           <a:xfrm>
             <a:off x="590040" y="6356160"/>
-            <a:ext cx="1343520" cy="497160"/>
+            <a:ext cx="1342800" cy="496440"/>
           </a:xfrm>
           <a:prstGeom prst="triangle">
             <a:avLst>
@@ -7196,7 +7191,7 @@
         <p:spPr>
           <a:xfrm>
             <a:off x="3159000" y="6238440"/>
-            <a:ext cx="1343520" cy="497160"/>
+            <a:ext cx="1342800" cy="496440"/>
           </a:xfrm>
           <a:prstGeom prst="triangle">
             <a:avLst>
@@ -7244,7 +7239,7 @@
         <p:spPr>
           <a:xfrm>
             <a:off x="2764080" y="6347160"/>
-            <a:ext cx="1343520" cy="497160"/>
+            <a:ext cx="1342800" cy="496440"/>
           </a:xfrm>
           <a:prstGeom prst="triangle">
             <a:avLst>
@@ -7292,7 +7287,7 @@
         <p:spPr>
           <a:xfrm>
             <a:off x="1584720" y="6356160"/>
-            <a:ext cx="1343520" cy="497160"/>
+            <a:ext cx="1342800" cy="496440"/>
           </a:xfrm>
           <a:prstGeom prst="triangle">
             <a:avLst>
@@ -7333,7 +7328,7 @@
         <p:spPr>
           <a:xfrm>
             <a:off x="3468960" y="6351480"/>
-            <a:ext cx="1343520" cy="497160"/>
+            <a:ext cx="1342800" cy="496440"/>
           </a:xfrm>
           <a:prstGeom prst="triangle">
             <a:avLst>
@@ -7374,7 +7369,7 @@
         <p:spPr>
           <a:xfrm>
             <a:off x="4413960" y="6263640"/>
-            <a:ext cx="1343520" cy="497160"/>
+            <a:ext cx="1342800" cy="496440"/>
           </a:xfrm>
           <a:prstGeom prst="triangle">
             <a:avLst>
@@ -7422,7 +7417,7 @@
         <p:spPr>
           <a:xfrm>
             <a:off x="6046560" y="6251760"/>
-            <a:ext cx="1343520" cy="497160"/>
+            <a:ext cx="1342800" cy="496440"/>
           </a:xfrm>
           <a:prstGeom prst="triangle">
             <a:avLst>
@@ -7470,7 +7465,7 @@
         <p:spPr>
           <a:xfrm>
             <a:off x="5393160" y="6250680"/>
-            <a:ext cx="1343520" cy="497160"/>
+            <a:ext cx="1342800" cy="496440"/>
           </a:xfrm>
           <a:prstGeom prst="triangle">
             <a:avLst>
@@ -7518,7 +7513,7 @@
         <p:spPr>
           <a:xfrm>
             <a:off x="4889880" y="6250680"/>
-            <a:ext cx="1343520" cy="497160"/>
+            <a:ext cx="1342800" cy="496440"/>
           </a:xfrm>
           <a:prstGeom prst="triangle">
             <a:avLst>
@@ -7566,7 +7561,7 @@
         <p:spPr>
           <a:xfrm>
             <a:off x="5806800" y="6342840"/>
-            <a:ext cx="1343520" cy="497160"/>
+            <a:ext cx="1342800" cy="496440"/>
           </a:xfrm>
           <a:prstGeom prst="triangle">
             <a:avLst>
@@ -7614,7 +7609,7 @@
         <p:spPr>
           <a:xfrm>
             <a:off x="4731120" y="6329880"/>
-            <a:ext cx="1343520" cy="497160"/>
+            <a:ext cx="1342800" cy="496440"/>
           </a:xfrm>
           <a:prstGeom prst="triangle">
             <a:avLst>
@@ -7662,7 +7657,7 @@
         <p:spPr>
           <a:xfrm>
             <a:off x="4037400" y="6356160"/>
-            <a:ext cx="1343520" cy="497160"/>
+            <a:ext cx="1342800" cy="496440"/>
           </a:xfrm>
           <a:prstGeom prst="triangle">
             <a:avLst>
@@ -7703,7 +7698,7 @@
         <p:spPr>
           <a:xfrm>
             <a:off x="6221520" y="6359400"/>
-            <a:ext cx="1343520" cy="497160"/>
+            <a:ext cx="1342800" cy="496440"/>
           </a:xfrm>
           <a:prstGeom prst="triangle">
             <a:avLst>
@@ -7744,7 +7739,7 @@
         <p:spPr>
           <a:xfrm>
             <a:off x="5032080" y="6356160"/>
-            <a:ext cx="1343520" cy="497160"/>
+            <a:ext cx="1342800" cy="496440"/>
           </a:xfrm>
           <a:prstGeom prst="triangle">
             <a:avLst>
@@ -7841,7 +7836,7 @@
         <p:spPr>
           <a:xfrm>
             <a:off x="352440" y="324000"/>
-            <a:ext cx="7877160" cy="851040"/>
+            <a:ext cx="7876440" cy="850320"/>
           </a:xfrm>
           <a:prstGeom prst="rect">
             <a:avLst/>
@@ -7899,7 +7894,7 @@
         <p:spPr>
           <a:xfrm>
             <a:off x="352440" y="1235160"/>
-            <a:ext cx="7511400" cy="637920"/>
+            <a:ext cx="7510680" cy="637200"/>
           </a:xfrm>
           <a:prstGeom prst="rect">
             <a:avLst/>
@@ -7957,7 +7952,7 @@
         <p:spPr>
           <a:xfrm>
             <a:off x="352440" y="1931040"/>
-            <a:ext cx="11442240" cy="1239120"/>
+            <a:ext cx="11441520" cy="1238400"/>
           </a:xfrm>
           <a:prstGeom prst="rect">
             <a:avLst/>
@@ -7976,25 +7971,20 @@
         <p:txBody>
           <a:bodyPr lIns="90000" rIns="90000" tIns="45000" bIns="45000"/>
           <a:p>
-            <a:pPr marL="216000" indent="-214920">
+            <a:pPr>
               <a:lnSpc>
                 <a:spcPct val="90000"/>
               </a:lnSpc>
               <a:spcBef>
                 <a:spcPts val="1001"/>
               </a:spcBef>
-              <a:buClr>
-                <a:srgbClr val="000000"/>
-              </a:buClr>
-              <a:buFont typeface="Wingdings" charset="2"/>
-              <a:buChar char=""/>
             </a:pPr>
             <a:endParaRPr b="0" lang="en-US" sz="1800" spc="-1" strike="noStrike">
               <a:latin typeface="Arial"/>
             </a:endParaRPr>
           </a:p>
           <a:p>
-            <a:pPr marL="216000" indent="-214920">
+            <a:pPr marL="216000" indent="-214200">
               <a:lnSpc>
                 <a:spcPct val="90000"/>
               </a:lnSpc>
@@ -8022,25 +8012,20 @@
             </a:endParaRPr>
           </a:p>
           <a:p>
-            <a:pPr marL="216000" indent="-214920">
+            <a:pPr>
               <a:lnSpc>
                 <a:spcPct val="90000"/>
               </a:lnSpc>
               <a:spcBef>
                 <a:spcPts val="1001"/>
               </a:spcBef>
-              <a:buClr>
-                <a:srgbClr val="000000"/>
-              </a:buClr>
-              <a:buFont typeface="Wingdings" charset="2"/>
-              <a:buChar char=""/>
             </a:pPr>
             <a:endParaRPr b="0" lang="en-US" sz="2200" spc="-1" strike="noStrike">
               <a:latin typeface="Arial"/>
             </a:endParaRPr>
           </a:p>
           <a:p>
-            <a:pPr marL="216000" indent="-214920">
+            <a:pPr marL="216000" indent="-214200">
               <a:lnSpc>
                 <a:spcPct val="90000"/>
               </a:lnSpc>
@@ -8082,7 +8067,7 @@
         <p:spPr>
           <a:xfrm>
             <a:off x="11110680" y="123840"/>
-            <a:ext cx="929520" cy="980640"/>
+            <a:ext cx="928800" cy="979920"/>
           </a:xfrm>
           <a:prstGeom prst="rect">
             <a:avLst/>
@@ -8101,7 +8086,7 @@
         <p:spPr>
           <a:xfrm>
             <a:off x="6502680" y="6263640"/>
-            <a:ext cx="1343520" cy="497160"/>
+            <a:ext cx="1342800" cy="496440"/>
           </a:xfrm>
           <a:prstGeom prst="triangle">
             <a:avLst>
@@ -8149,7 +8134,7 @@
         <p:spPr>
           <a:xfrm>
             <a:off x="3777120" y="6242400"/>
-            <a:ext cx="1343520" cy="497160"/>
+            <a:ext cx="1342800" cy="496440"/>
           </a:xfrm>
           <a:prstGeom prst="triangle">
             <a:avLst>
@@ -8197,7 +8182,7 @@
         <p:spPr>
           <a:xfrm>
             <a:off x="6948360" y="6263640"/>
-            <a:ext cx="1343520" cy="497160"/>
+            <a:ext cx="1342800" cy="496440"/>
           </a:xfrm>
           <a:prstGeom prst="triangle">
             <a:avLst>
@@ -8245,7 +8230,7 @@
         <p:spPr>
           <a:xfrm>
             <a:off x="8580960" y="6251760"/>
-            <a:ext cx="1343520" cy="497160"/>
+            <a:ext cx="1342800" cy="496440"/>
           </a:xfrm>
           <a:prstGeom prst="triangle">
             <a:avLst>
@@ -8293,7 +8278,7 @@
         <p:spPr>
           <a:xfrm>
             <a:off x="7927560" y="6250680"/>
-            <a:ext cx="1343520" cy="497160"/>
+            <a:ext cx="1342800" cy="496440"/>
           </a:xfrm>
           <a:prstGeom prst="triangle">
             <a:avLst>
@@ -8341,7 +8326,7 @@
         <p:spPr>
           <a:xfrm>
             <a:off x="7424280" y="6250680"/>
-            <a:ext cx="1343520" cy="497160"/>
+            <a:ext cx="1342800" cy="496440"/>
           </a:xfrm>
           <a:prstGeom prst="triangle">
             <a:avLst>
@@ -8389,7 +8374,7 @@
         <p:spPr>
           <a:xfrm>
             <a:off x="8341200" y="6342840"/>
-            <a:ext cx="1343520" cy="497160"/>
+            <a:ext cx="1342800" cy="496440"/>
           </a:xfrm>
           <a:prstGeom prst="triangle">
             <a:avLst>
@@ -8437,7 +8422,7 @@
         <p:spPr>
           <a:xfrm>
             <a:off x="7265520" y="6329880"/>
-            <a:ext cx="1343520" cy="497160"/>
+            <a:ext cx="1342800" cy="496440"/>
           </a:xfrm>
           <a:prstGeom prst="triangle">
             <a:avLst>
@@ -8485,7 +8470,7 @@
         <p:spPr>
           <a:xfrm>
             <a:off x="6572160" y="6356160"/>
-            <a:ext cx="1343520" cy="497160"/>
+            <a:ext cx="1342800" cy="496440"/>
           </a:xfrm>
           <a:prstGeom prst="triangle">
             <a:avLst>
@@ -8533,7 +8518,7 @@
         <p:spPr>
           <a:xfrm>
             <a:off x="9141120" y="6238440"/>
-            <a:ext cx="1343520" cy="497160"/>
+            <a:ext cx="1342800" cy="496440"/>
           </a:xfrm>
           <a:prstGeom prst="triangle">
             <a:avLst>
@@ -8581,7 +8566,7 @@
         <p:spPr>
           <a:xfrm>
             <a:off x="8746200" y="6347160"/>
-            <a:ext cx="1343520" cy="497160"/>
+            <a:ext cx="1342800" cy="496440"/>
           </a:xfrm>
           <a:prstGeom prst="triangle">
             <a:avLst>
@@ -8629,7 +8614,7 @@
         <p:spPr>
           <a:xfrm>
             <a:off x="7566840" y="6356160"/>
-            <a:ext cx="1343520" cy="497160"/>
+            <a:ext cx="1342800" cy="496440"/>
           </a:xfrm>
           <a:prstGeom prst="triangle">
             <a:avLst>
@@ -8677,7 +8662,7 @@
         <p:spPr>
           <a:xfrm>
             <a:off x="9368280" y="6356160"/>
-            <a:ext cx="2811600" cy="497160"/>
+            <a:ext cx="2810880" cy="496440"/>
           </a:xfrm>
           <a:prstGeom prst="rect">
             <a:avLst/>
@@ -8725,7 +8710,7 @@
         <p:spPr>
           <a:xfrm>
             <a:off x="7938000" y="6074280"/>
-            <a:ext cx="4244040" cy="779040"/>
+            <a:ext cx="4243320" cy="778320"/>
           </a:xfrm>
           <a:prstGeom prst="rect">
             <a:avLst/>
@@ -8756,7 +8741,7 @@
         <p:spPr>
           <a:xfrm>
             <a:off x="7146360" y="5930640"/>
-            <a:ext cx="5044320" cy="925920"/>
+            <a:ext cx="5043600" cy="925200"/>
           </a:xfrm>
           <a:prstGeom prst="rect">
             <a:avLst/>
@@ -8782,7 +8767,7 @@
         <p:spPr>
           <a:xfrm>
             <a:off x="10061640" y="6480720"/>
-            <a:ext cx="2118240" cy="363600"/>
+            <a:ext cx="2117520" cy="362880"/>
           </a:xfrm>
           <a:prstGeom prst="rect">
             <a:avLst/>
@@ -8848,7 +8833,7 @@
         <p:spPr>
           <a:xfrm>
             <a:off x="8629560" y="6203160"/>
-            <a:ext cx="3561120" cy="653400"/>
+            <a:ext cx="3560400" cy="652680"/>
           </a:xfrm>
           <a:prstGeom prst="rect">
             <a:avLst/>
@@ -8874,7 +8859,7 @@
         <p:spPr>
           <a:xfrm>
             <a:off x="966600" y="6263640"/>
-            <a:ext cx="1343520" cy="497160"/>
+            <a:ext cx="1342800" cy="496440"/>
           </a:xfrm>
           <a:prstGeom prst="triangle">
             <a:avLst>
@@ -8922,7 +8907,7 @@
         <p:spPr>
           <a:xfrm>
             <a:off x="2598840" y="6251760"/>
-            <a:ext cx="1343520" cy="497160"/>
+            <a:ext cx="1342800" cy="496440"/>
           </a:xfrm>
           <a:prstGeom prst="triangle">
             <a:avLst>
@@ -8970,7 +8955,7 @@
         <p:spPr>
           <a:xfrm>
             <a:off x="1945440" y="6250680"/>
-            <a:ext cx="1343520" cy="497160"/>
+            <a:ext cx="1342800" cy="496440"/>
           </a:xfrm>
           <a:prstGeom prst="triangle">
             <a:avLst>
@@ -9018,7 +9003,7 @@
         <p:spPr>
           <a:xfrm>
             <a:off x="1442160" y="6250680"/>
-            <a:ext cx="1343520" cy="497160"/>
+            <a:ext cx="1342800" cy="496440"/>
           </a:xfrm>
           <a:prstGeom prst="triangle">
             <a:avLst>
@@ -9066,7 +9051,7 @@
         <p:spPr>
           <a:xfrm>
             <a:off x="309240" y="6237360"/>
-            <a:ext cx="1343520" cy="497160"/>
+            <a:ext cx="1342800" cy="496440"/>
           </a:xfrm>
           <a:prstGeom prst="triangle">
             <a:avLst>
@@ -9114,7 +9099,7 @@
         <p:spPr>
           <a:xfrm>
             <a:off x="0" y="6356160"/>
-            <a:ext cx="1343520" cy="497160"/>
+            <a:ext cx="1342800" cy="496440"/>
           </a:xfrm>
           <a:prstGeom prst="triangle">
             <a:avLst>
@@ -9155,7 +9140,7 @@
         <p:spPr>
           <a:xfrm>
             <a:off x="2359080" y="6342840"/>
-            <a:ext cx="1343520" cy="497160"/>
+            <a:ext cx="1342800" cy="496440"/>
           </a:xfrm>
           <a:prstGeom prst="triangle">
             <a:avLst>
@@ -9203,7 +9188,7 @@
         <p:spPr>
           <a:xfrm>
             <a:off x="1283760" y="6329880"/>
-            <a:ext cx="1343520" cy="497160"/>
+            <a:ext cx="1342800" cy="496440"/>
           </a:xfrm>
           <a:prstGeom prst="triangle">
             <a:avLst>
@@ -9251,7 +9236,7 @@
         <p:spPr>
           <a:xfrm>
             <a:off x="590040" y="6356160"/>
-            <a:ext cx="1343520" cy="497160"/>
+            <a:ext cx="1342800" cy="496440"/>
           </a:xfrm>
           <a:prstGeom prst="triangle">
             <a:avLst>
@@ -9292,7 +9277,7 @@
         <p:spPr>
           <a:xfrm>
             <a:off x="3159000" y="6238440"/>
-            <a:ext cx="1343520" cy="497160"/>
+            <a:ext cx="1342800" cy="496440"/>
           </a:xfrm>
           <a:prstGeom prst="triangle">
             <a:avLst>
@@ -9340,7 +9325,7 @@
         <p:spPr>
           <a:xfrm>
             <a:off x="2764080" y="6347160"/>
-            <a:ext cx="1343520" cy="497160"/>
+            <a:ext cx="1342800" cy="496440"/>
           </a:xfrm>
           <a:prstGeom prst="triangle">
             <a:avLst>
@@ -9388,7 +9373,7 @@
         <p:spPr>
           <a:xfrm>
             <a:off x="1584720" y="6356160"/>
-            <a:ext cx="1343520" cy="497160"/>
+            <a:ext cx="1342800" cy="496440"/>
           </a:xfrm>
           <a:prstGeom prst="triangle">
             <a:avLst>
@@ -9429,7 +9414,7 @@
         <p:spPr>
           <a:xfrm>
             <a:off x="3468960" y="6351480"/>
-            <a:ext cx="1343520" cy="497160"/>
+            <a:ext cx="1342800" cy="496440"/>
           </a:xfrm>
           <a:prstGeom prst="triangle">
             <a:avLst>
@@ -9470,7 +9455,7 @@
         <p:spPr>
           <a:xfrm>
             <a:off x="4413960" y="6263640"/>
-            <a:ext cx="1343520" cy="497160"/>
+            <a:ext cx="1342800" cy="496440"/>
           </a:xfrm>
           <a:prstGeom prst="triangle">
             <a:avLst>
@@ -9518,7 +9503,7 @@
         <p:spPr>
           <a:xfrm>
             <a:off x="6046560" y="6251760"/>
-            <a:ext cx="1343520" cy="497160"/>
+            <a:ext cx="1342800" cy="496440"/>
           </a:xfrm>
           <a:prstGeom prst="triangle">
             <a:avLst>
@@ -9566,7 +9551,7 @@
         <p:spPr>
           <a:xfrm>
             <a:off x="5393160" y="6250680"/>
-            <a:ext cx="1343520" cy="497160"/>
+            <a:ext cx="1342800" cy="496440"/>
           </a:xfrm>
           <a:prstGeom prst="triangle">
             <a:avLst>
@@ -9614,7 +9599,7 @@
         <p:spPr>
           <a:xfrm>
             <a:off x="4889880" y="6250680"/>
-            <a:ext cx="1343520" cy="497160"/>
+            <a:ext cx="1342800" cy="496440"/>
           </a:xfrm>
           <a:prstGeom prst="triangle">
             <a:avLst>
@@ -9662,7 +9647,7 @@
         <p:spPr>
           <a:xfrm>
             <a:off x="5806800" y="6342840"/>
-            <a:ext cx="1343520" cy="497160"/>
+            <a:ext cx="1342800" cy="496440"/>
           </a:xfrm>
           <a:prstGeom prst="triangle">
             <a:avLst>
@@ -9710,7 +9695,7 @@
         <p:spPr>
           <a:xfrm>
             <a:off x="4731120" y="6329880"/>
-            <a:ext cx="1343520" cy="497160"/>
+            <a:ext cx="1342800" cy="496440"/>
           </a:xfrm>
           <a:prstGeom prst="triangle">
             <a:avLst>
@@ -9758,7 +9743,7 @@
         <p:spPr>
           <a:xfrm>
             <a:off x="4037400" y="6356160"/>
-            <a:ext cx="1343520" cy="497160"/>
+            <a:ext cx="1342800" cy="496440"/>
           </a:xfrm>
           <a:prstGeom prst="triangle">
             <a:avLst>
@@ -9799,7 +9784,7 @@
         <p:spPr>
           <a:xfrm>
             <a:off x="6221520" y="6359400"/>
-            <a:ext cx="1343520" cy="497160"/>
+            <a:ext cx="1342800" cy="496440"/>
           </a:xfrm>
           <a:prstGeom prst="triangle">
             <a:avLst>
@@ -9840,7 +9825,7 @@
         <p:spPr>
           <a:xfrm>
             <a:off x="5032080" y="6356160"/>
-            <a:ext cx="1343520" cy="497160"/>
+            <a:ext cx="1342800" cy="496440"/>
           </a:xfrm>
           <a:prstGeom prst="triangle">
             <a:avLst>
@@ -9937,7 +9922,7 @@
         <p:spPr>
           <a:xfrm>
             <a:off x="352440" y="324000"/>
-            <a:ext cx="7877160" cy="851040"/>
+            <a:ext cx="7876440" cy="850320"/>
           </a:xfrm>
           <a:prstGeom prst="rect">
             <a:avLst/>
@@ -9995,7 +9980,7 @@
         <p:spPr>
           <a:xfrm>
             <a:off x="352440" y="1235160"/>
-            <a:ext cx="7511400" cy="637920"/>
+            <a:ext cx="7510680" cy="637200"/>
           </a:xfrm>
           <a:prstGeom prst="rect">
             <a:avLst/>
@@ -10053,7 +10038,7 @@
         <p:spPr>
           <a:xfrm>
             <a:off x="352440" y="1931040"/>
-            <a:ext cx="11442240" cy="1239120"/>
+            <a:ext cx="11441520" cy="1238400"/>
           </a:xfrm>
           <a:prstGeom prst="rect">
             <a:avLst/>
@@ -10072,25 +10057,20 @@
         <p:txBody>
           <a:bodyPr lIns="90000" rIns="90000" tIns="45000" bIns="45000"/>
           <a:p>
-            <a:pPr marL="216000" indent="-214920">
+            <a:pPr>
               <a:lnSpc>
                 <a:spcPct val="90000"/>
               </a:lnSpc>
               <a:spcBef>
                 <a:spcPts val="1001"/>
               </a:spcBef>
-              <a:buClr>
-                <a:srgbClr val="000000"/>
-              </a:buClr>
-              <a:buFont typeface="Wingdings" charset="2"/>
-              <a:buChar char=""/>
             </a:pPr>
             <a:endParaRPr b="0" lang="en-US" sz="1800" spc="-1" strike="noStrike">
               <a:latin typeface="Arial"/>
             </a:endParaRPr>
           </a:p>
           <a:p>
-            <a:pPr marL="216000" indent="-214920">
+            <a:pPr marL="216000" indent="-214200">
               <a:lnSpc>
                 <a:spcPct val="90000"/>
               </a:lnSpc>
@@ -10132,7 +10112,7 @@
         <p:spPr>
           <a:xfrm>
             <a:off x="11110680" y="123840"/>
-            <a:ext cx="929520" cy="980640"/>
+            <a:ext cx="928800" cy="979920"/>
           </a:xfrm>
           <a:prstGeom prst="rect">
             <a:avLst/>
@@ -10151,7 +10131,7 @@
         <p:spPr>
           <a:xfrm>
             <a:off x="6502680" y="6263640"/>
-            <a:ext cx="1343520" cy="497160"/>
+            <a:ext cx="1342800" cy="496440"/>
           </a:xfrm>
           <a:prstGeom prst="triangle">
             <a:avLst>
@@ -10199,7 +10179,7 @@
         <p:spPr>
           <a:xfrm>
             <a:off x="3777120" y="6242400"/>
-            <a:ext cx="1343520" cy="497160"/>
+            <a:ext cx="1342800" cy="496440"/>
           </a:xfrm>
           <a:prstGeom prst="triangle">
             <a:avLst>
@@ -10247,7 +10227,7 @@
         <p:spPr>
           <a:xfrm>
             <a:off x="6948360" y="6263640"/>
-            <a:ext cx="1343520" cy="497160"/>
+            <a:ext cx="1342800" cy="496440"/>
           </a:xfrm>
           <a:prstGeom prst="triangle">
             <a:avLst>
@@ -10295,7 +10275,7 @@
         <p:spPr>
           <a:xfrm>
             <a:off x="8580960" y="6251760"/>
-            <a:ext cx="1343520" cy="497160"/>
+            <a:ext cx="1342800" cy="496440"/>
           </a:xfrm>
           <a:prstGeom prst="triangle">
             <a:avLst>
@@ -10343,7 +10323,7 @@
         <p:spPr>
           <a:xfrm>
             <a:off x="7927560" y="6250680"/>
-            <a:ext cx="1343520" cy="497160"/>
+            <a:ext cx="1342800" cy="496440"/>
           </a:xfrm>
           <a:prstGeom prst="triangle">
             <a:avLst>
@@ -10391,7 +10371,7 @@
         <p:spPr>
           <a:xfrm>
             <a:off x="7424280" y="6250680"/>
-            <a:ext cx="1343520" cy="497160"/>
+            <a:ext cx="1342800" cy="496440"/>
           </a:xfrm>
           <a:prstGeom prst="triangle">
             <a:avLst>
@@ -10439,7 +10419,7 @@
         <p:spPr>
           <a:xfrm>
             <a:off x="8341200" y="6342840"/>
-            <a:ext cx="1343520" cy="497160"/>
+            <a:ext cx="1342800" cy="496440"/>
           </a:xfrm>
           <a:prstGeom prst="triangle">
             <a:avLst>
@@ -10487,7 +10467,7 @@
         <p:spPr>
           <a:xfrm>
             <a:off x="7265520" y="6329880"/>
-            <a:ext cx="1343520" cy="497160"/>
+            <a:ext cx="1342800" cy="496440"/>
           </a:xfrm>
           <a:prstGeom prst="triangle">
             <a:avLst>
@@ -10535,7 +10515,7 @@
         <p:spPr>
           <a:xfrm>
             <a:off x="6572160" y="6356160"/>
-            <a:ext cx="1343520" cy="497160"/>
+            <a:ext cx="1342800" cy="496440"/>
           </a:xfrm>
           <a:prstGeom prst="triangle">
             <a:avLst>
@@ -10583,7 +10563,7 @@
         <p:spPr>
           <a:xfrm>
             <a:off x="9141120" y="6238440"/>
-            <a:ext cx="1343520" cy="497160"/>
+            <a:ext cx="1342800" cy="496440"/>
           </a:xfrm>
           <a:prstGeom prst="triangle">
             <a:avLst>
@@ -10631,7 +10611,7 @@
         <p:spPr>
           <a:xfrm>
             <a:off x="8746200" y="6347160"/>
-            <a:ext cx="1343520" cy="497160"/>
+            <a:ext cx="1342800" cy="496440"/>
           </a:xfrm>
           <a:prstGeom prst="triangle">
             <a:avLst>
@@ -10679,7 +10659,7 @@
         <p:spPr>
           <a:xfrm>
             <a:off x="7566840" y="6356160"/>
-            <a:ext cx="1343520" cy="497160"/>
+            <a:ext cx="1342800" cy="496440"/>
           </a:xfrm>
           <a:prstGeom prst="triangle">
             <a:avLst>
@@ -10727,7 +10707,7 @@
         <p:spPr>
           <a:xfrm>
             <a:off x="9368280" y="6356160"/>
-            <a:ext cx="2811600" cy="497160"/>
+            <a:ext cx="2810880" cy="496440"/>
           </a:xfrm>
           <a:prstGeom prst="rect">
             <a:avLst/>
@@ -10775,7 +10755,7 @@
         <p:spPr>
           <a:xfrm>
             <a:off x="7938000" y="6074280"/>
-            <a:ext cx="4244040" cy="779040"/>
+            <a:ext cx="4243320" cy="778320"/>
           </a:xfrm>
           <a:prstGeom prst="rect">
             <a:avLst/>
@@ -10806,7 +10786,7 @@
         <p:spPr>
           <a:xfrm>
             <a:off x="7146360" y="5930640"/>
-            <a:ext cx="5044320" cy="925920"/>
+            <a:ext cx="5043600" cy="925200"/>
           </a:xfrm>
           <a:prstGeom prst="rect">
             <a:avLst/>
@@ -10832,7 +10812,7 @@
         <p:spPr>
           <a:xfrm>
             <a:off x="10061640" y="6480720"/>
-            <a:ext cx="2118240" cy="363600"/>
+            <a:ext cx="2117520" cy="362880"/>
           </a:xfrm>
           <a:prstGeom prst="rect">
             <a:avLst/>
@@ -10898,7 +10878,7 @@
         <p:spPr>
           <a:xfrm>
             <a:off x="8629560" y="6203160"/>
-            <a:ext cx="3561120" cy="653400"/>
+            <a:ext cx="3560400" cy="652680"/>
           </a:xfrm>
           <a:prstGeom prst="rect">
             <a:avLst/>
@@ -10924,7 +10904,7 @@
         <p:spPr>
           <a:xfrm>
             <a:off x="966600" y="6263640"/>
-            <a:ext cx="1343520" cy="497160"/>
+            <a:ext cx="1342800" cy="496440"/>
           </a:xfrm>
           <a:prstGeom prst="triangle">
             <a:avLst>
@@ -10972,7 +10952,7 @@
         <p:spPr>
           <a:xfrm>
             <a:off x="2598840" y="6251760"/>
-            <a:ext cx="1343520" cy="497160"/>
+            <a:ext cx="1342800" cy="496440"/>
           </a:xfrm>
           <a:prstGeom prst="triangle">
             <a:avLst>
@@ -11020,7 +11000,7 @@
         <p:spPr>
           <a:xfrm>
             <a:off x="1945440" y="6250680"/>
-            <a:ext cx="1343520" cy="497160"/>
+            <a:ext cx="1342800" cy="496440"/>
           </a:xfrm>
           <a:prstGeom prst="triangle">
             <a:avLst>
@@ -11068,7 +11048,7 @@
         <p:spPr>
           <a:xfrm>
             <a:off x="1442160" y="6250680"/>
-            <a:ext cx="1343520" cy="497160"/>
+            <a:ext cx="1342800" cy="496440"/>
           </a:xfrm>
           <a:prstGeom prst="triangle">
             <a:avLst>
@@ -11116,7 +11096,7 @@
         <p:spPr>
           <a:xfrm>
             <a:off x="309240" y="6237360"/>
-            <a:ext cx="1343520" cy="497160"/>
+            <a:ext cx="1342800" cy="496440"/>
           </a:xfrm>
           <a:prstGeom prst="triangle">
             <a:avLst>
@@ -11164,7 +11144,7 @@
         <p:spPr>
           <a:xfrm>
             <a:off x="0" y="6356160"/>
-            <a:ext cx="1343520" cy="497160"/>
+            <a:ext cx="1342800" cy="496440"/>
           </a:xfrm>
           <a:prstGeom prst="triangle">
             <a:avLst>
@@ -11205,7 +11185,7 @@
         <p:spPr>
           <a:xfrm>
             <a:off x="2359080" y="6342840"/>
-            <a:ext cx="1343520" cy="497160"/>
+            <a:ext cx="1342800" cy="496440"/>
           </a:xfrm>
           <a:prstGeom prst="triangle">
             <a:avLst>
@@ -11253,7 +11233,7 @@
         <p:spPr>
           <a:xfrm>
             <a:off x="1283760" y="6329880"/>
-            <a:ext cx="1343520" cy="497160"/>
+            <a:ext cx="1342800" cy="496440"/>
           </a:xfrm>
           <a:prstGeom prst="triangle">
             <a:avLst>
@@ -11301,7 +11281,7 @@
         <p:spPr>
           <a:xfrm>
             <a:off x="590040" y="6356160"/>
-            <a:ext cx="1343520" cy="497160"/>
+            <a:ext cx="1342800" cy="496440"/>
           </a:xfrm>
           <a:prstGeom prst="triangle">
             <a:avLst>
@@ -11342,7 +11322,7 @@
         <p:spPr>
           <a:xfrm>
             <a:off x="3159000" y="6238440"/>
-            <a:ext cx="1343520" cy="497160"/>
+            <a:ext cx="1342800" cy="496440"/>
           </a:xfrm>
           <a:prstGeom prst="triangle">
             <a:avLst>
@@ -11390,7 +11370,7 @@
         <p:spPr>
           <a:xfrm>
             <a:off x="2764080" y="6347160"/>
-            <a:ext cx="1343520" cy="497160"/>
+            <a:ext cx="1342800" cy="496440"/>
           </a:xfrm>
           <a:prstGeom prst="triangle">
             <a:avLst>
@@ -11438,7 +11418,7 @@
         <p:spPr>
           <a:xfrm>
             <a:off x="1584720" y="6356160"/>
-            <a:ext cx="1343520" cy="497160"/>
+            <a:ext cx="1342800" cy="496440"/>
           </a:xfrm>
           <a:prstGeom prst="triangle">
             <a:avLst>
@@ -11479,7 +11459,7 @@
         <p:spPr>
           <a:xfrm>
             <a:off x="3468960" y="6351480"/>
-            <a:ext cx="1343520" cy="497160"/>
+            <a:ext cx="1342800" cy="496440"/>
           </a:xfrm>
           <a:prstGeom prst="triangle">
             <a:avLst>
@@ -11520,7 +11500,7 @@
         <p:spPr>
           <a:xfrm>
             <a:off x="4413960" y="6263640"/>
-            <a:ext cx="1343520" cy="497160"/>
+            <a:ext cx="1342800" cy="496440"/>
           </a:xfrm>
           <a:prstGeom prst="triangle">
             <a:avLst>
@@ -11568,7 +11548,7 @@
         <p:spPr>
           <a:xfrm>
             <a:off x="6046560" y="6251760"/>
-            <a:ext cx="1343520" cy="497160"/>
+            <a:ext cx="1342800" cy="496440"/>
           </a:xfrm>
           <a:prstGeom prst="triangle">
             <a:avLst>
@@ -11616,7 +11596,7 @@
         <p:spPr>
           <a:xfrm>
             <a:off x="5393160" y="6250680"/>
-            <a:ext cx="1343520" cy="497160"/>
+            <a:ext cx="1342800" cy="496440"/>
           </a:xfrm>
           <a:prstGeom prst="triangle">
             <a:avLst>
@@ -11664,7 +11644,7 @@
         <p:spPr>
           <a:xfrm>
             <a:off x="4889880" y="6250680"/>
-            <a:ext cx="1343520" cy="497160"/>
+            <a:ext cx="1342800" cy="496440"/>
           </a:xfrm>
           <a:prstGeom prst="triangle">
             <a:avLst>
@@ -11712,7 +11692,7 @@
         <p:spPr>
           <a:xfrm>
             <a:off x="5806800" y="6342840"/>
-            <a:ext cx="1343520" cy="497160"/>
+            <a:ext cx="1342800" cy="496440"/>
           </a:xfrm>
           <a:prstGeom prst="triangle">
             <a:avLst>
@@ -11760,7 +11740,7 @@
         <p:spPr>
           <a:xfrm>
             <a:off x="4731120" y="6329880"/>
-            <a:ext cx="1343520" cy="497160"/>
+            <a:ext cx="1342800" cy="496440"/>
           </a:xfrm>
           <a:prstGeom prst="triangle">
             <a:avLst>
@@ -11808,7 +11788,7 @@
         <p:spPr>
           <a:xfrm>
             <a:off x="4037400" y="6356160"/>
-            <a:ext cx="1343520" cy="497160"/>
+            <a:ext cx="1342800" cy="496440"/>
           </a:xfrm>
           <a:prstGeom prst="triangle">
             <a:avLst>
@@ -11849,7 +11829,7 @@
         <p:spPr>
           <a:xfrm>
             <a:off x="6221520" y="6359400"/>
-            <a:ext cx="1343520" cy="497160"/>
+            <a:ext cx="1342800" cy="496440"/>
           </a:xfrm>
           <a:prstGeom prst="triangle">
             <a:avLst>
@@ -11890,7 +11870,7 @@
         <p:spPr>
           <a:xfrm>
             <a:off x="5032080" y="6356160"/>
-            <a:ext cx="1343520" cy="497160"/>
+            <a:ext cx="1342800" cy="496440"/>
           </a:xfrm>
           <a:prstGeom prst="triangle">
             <a:avLst>
@@ -11987,7 +11967,7 @@
         <p:spPr>
           <a:xfrm>
             <a:off x="352440" y="324000"/>
-            <a:ext cx="7877160" cy="851040"/>
+            <a:ext cx="7876440" cy="850320"/>
           </a:xfrm>
           <a:prstGeom prst="rect">
             <a:avLst/>
@@ -12045,7 +12025,7 @@
         <p:spPr>
           <a:xfrm>
             <a:off x="352440" y="1235160"/>
-            <a:ext cx="7511400" cy="637920"/>
+            <a:ext cx="7510680" cy="637200"/>
           </a:xfrm>
           <a:prstGeom prst="rect">
             <a:avLst/>
@@ -12103,7 +12083,7 @@
         <p:spPr>
           <a:xfrm>
             <a:off x="352440" y="1931040"/>
-            <a:ext cx="11442240" cy="1239120"/>
+            <a:ext cx="11441520" cy="1238400"/>
           </a:xfrm>
           <a:prstGeom prst="rect">
             <a:avLst/>
@@ -12122,25 +12102,20 @@
         <p:txBody>
           <a:bodyPr lIns="90000" rIns="90000" tIns="45000" bIns="45000"/>
           <a:p>
-            <a:pPr marL="216000" indent="-214920">
+            <a:pPr>
               <a:lnSpc>
                 <a:spcPct val="90000"/>
               </a:lnSpc>
               <a:spcBef>
                 <a:spcPts val="1001"/>
               </a:spcBef>
-              <a:buClr>
-                <a:srgbClr val="000000"/>
-              </a:buClr>
-              <a:buFont typeface="Wingdings" charset="2"/>
-              <a:buChar char=""/>
             </a:pPr>
             <a:endParaRPr b="0" lang="en-US" sz="1800" spc="-1" strike="noStrike">
               <a:latin typeface="Arial"/>
             </a:endParaRPr>
           </a:p>
           <a:p>
-            <a:pPr marL="216000" indent="-214920">
+            <a:pPr marL="216000" indent="-214200">
               <a:lnSpc>
                 <a:spcPct val="90000"/>
               </a:lnSpc>
@@ -12182,7 +12157,7 @@
         <p:spPr>
           <a:xfrm>
             <a:off x="11110680" y="123840"/>
-            <a:ext cx="929520" cy="980640"/>
+            <a:ext cx="928800" cy="979920"/>
           </a:xfrm>
           <a:prstGeom prst="rect">
             <a:avLst/>
@@ -12201,7 +12176,7 @@
         <p:spPr>
           <a:xfrm>
             <a:off x="6502680" y="6263640"/>
-            <a:ext cx="1343520" cy="497160"/>
+            <a:ext cx="1342800" cy="496440"/>
           </a:xfrm>
           <a:prstGeom prst="triangle">
             <a:avLst>
@@ -12249,7 +12224,7 @@
         <p:spPr>
           <a:xfrm>
             <a:off x="3777120" y="6242400"/>
-            <a:ext cx="1343520" cy="497160"/>
+            <a:ext cx="1342800" cy="496440"/>
           </a:xfrm>
           <a:prstGeom prst="triangle">
             <a:avLst>
@@ -12297,7 +12272,7 @@
         <p:spPr>
           <a:xfrm>
             <a:off x="6948360" y="6263640"/>
-            <a:ext cx="1343520" cy="497160"/>
+            <a:ext cx="1342800" cy="496440"/>
           </a:xfrm>
           <a:prstGeom prst="triangle">
             <a:avLst>
@@ -12345,7 +12320,7 @@
         <p:spPr>
           <a:xfrm>
             <a:off x="8580960" y="6251760"/>
-            <a:ext cx="1343520" cy="497160"/>
+            <a:ext cx="1342800" cy="496440"/>
           </a:xfrm>
           <a:prstGeom prst="triangle">
             <a:avLst>
@@ -12393,7 +12368,7 @@
         <p:spPr>
           <a:xfrm>
             <a:off x="7927560" y="6250680"/>
-            <a:ext cx="1343520" cy="497160"/>
+            <a:ext cx="1342800" cy="496440"/>
           </a:xfrm>
           <a:prstGeom prst="triangle">
             <a:avLst>
@@ -12441,7 +12416,7 @@
         <p:spPr>
           <a:xfrm>
             <a:off x="7424280" y="6250680"/>
-            <a:ext cx="1343520" cy="497160"/>
+            <a:ext cx="1342800" cy="496440"/>
           </a:xfrm>
           <a:prstGeom prst="triangle">
             <a:avLst>
@@ -12489,7 +12464,7 @@
         <p:spPr>
           <a:xfrm>
             <a:off x="8341200" y="6342840"/>
-            <a:ext cx="1343520" cy="497160"/>
+            <a:ext cx="1342800" cy="496440"/>
           </a:xfrm>
           <a:prstGeom prst="triangle">
             <a:avLst>
@@ -12537,7 +12512,7 @@
         <p:spPr>
           <a:xfrm>
             <a:off x="7265520" y="6329880"/>
-            <a:ext cx="1343520" cy="497160"/>
+            <a:ext cx="1342800" cy="496440"/>
           </a:xfrm>
           <a:prstGeom prst="triangle">
             <a:avLst>
@@ -12585,7 +12560,7 @@
         <p:spPr>
           <a:xfrm>
             <a:off x="6572160" y="6356160"/>
-            <a:ext cx="1343520" cy="497160"/>
+            <a:ext cx="1342800" cy="496440"/>
           </a:xfrm>
           <a:prstGeom prst="triangle">
             <a:avLst>
@@ -12633,7 +12608,7 @@
         <p:spPr>
           <a:xfrm>
             <a:off x="9141120" y="6238440"/>
-            <a:ext cx="1343520" cy="497160"/>
+            <a:ext cx="1342800" cy="496440"/>
           </a:xfrm>
           <a:prstGeom prst="triangle">
             <a:avLst>
@@ -12681,7 +12656,7 @@
         <p:spPr>
           <a:xfrm>
             <a:off x="8746200" y="6347160"/>
-            <a:ext cx="1343520" cy="497160"/>
+            <a:ext cx="1342800" cy="496440"/>
           </a:xfrm>
           <a:prstGeom prst="triangle">
             <a:avLst>
@@ -12729,7 +12704,7 @@
         <p:spPr>
           <a:xfrm>
             <a:off x="7566840" y="6356160"/>
-            <a:ext cx="1343520" cy="497160"/>
+            <a:ext cx="1342800" cy="496440"/>
           </a:xfrm>
           <a:prstGeom prst="triangle">
             <a:avLst>
@@ -12777,7 +12752,7 @@
         <p:spPr>
           <a:xfrm>
             <a:off x="9368280" y="6356160"/>
-            <a:ext cx="2811600" cy="497160"/>
+            <a:ext cx="2810880" cy="496440"/>
           </a:xfrm>
           <a:prstGeom prst="rect">
             <a:avLst/>
@@ -12825,7 +12800,7 @@
         <p:spPr>
           <a:xfrm>
             <a:off x="7938000" y="6074280"/>
-            <a:ext cx="4244040" cy="779040"/>
+            <a:ext cx="4243320" cy="778320"/>
           </a:xfrm>
           <a:prstGeom prst="rect">
             <a:avLst/>
@@ -12856,7 +12831,7 @@
         <p:spPr>
           <a:xfrm>
             <a:off x="7146360" y="5930640"/>
-            <a:ext cx="5044320" cy="925920"/>
+            <a:ext cx="5043600" cy="925200"/>
           </a:xfrm>
           <a:prstGeom prst="rect">
             <a:avLst/>
@@ -12882,7 +12857,7 @@
         <p:spPr>
           <a:xfrm>
             <a:off x="10061640" y="6480720"/>
-            <a:ext cx="2118240" cy="363600"/>
+            <a:ext cx="2117520" cy="362880"/>
           </a:xfrm>
           <a:prstGeom prst="rect">
             <a:avLst/>
@@ -12948,7 +12923,7 @@
         <p:spPr>
           <a:xfrm>
             <a:off x="8629560" y="6203160"/>
-            <a:ext cx="3561120" cy="653400"/>
+            <a:ext cx="3560400" cy="652680"/>
           </a:xfrm>
           <a:prstGeom prst="rect">
             <a:avLst/>
@@ -12974,7 +12949,7 @@
         <p:spPr>
           <a:xfrm>
             <a:off x="966600" y="6263640"/>
-            <a:ext cx="1343520" cy="497160"/>
+            <a:ext cx="1342800" cy="496440"/>
           </a:xfrm>
           <a:prstGeom prst="triangle">
             <a:avLst>
@@ -13022,7 +12997,7 @@
         <p:spPr>
           <a:xfrm>
             <a:off x="2598840" y="6251760"/>
-            <a:ext cx="1343520" cy="497160"/>
+            <a:ext cx="1342800" cy="496440"/>
           </a:xfrm>
           <a:prstGeom prst="triangle">
             <a:avLst>
@@ -13070,7 +13045,7 @@
         <p:spPr>
           <a:xfrm>
             <a:off x="1945440" y="6250680"/>
-            <a:ext cx="1343520" cy="497160"/>
+            <a:ext cx="1342800" cy="496440"/>
           </a:xfrm>
           <a:prstGeom prst="triangle">
             <a:avLst>
@@ -13118,7 +13093,7 @@
         <p:spPr>
           <a:xfrm>
             <a:off x="1442160" y="6250680"/>
-            <a:ext cx="1343520" cy="497160"/>
+            <a:ext cx="1342800" cy="496440"/>
           </a:xfrm>
           <a:prstGeom prst="triangle">
             <a:avLst>
@@ -13166,7 +13141,7 @@
         <p:spPr>
           <a:xfrm>
             <a:off x="309240" y="6237360"/>
-            <a:ext cx="1343520" cy="497160"/>
+            <a:ext cx="1342800" cy="496440"/>
           </a:xfrm>
           <a:prstGeom prst="triangle">
             <a:avLst>
@@ -13214,7 +13189,7 @@
         <p:spPr>
           <a:xfrm>
             <a:off x="0" y="6356160"/>
-            <a:ext cx="1343520" cy="497160"/>
+            <a:ext cx="1342800" cy="496440"/>
           </a:xfrm>
           <a:prstGeom prst="triangle">
             <a:avLst>
@@ -13255,7 +13230,7 @@
         <p:spPr>
           <a:xfrm>
             <a:off x="2359080" y="6342840"/>
-            <a:ext cx="1343520" cy="497160"/>
+            <a:ext cx="1342800" cy="496440"/>
           </a:xfrm>
           <a:prstGeom prst="triangle">
             <a:avLst>
@@ -13303,7 +13278,7 @@
         <p:spPr>
           <a:xfrm>
             <a:off x="1283760" y="6329880"/>
-            <a:ext cx="1343520" cy="497160"/>
+            <a:ext cx="1342800" cy="496440"/>
           </a:xfrm>
           <a:prstGeom prst="triangle">
             <a:avLst>
@@ -13351,7 +13326,7 @@
         <p:spPr>
           <a:xfrm>
             <a:off x="590040" y="6356160"/>
-            <a:ext cx="1343520" cy="497160"/>
+            <a:ext cx="1342800" cy="496440"/>
           </a:xfrm>
           <a:prstGeom prst="triangle">
             <a:avLst>
@@ -13392,7 +13367,7 @@
         <p:spPr>
           <a:xfrm>
             <a:off x="3159000" y="6238440"/>
-            <a:ext cx="1343520" cy="497160"/>
+            <a:ext cx="1342800" cy="496440"/>
           </a:xfrm>
           <a:prstGeom prst="triangle">
             <a:avLst>
@@ -13440,7 +13415,7 @@
         <p:spPr>
           <a:xfrm>
             <a:off x="2764080" y="6347160"/>
-            <a:ext cx="1343520" cy="497160"/>
+            <a:ext cx="1342800" cy="496440"/>
           </a:xfrm>
           <a:prstGeom prst="triangle">
             <a:avLst>
@@ -13488,7 +13463,7 @@
         <p:spPr>
           <a:xfrm>
             <a:off x="1584720" y="6356160"/>
-            <a:ext cx="1343520" cy="497160"/>
+            <a:ext cx="1342800" cy="496440"/>
           </a:xfrm>
           <a:prstGeom prst="triangle">
             <a:avLst>
@@ -13529,7 +13504,7 @@
         <p:spPr>
           <a:xfrm>
             <a:off x="3468960" y="6351480"/>
-            <a:ext cx="1343520" cy="497160"/>
+            <a:ext cx="1342800" cy="496440"/>
           </a:xfrm>
           <a:prstGeom prst="triangle">
             <a:avLst>
@@ -13570,7 +13545,7 @@
         <p:spPr>
           <a:xfrm>
             <a:off x="4413960" y="6263640"/>
-            <a:ext cx="1343520" cy="497160"/>
+            <a:ext cx="1342800" cy="496440"/>
           </a:xfrm>
           <a:prstGeom prst="triangle">
             <a:avLst>
@@ -13618,7 +13593,7 @@
         <p:spPr>
           <a:xfrm>
             <a:off x="6046560" y="6251760"/>
-            <a:ext cx="1343520" cy="497160"/>
+            <a:ext cx="1342800" cy="496440"/>
           </a:xfrm>
           <a:prstGeom prst="triangle">
             <a:avLst>
@@ -13666,7 +13641,7 @@
         <p:spPr>
           <a:xfrm>
             <a:off x="5393160" y="6250680"/>
-            <a:ext cx="1343520" cy="497160"/>
+            <a:ext cx="1342800" cy="496440"/>
           </a:xfrm>
           <a:prstGeom prst="triangle">
             <a:avLst>
@@ -13714,7 +13689,7 @@
         <p:spPr>
           <a:xfrm>
             <a:off x="4889880" y="6250680"/>
-            <a:ext cx="1343520" cy="497160"/>
+            <a:ext cx="1342800" cy="496440"/>
           </a:xfrm>
           <a:prstGeom prst="triangle">
             <a:avLst>
@@ -13762,7 +13737,7 @@
         <p:spPr>
           <a:xfrm>
             <a:off x="5806800" y="6342840"/>
-            <a:ext cx="1343520" cy="497160"/>
+            <a:ext cx="1342800" cy="496440"/>
           </a:xfrm>
           <a:prstGeom prst="triangle">
             <a:avLst>
@@ -13810,7 +13785,7 @@
         <p:spPr>
           <a:xfrm>
             <a:off x="4731120" y="6329880"/>
-            <a:ext cx="1343520" cy="497160"/>
+            <a:ext cx="1342800" cy="496440"/>
           </a:xfrm>
           <a:prstGeom prst="triangle">
             <a:avLst>
@@ -13858,7 +13833,7 @@
         <p:spPr>
           <a:xfrm>
             <a:off x="4037400" y="6356160"/>
-            <a:ext cx="1343520" cy="497160"/>
+            <a:ext cx="1342800" cy="496440"/>
           </a:xfrm>
           <a:prstGeom prst="triangle">
             <a:avLst>
@@ -13899,7 +13874,7 @@
         <p:spPr>
           <a:xfrm>
             <a:off x="6221520" y="6359400"/>
-            <a:ext cx="1343520" cy="497160"/>
+            <a:ext cx="1342800" cy="496440"/>
           </a:xfrm>
           <a:prstGeom prst="triangle">
             <a:avLst>
@@ -13940,7 +13915,7 @@
         <p:spPr>
           <a:xfrm>
             <a:off x="5032080" y="6356160"/>
-            <a:ext cx="1343520" cy="497160"/>
+            <a:ext cx="1342800" cy="496440"/>
           </a:xfrm>
           <a:prstGeom prst="triangle">
             <a:avLst>
@@ -14037,7 +14012,7 @@
         <p:spPr>
           <a:xfrm>
             <a:off x="352440" y="324000"/>
-            <a:ext cx="4846680" cy="851040"/>
+            <a:ext cx="4845960" cy="850320"/>
           </a:xfrm>
           <a:prstGeom prst="rect">
             <a:avLst/>
@@ -14095,7 +14070,7 @@
         <p:spPr>
           <a:xfrm>
             <a:off x="352440" y="1235160"/>
-            <a:ext cx="3945240" cy="637920"/>
+            <a:ext cx="3944520" cy="637200"/>
           </a:xfrm>
           <a:prstGeom prst="rect">
             <a:avLst/>
@@ -14153,7 +14128,7 @@
         <p:spPr>
           <a:xfrm>
             <a:off x="352440" y="1931040"/>
-            <a:ext cx="11442240" cy="3670560"/>
+            <a:ext cx="11441520" cy="3669840"/>
           </a:xfrm>
           <a:prstGeom prst="rect">
             <a:avLst/>
@@ -14172,25 +14147,20 @@
         <p:txBody>
           <a:bodyPr lIns="90000" rIns="90000" tIns="45000" bIns="45000"/>
           <a:p>
-            <a:pPr marL="216000" indent="-214920">
+            <a:pPr>
               <a:lnSpc>
                 <a:spcPct val="90000"/>
               </a:lnSpc>
               <a:spcBef>
                 <a:spcPts val="1001"/>
               </a:spcBef>
-              <a:buClr>
-                <a:srgbClr val="000000"/>
-              </a:buClr>
-              <a:buFont typeface="Wingdings" charset="2"/>
-              <a:buChar char=""/>
             </a:pPr>
             <a:endParaRPr b="0" lang="en-US" sz="1800" spc="-1" strike="noStrike">
               <a:latin typeface="Arial"/>
             </a:endParaRPr>
           </a:p>
           <a:p>
-            <a:pPr marL="216000" indent="-214920">
+            <a:pPr marL="216000" indent="-214200">
               <a:lnSpc>
                 <a:spcPct val="90000"/>
               </a:lnSpc>
@@ -14218,25 +14188,20 @@
             </a:endParaRPr>
           </a:p>
           <a:p>
-            <a:pPr marL="216000" indent="-214920">
+            <a:pPr>
               <a:lnSpc>
                 <a:spcPct val="90000"/>
               </a:lnSpc>
               <a:spcBef>
                 <a:spcPts val="1001"/>
               </a:spcBef>
-              <a:buClr>
-                <a:srgbClr val="000000"/>
-              </a:buClr>
-              <a:buFont typeface="Wingdings" charset="2"/>
-              <a:buChar char=""/>
             </a:pPr>
             <a:endParaRPr b="0" lang="en-US" sz="2200" spc="-1" strike="noStrike">
               <a:latin typeface="Arial"/>
             </a:endParaRPr>
           </a:p>
           <a:p>
-            <a:pPr marL="216000" indent="-214920">
+            <a:pPr marL="216000" indent="-214200">
               <a:lnSpc>
                 <a:spcPct val="90000"/>
               </a:lnSpc>
@@ -14264,25 +14229,20 @@
             </a:endParaRPr>
           </a:p>
           <a:p>
-            <a:pPr marL="216000" indent="-214920">
+            <a:pPr>
               <a:lnSpc>
                 <a:spcPct val="90000"/>
               </a:lnSpc>
               <a:spcBef>
                 <a:spcPts val="1001"/>
               </a:spcBef>
-              <a:buClr>
-                <a:srgbClr val="000000"/>
-              </a:buClr>
-              <a:buFont typeface="Wingdings" charset="2"/>
-              <a:buChar char=""/>
             </a:pPr>
             <a:endParaRPr b="0" lang="en-US" sz="2200" spc="-1" strike="noStrike">
               <a:latin typeface="Arial"/>
             </a:endParaRPr>
           </a:p>
           <a:p>
-            <a:pPr marL="216000" indent="-214920">
+            <a:pPr marL="216000" indent="-214200">
               <a:lnSpc>
                 <a:spcPct val="90000"/>
               </a:lnSpc>
@@ -14337,7 +14297,7 @@
         <p:spPr>
           <a:xfrm>
             <a:off x="11110680" y="123840"/>
-            <a:ext cx="929520" cy="980640"/>
+            <a:ext cx="928800" cy="979920"/>
           </a:xfrm>
           <a:prstGeom prst="rect">
             <a:avLst/>
@@ -14356,7 +14316,7 @@
         <p:spPr>
           <a:xfrm>
             <a:off x="6502680" y="6263640"/>
-            <a:ext cx="1343520" cy="497160"/>
+            <a:ext cx="1342800" cy="496440"/>
           </a:xfrm>
           <a:prstGeom prst="triangle">
             <a:avLst>
@@ -14404,7 +14364,7 @@
         <p:spPr>
           <a:xfrm>
             <a:off x="3777120" y="6242400"/>
-            <a:ext cx="1343520" cy="497160"/>
+            <a:ext cx="1342800" cy="496440"/>
           </a:xfrm>
           <a:prstGeom prst="triangle">
             <a:avLst>
@@ -14452,7 +14412,7 @@
         <p:spPr>
           <a:xfrm>
             <a:off x="6948360" y="6263640"/>
-            <a:ext cx="1343520" cy="497160"/>
+            <a:ext cx="1342800" cy="496440"/>
           </a:xfrm>
           <a:prstGeom prst="triangle">
             <a:avLst>
@@ -14500,7 +14460,7 @@
         <p:spPr>
           <a:xfrm>
             <a:off x="8580960" y="6251760"/>
-            <a:ext cx="1343520" cy="497160"/>
+            <a:ext cx="1342800" cy="496440"/>
           </a:xfrm>
           <a:prstGeom prst="triangle">
             <a:avLst>
@@ -14548,7 +14508,7 @@
         <p:spPr>
           <a:xfrm>
             <a:off x="7927560" y="6250680"/>
-            <a:ext cx="1343520" cy="497160"/>
+            <a:ext cx="1342800" cy="496440"/>
           </a:xfrm>
           <a:prstGeom prst="triangle">
             <a:avLst>
@@ -14596,7 +14556,7 @@
         <p:spPr>
           <a:xfrm>
             <a:off x="7424280" y="6250680"/>
-            <a:ext cx="1343520" cy="497160"/>
+            <a:ext cx="1342800" cy="496440"/>
           </a:xfrm>
           <a:prstGeom prst="triangle">
             <a:avLst>
@@ -14644,7 +14604,7 @@
         <p:spPr>
           <a:xfrm>
             <a:off x="8341200" y="6342840"/>
-            <a:ext cx="1343520" cy="497160"/>
+            <a:ext cx="1342800" cy="496440"/>
           </a:xfrm>
           <a:prstGeom prst="triangle">
             <a:avLst>
@@ -14692,7 +14652,7 @@
         <p:spPr>
           <a:xfrm>
             <a:off x="7265520" y="6329880"/>
-            <a:ext cx="1343520" cy="497160"/>
+            <a:ext cx="1342800" cy="496440"/>
           </a:xfrm>
           <a:prstGeom prst="triangle">
             <a:avLst>
@@ -14740,7 +14700,7 @@
         <p:spPr>
           <a:xfrm>
             <a:off x="6572160" y="6356160"/>
-            <a:ext cx="1343520" cy="497160"/>
+            <a:ext cx="1342800" cy="496440"/>
           </a:xfrm>
           <a:prstGeom prst="triangle">
             <a:avLst>
@@ -14788,7 +14748,7 @@
         <p:spPr>
           <a:xfrm>
             <a:off x="9141120" y="6238440"/>
-            <a:ext cx="1343520" cy="497160"/>
+            <a:ext cx="1342800" cy="496440"/>
           </a:xfrm>
           <a:prstGeom prst="triangle">
             <a:avLst>
@@ -14836,7 +14796,7 @@
         <p:spPr>
           <a:xfrm>
             <a:off x="8746200" y="6347160"/>
-            <a:ext cx="1343520" cy="497160"/>
+            <a:ext cx="1342800" cy="496440"/>
           </a:xfrm>
           <a:prstGeom prst="triangle">
             <a:avLst>
@@ -14884,7 +14844,7 @@
         <p:spPr>
           <a:xfrm>
             <a:off x="7566840" y="6356160"/>
-            <a:ext cx="1343520" cy="497160"/>
+            <a:ext cx="1342800" cy="496440"/>
           </a:xfrm>
           <a:prstGeom prst="triangle">
             <a:avLst>
@@ -14932,7 +14892,7 @@
         <p:spPr>
           <a:xfrm>
             <a:off x="9368280" y="6356160"/>
-            <a:ext cx="2811600" cy="497160"/>
+            <a:ext cx="2810880" cy="496440"/>
           </a:xfrm>
           <a:prstGeom prst="rect">
             <a:avLst/>
@@ -14980,7 +14940,7 @@
         <p:spPr>
           <a:xfrm>
             <a:off x="7938000" y="6074280"/>
-            <a:ext cx="4244040" cy="779040"/>
+            <a:ext cx="4243320" cy="778320"/>
           </a:xfrm>
           <a:prstGeom prst="rect">
             <a:avLst/>
@@ -15011,7 +14971,7 @@
         <p:spPr>
           <a:xfrm>
             <a:off x="7146360" y="5930640"/>
-            <a:ext cx="5044320" cy="925920"/>
+            <a:ext cx="5043600" cy="925200"/>
           </a:xfrm>
           <a:prstGeom prst="rect">
             <a:avLst/>
@@ -15037,7 +14997,7 @@
         <p:spPr>
           <a:xfrm>
             <a:off x="10061640" y="6480720"/>
-            <a:ext cx="2118240" cy="363600"/>
+            <a:ext cx="2117520" cy="362880"/>
           </a:xfrm>
           <a:prstGeom prst="rect">
             <a:avLst/>
@@ -15103,7 +15063,7 @@
         <p:spPr>
           <a:xfrm>
             <a:off x="8629560" y="6203160"/>
-            <a:ext cx="3561120" cy="653400"/>
+            <a:ext cx="3560400" cy="652680"/>
           </a:xfrm>
           <a:prstGeom prst="rect">
             <a:avLst/>
@@ -15129,7 +15089,7 @@
         <p:spPr>
           <a:xfrm>
             <a:off x="966600" y="6263640"/>
-            <a:ext cx="1343520" cy="497160"/>
+            <a:ext cx="1342800" cy="496440"/>
           </a:xfrm>
           <a:prstGeom prst="triangle">
             <a:avLst>
@@ -15177,7 +15137,7 @@
         <p:spPr>
           <a:xfrm>
             <a:off x="2598840" y="6251760"/>
-            <a:ext cx="1343520" cy="497160"/>
+            <a:ext cx="1342800" cy="496440"/>
           </a:xfrm>
           <a:prstGeom prst="triangle">
             <a:avLst>
@@ -15225,7 +15185,7 @@
         <p:spPr>
           <a:xfrm>
             <a:off x="1945440" y="6250680"/>
-            <a:ext cx="1343520" cy="497160"/>
+            <a:ext cx="1342800" cy="496440"/>
           </a:xfrm>
           <a:prstGeom prst="triangle">
             <a:avLst>
@@ -15273,7 +15233,7 @@
         <p:spPr>
           <a:xfrm>
             <a:off x="1442160" y="6250680"/>
-            <a:ext cx="1343520" cy="497160"/>
+            <a:ext cx="1342800" cy="496440"/>
           </a:xfrm>
           <a:prstGeom prst="triangle">
             <a:avLst>
@@ -15321,7 +15281,7 @@
         <p:spPr>
           <a:xfrm>
             <a:off x="309240" y="6237360"/>
-            <a:ext cx="1343520" cy="497160"/>
+            <a:ext cx="1342800" cy="496440"/>
           </a:xfrm>
           <a:prstGeom prst="triangle">
             <a:avLst>
@@ -15369,7 +15329,7 @@
         <p:spPr>
           <a:xfrm>
             <a:off x="0" y="6356160"/>
-            <a:ext cx="1343520" cy="497160"/>
+            <a:ext cx="1342800" cy="496440"/>
           </a:xfrm>
           <a:prstGeom prst="triangle">
             <a:avLst>
@@ -15410,7 +15370,7 @@
         <p:spPr>
           <a:xfrm>
             <a:off x="2359080" y="6342840"/>
-            <a:ext cx="1343520" cy="497160"/>
+            <a:ext cx="1342800" cy="496440"/>
           </a:xfrm>
           <a:prstGeom prst="triangle">
             <a:avLst>
@@ -15458,7 +15418,7 @@
         <p:spPr>
           <a:xfrm>
             <a:off x="1283760" y="6329880"/>
-            <a:ext cx="1343520" cy="497160"/>
+            <a:ext cx="1342800" cy="496440"/>
           </a:xfrm>
           <a:prstGeom prst="triangle">
             <a:avLst>
@@ -15506,7 +15466,7 @@
         <p:spPr>
           <a:xfrm>
             <a:off x="590040" y="6356160"/>
-            <a:ext cx="1343520" cy="497160"/>
+            <a:ext cx="1342800" cy="496440"/>
           </a:xfrm>
           <a:prstGeom prst="triangle">
             <a:avLst>
@@ -15547,7 +15507,7 @@
         <p:spPr>
           <a:xfrm>
             <a:off x="3159000" y="6238440"/>
-            <a:ext cx="1343520" cy="497160"/>
+            <a:ext cx="1342800" cy="496440"/>
           </a:xfrm>
           <a:prstGeom prst="triangle">
             <a:avLst>
@@ -15595,7 +15555,7 @@
         <p:spPr>
           <a:xfrm>
             <a:off x="2764080" y="6347160"/>
-            <a:ext cx="1343520" cy="497160"/>
+            <a:ext cx="1342800" cy="496440"/>
           </a:xfrm>
           <a:prstGeom prst="triangle">
             <a:avLst>
@@ -15643,7 +15603,7 @@
         <p:spPr>
           <a:xfrm>
             <a:off x="1584720" y="6356160"/>
-            <a:ext cx="1343520" cy="497160"/>
+            <a:ext cx="1342800" cy="496440"/>
           </a:xfrm>
           <a:prstGeom prst="triangle">
             <a:avLst>
@@ -15684,7 +15644,7 @@
         <p:spPr>
           <a:xfrm>
             <a:off x="3468960" y="6351480"/>
-            <a:ext cx="1343520" cy="497160"/>
+            <a:ext cx="1342800" cy="496440"/>
           </a:xfrm>
           <a:prstGeom prst="triangle">
             <a:avLst>
@@ -15725,7 +15685,7 @@
         <p:spPr>
           <a:xfrm>
             <a:off x="4413960" y="6263640"/>
-            <a:ext cx="1343520" cy="497160"/>
+            <a:ext cx="1342800" cy="496440"/>
           </a:xfrm>
           <a:prstGeom prst="triangle">
             <a:avLst>
@@ -15773,7 +15733,7 @@
         <p:spPr>
           <a:xfrm>
             <a:off x="6046560" y="6251760"/>
-            <a:ext cx="1343520" cy="497160"/>
+            <a:ext cx="1342800" cy="496440"/>
           </a:xfrm>
           <a:prstGeom prst="triangle">
             <a:avLst>
@@ -15821,7 +15781,7 @@
         <p:spPr>
           <a:xfrm>
             <a:off x="5393160" y="6250680"/>
-            <a:ext cx="1343520" cy="497160"/>
+            <a:ext cx="1342800" cy="496440"/>
           </a:xfrm>
           <a:prstGeom prst="triangle">
             <a:avLst>
@@ -15869,7 +15829,7 @@
         <p:spPr>
           <a:xfrm>
             <a:off x="4889880" y="6250680"/>
-            <a:ext cx="1343520" cy="497160"/>
+            <a:ext cx="1342800" cy="496440"/>
           </a:xfrm>
           <a:prstGeom prst="triangle">
             <a:avLst>
@@ -15917,7 +15877,7 @@
         <p:spPr>
           <a:xfrm>
             <a:off x="5806800" y="6342840"/>
-            <a:ext cx="1343520" cy="497160"/>
+            <a:ext cx="1342800" cy="496440"/>
           </a:xfrm>
           <a:prstGeom prst="triangle">
             <a:avLst>
@@ -15965,7 +15925,7 @@
         <p:spPr>
           <a:xfrm>
             <a:off x="4731120" y="6329880"/>
-            <a:ext cx="1343520" cy="497160"/>
+            <a:ext cx="1342800" cy="496440"/>
           </a:xfrm>
           <a:prstGeom prst="triangle">
             <a:avLst>
@@ -16013,7 +15973,7 @@
         <p:spPr>
           <a:xfrm>
             <a:off x="4037400" y="6356160"/>
-            <a:ext cx="1343520" cy="497160"/>
+            <a:ext cx="1342800" cy="496440"/>
           </a:xfrm>
           <a:prstGeom prst="triangle">
             <a:avLst>
@@ -16054,7 +16014,7 @@
         <p:spPr>
           <a:xfrm>
             <a:off x="6221520" y="6359400"/>
-            <a:ext cx="1343520" cy="497160"/>
+            <a:ext cx="1342800" cy="496440"/>
           </a:xfrm>
           <a:prstGeom prst="triangle">
             <a:avLst>
@@ -16095,7 +16055,7 @@
         <p:spPr>
           <a:xfrm>
             <a:off x="5032080" y="6356160"/>
-            <a:ext cx="1343520" cy="497160"/>
+            <a:ext cx="1342800" cy="496440"/>
           </a:xfrm>
           <a:prstGeom prst="triangle">
             <a:avLst>
@@ -16192,7 +16152,7 @@
         <p:spPr>
           <a:xfrm>
             <a:off x="352440" y="324000"/>
-            <a:ext cx="4846680" cy="851040"/>
+            <a:ext cx="4845960" cy="850320"/>
           </a:xfrm>
           <a:prstGeom prst="rect">
             <a:avLst/>
@@ -16250,7 +16210,7 @@
         <p:spPr>
           <a:xfrm>
             <a:off x="352440" y="1235160"/>
-            <a:ext cx="3945240" cy="637920"/>
+            <a:ext cx="3944520" cy="637200"/>
           </a:xfrm>
           <a:prstGeom prst="rect">
             <a:avLst/>
@@ -16308,7 +16268,7 @@
         <p:spPr>
           <a:xfrm>
             <a:off x="352440" y="1931040"/>
-            <a:ext cx="11442240" cy="3670560"/>
+            <a:ext cx="11441520" cy="3669840"/>
           </a:xfrm>
           <a:prstGeom prst="rect">
             <a:avLst/>
@@ -16327,25 +16287,20 @@
         <p:txBody>
           <a:bodyPr lIns="90000" rIns="90000" tIns="45000" bIns="45000"/>
           <a:p>
-            <a:pPr marL="216000" indent="-214920">
+            <a:pPr>
               <a:lnSpc>
                 <a:spcPct val="90000"/>
               </a:lnSpc>
               <a:spcBef>
                 <a:spcPts val="1001"/>
               </a:spcBef>
-              <a:buClr>
-                <a:srgbClr val="000000"/>
-              </a:buClr>
-              <a:buFont typeface="Wingdings" charset="2"/>
-              <a:buChar char=""/>
             </a:pPr>
             <a:endParaRPr b="0" lang="en-US" sz="1800" spc="-1" strike="noStrike">
               <a:latin typeface="Arial"/>
             </a:endParaRPr>
           </a:p>
           <a:p>
-            <a:pPr marL="216000" indent="-214920">
+            <a:pPr marL="216000" indent="-214200">
               <a:lnSpc>
                 <a:spcPct val="90000"/>
               </a:lnSpc>
@@ -16373,79 +16328,59 @@
             </a:endParaRPr>
           </a:p>
           <a:p>
-            <a:pPr marL="216000" indent="-214920">
+            <a:pPr>
               <a:lnSpc>
                 <a:spcPct val="90000"/>
               </a:lnSpc>
               <a:spcBef>
                 <a:spcPts val="1001"/>
               </a:spcBef>
-              <a:buClr>
-                <a:srgbClr val="000000"/>
-              </a:buClr>
-              <a:buFont typeface="Wingdings" charset="2"/>
-              <a:buChar char=""/>
             </a:pPr>
             <a:endParaRPr b="0" lang="en-US" sz="2200" spc="-1" strike="noStrike">
               <a:latin typeface="Arial"/>
             </a:endParaRPr>
           </a:p>
           <a:p>
-            <a:pPr marL="216000" indent="-214920">
+            <a:pPr>
               <a:lnSpc>
                 <a:spcPct val="90000"/>
               </a:lnSpc>
               <a:spcBef>
                 <a:spcPts val="1001"/>
               </a:spcBef>
-              <a:buClr>
-                <a:srgbClr val="000000"/>
-              </a:buClr>
-              <a:buFont typeface="Wingdings" charset="2"/>
-              <a:buChar char=""/>
             </a:pPr>
             <a:endParaRPr b="0" lang="en-US" sz="2200" spc="-1" strike="noStrike">
               <a:latin typeface="Arial"/>
             </a:endParaRPr>
           </a:p>
           <a:p>
-            <a:pPr marL="216000" indent="-214920">
+            <a:pPr>
               <a:lnSpc>
                 <a:spcPct val="90000"/>
               </a:lnSpc>
               <a:spcBef>
                 <a:spcPts val="1001"/>
               </a:spcBef>
-              <a:buClr>
-                <a:srgbClr val="000000"/>
-              </a:buClr>
-              <a:buFont typeface="Wingdings" charset="2"/>
-              <a:buChar char=""/>
             </a:pPr>
             <a:endParaRPr b="0" lang="en-US" sz="2200" spc="-1" strike="noStrike">
               <a:latin typeface="Arial"/>
             </a:endParaRPr>
           </a:p>
           <a:p>
-            <a:pPr marL="216000" indent="-214920">
+            <a:pPr>
               <a:lnSpc>
                 <a:spcPct val="90000"/>
               </a:lnSpc>
               <a:spcBef>
                 <a:spcPts val="1001"/>
               </a:spcBef>
-              <a:buClr>
-                <a:srgbClr val="000000"/>
-              </a:buClr>
-              <a:buFont typeface="Wingdings" charset="2"/>
-              <a:buChar char=""/>
             </a:pPr>
             <a:endParaRPr b="0" lang="en-US" sz="2200" spc="-1" strike="noStrike">
               <a:latin typeface="Arial"/>
             </a:endParaRPr>
           </a:p>
           <a:p>
-            <a:pPr marL="216000" indent="-214920">
+            <a:pPr marL="216000" indent="-214200">
               <a:lnSpc>
                 <a:spcPct val="90000"/>
               </a:lnSpc>
@@ -16500,7 +16435,7 @@
         <p:spPr>
           <a:xfrm>
             <a:off x="11110680" y="123840"/>
-            <a:ext cx="929520" cy="980640"/>
+            <a:ext cx="928800" cy="979920"/>
           </a:xfrm>
           <a:prstGeom prst="rect">
             <a:avLst/>
@@ -16519,7 +16454,7 @@
         <p:spPr>
           <a:xfrm>
             <a:off x="6502680" y="6263640"/>
-            <a:ext cx="1343520" cy="497160"/>
+            <a:ext cx="1342800" cy="496440"/>
           </a:xfrm>
           <a:prstGeom prst="triangle">
             <a:avLst>
@@ -16567,7 +16502,7 @@
         <p:spPr>
           <a:xfrm>
             <a:off x="3777120" y="6242400"/>
-            <a:ext cx="1343520" cy="497160"/>
+            <a:ext cx="1342800" cy="496440"/>
           </a:xfrm>
           <a:prstGeom prst="triangle">
             <a:avLst>
@@ -16615,7 +16550,7 @@
         <p:spPr>
           <a:xfrm>
             <a:off x="6948360" y="6263640"/>
-            <a:ext cx="1343520" cy="497160"/>
+            <a:ext cx="1342800" cy="496440"/>
           </a:xfrm>
           <a:prstGeom prst="triangle">
             <a:avLst>
@@ -16663,7 +16598,7 @@
         <p:spPr>
           <a:xfrm>
             <a:off x="8580960" y="6251760"/>
-            <a:ext cx="1343520" cy="497160"/>
+            <a:ext cx="1342800" cy="496440"/>
           </a:xfrm>
           <a:prstGeom prst="triangle">
             <a:avLst>
@@ -16711,7 +16646,7 @@
         <p:spPr>
           <a:xfrm>
             <a:off x="7927560" y="6250680"/>
-            <a:ext cx="1343520" cy="497160"/>
+            <a:ext cx="1342800" cy="496440"/>
           </a:xfrm>
           <a:prstGeom prst="triangle">
             <a:avLst>
@@ -16759,7 +16694,7 @@
         <p:spPr>
           <a:xfrm>
             <a:off x="7424280" y="6250680"/>
-            <a:ext cx="1343520" cy="497160"/>
+            <a:ext cx="1342800" cy="496440"/>
           </a:xfrm>
           <a:prstGeom prst="triangle">
             <a:avLst>
@@ -16807,7 +16742,7 @@
         <p:spPr>
           <a:xfrm>
             <a:off x="8341200" y="6342840"/>
-            <a:ext cx="1343520" cy="497160"/>
+            <a:ext cx="1342800" cy="496440"/>
           </a:xfrm>
           <a:prstGeom prst="triangle">
             <a:avLst>
@@ -16855,7 +16790,7 @@
         <p:spPr>
           <a:xfrm>
             <a:off x="7265520" y="6329880"/>
-            <a:ext cx="1343520" cy="497160"/>
+            <a:ext cx="1342800" cy="496440"/>
           </a:xfrm>
           <a:prstGeom prst="triangle">
             <a:avLst>
@@ -16903,7 +16838,7 @@
         <p:spPr>
           <a:xfrm>
             <a:off x="6572160" y="6356160"/>
-            <a:ext cx="1343520" cy="497160"/>
+            <a:ext cx="1342800" cy="496440"/>
           </a:xfrm>
           <a:prstGeom prst="triangle">
             <a:avLst>
@@ -16951,7 +16886,7 @@
         <p:spPr>
           <a:xfrm>
             <a:off x="9141120" y="6238440"/>
-            <a:ext cx="1343520" cy="497160"/>
+            <a:ext cx="1342800" cy="496440"/>
           </a:xfrm>
           <a:prstGeom prst="triangle">
             <a:avLst>
@@ -16999,7 +16934,7 @@
         <p:spPr>
           <a:xfrm>
             <a:off x="8746200" y="6347160"/>
-            <a:ext cx="1343520" cy="497160"/>
+            <a:ext cx="1342800" cy="496440"/>
           </a:xfrm>
           <a:prstGeom prst="triangle">
             <a:avLst>
@@ -17047,7 +16982,7 @@
         <p:spPr>
           <a:xfrm>
             <a:off x="7566840" y="6356160"/>
-            <a:ext cx="1343520" cy="497160"/>
+            <a:ext cx="1342800" cy="496440"/>
           </a:xfrm>
           <a:prstGeom prst="triangle">
             <a:avLst>
@@ -17095,7 +17030,7 @@
         <p:spPr>
           <a:xfrm>
             <a:off x="9368280" y="6356160"/>
-            <a:ext cx="2811600" cy="497160"/>
+            <a:ext cx="2810880" cy="496440"/>
           </a:xfrm>
           <a:prstGeom prst="rect">
             <a:avLst/>
@@ -17143,7 +17078,7 @@
         <p:spPr>
           <a:xfrm>
             <a:off x="7938000" y="6074280"/>
-            <a:ext cx="4244040" cy="779040"/>
+            <a:ext cx="4243320" cy="778320"/>
           </a:xfrm>
           <a:prstGeom prst="rect">
             <a:avLst/>
@@ -17174,7 +17109,7 @@
         <p:spPr>
           <a:xfrm>
             <a:off x="7146360" y="5930640"/>
-            <a:ext cx="5044320" cy="925920"/>
+            <a:ext cx="5043600" cy="925200"/>
           </a:xfrm>
           <a:prstGeom prst="rect">
             <a:avLst/>
@@ -17200,7 +17135,7 @@
         <p:spPr>
           <a:xfrm>
             <a:off x="10061640" y="6480720"/>
-            <a:ext cx="2118240" cy="363600"/>
+            <a:ext cx="2117520" cy="362880"/>
           </a:xfrm>
           <a:prstGeom prst="rect">
             <a:avLst/>
@@ -17266,7 +17201,7 @@
         <p:spPr>
           <a:xfrm>
             <a:off x="8629560" y="6203160"/>
-            <a:ext cx="3561120" cy="653400"/>
+            <a:ext cx="3560400" cy="652680"/>
           </a:xfrm>
           <a:prstGeom prst="rect">
             <a:avLst/>
@@ -17292,7 +17227,7 @@
         <p:spPr>
           <a:xfrm>
             <a:off x="966600" y="6263640"/>
-            <a:ext cx="1343520" cy="497160"/>
+            <a:ext cx="1342800" cy="496440"/>
           </a:xfrm>
           <a:prstGeom prst="triangle">
             <a:avLst>
@@ -17340,7 +17275,7 @@
         <p:spPr>
           <a:xfrm>
             <a:off x="2598840" y="6251760"/>
-            <a:ext cx="1343520" cy="497160"/>
+            <a:ext cx="1342800" cy="496440"/>
           </a:xfrm>
           <a:prstGeom prst="triangle">
             <a:avLst>
@@ -17388,7 +17323,7 @@
         <p:spPr>
           <a:xfrm>
             <a:off x="1945440" y="6250680"/>
-            <a:ext cx="1343520" cy="497160"/>
+            <a:ext cx="1342800" cy="496440"/>
           </a:xfrm>
           <a:prstGeom prst="triangle">
             <a:avLst>
@@ -17436,7 +17371,7 @@
         <p:spPr>
           <a:xfrm>
             <a:off x="1442160" y="6250680"/>
-            <a:ext cx="1343520" cy="497160"/>
+            <a:ext cx="1342800" cy="496440"/>
           </a:xfrm>
           <a:prstGeom prst="triangle">
             <a:avLst>
@@ -17484,7 +17419,7 @@
         <p:spPr>
           <a:xfrm>
             <a:off x="309240" y="6237360"/>
-            <a:ext cx="1343520" cy="497160"/>
+            <a:ext cx="1342800" cy="496440"/>
           </a:xfrm>
           <a:prstGeom prst="triangle">
             <a:avLst>
@@ -17532,7 +17467,7 @@
         <p:spPr>
           <a:xfrm>
             <a:off x="0" y="6356160"/>
-            <a:ext cx="1343520" cy="497160"/>
+            <a:ext cx="1342800" cy="496440"/>
           </a:xfrm>
           <a:prstGeom prst="triangle">
             <a:avLst>
@@ -17573,7 +17508,7 @@
         <p:spPr>
           <a:xfrm>
             <a:off x="2359080" y="6342840"/>
-            <a:ext cx="1343520" cy="497160"/>
+            <a:ext cx="1342800" cy="496440"/>
           </a:xfrm>
           <a:prstGeom prst="triangle">
             <a:avLst>
@@ -17621,7 +17556,7 @@
         <p:spPr>
           <a:xfrm>
             <a:off x="1283760" y="6329880"/>
-            <a:ext cx="1343520" cy="497160"/>
+            <a:ext cx="1342800" cy="496440"/>
           </a:xfrm>
           <a:prstGeom prst="triangle">
             <a:avLst>
@@ -17669,7 +17604,7 @@
         <p:spPr>
           <a:xfrm>
             <a:off x="590040" y="6356160"/>
-            <a:ext cx="1343520" cy="497160"/>
+            <a:ext cx="1342800" cy="496440"/>
           </a:xfrm>
           <a:prstGeom prst="triangle">
             <a:avLst>
@@ -17710,7 +17645,7 @@
         <p:spPr>
           <a:xfrm>
             <a:off x="3159000" y="6238440"/>
-            <a:ext cx="1343520" cy="497160"/>
+            <a:ext cx="1342800" cy="496440"/>
           </a:xfrm>
           <a:prstGeom prst="triangle">
             <a:avLst>
@@ -17758,7 +17693,7 @@
         <p:spPr>
           <a:xfrm>
             <a:off x="2764080" y="6347160"/>
-            <a:ext cx="1343520" cy="497160"/>
+            <a:ext cx="1342800" cy="496440"/>
           </a:xfrm>
           <a:prstGeom prst="triangle">
             <a:avLst>
@@ -17806,7 +17741,7 @@
         <p:spPr>
           <a:xfrm>
             <a:off x="1584720" y="6356160"/>
-            <a:ext cx="1343520" cy="497160"/>
+            <a:ext cx="1342800" cy="496440"/>
           </a:xfrm>
           <a:prstGeom prst="triangle">
             <a:avLst>
@@ -17847,7 +17782,7 @@
         <p:spPr>
           <a:xfrm>
             <a:off x="3468960" y="6351480"/>
-            <a:ext cx="1343520" cy="497160"/>
+            <a:ext cx="1342800" cy="496440"/>
           </a:xfrm>
           <a:prstGeom prst="triangle">
             <a:avLst>
@@ -17888,7 +17823,7 @@
         <p:spPr>
           <a:xfrm>
             <a:off x="4413960" y="6263640"/>
-            <a:ext cx="1343520" cy="497160"/>
+            <a:ext cx="1342800" cy="496440"/>
           </a:xfrm>
           <a:prstGeom prst="triangle">
             <a:avLst>
@@ -17936,7 +17871,7 @@
         <p:spPr>
           <a:xfrm>
             <a:off x="6046560" y="6251760"/>
-            <a:ext cx="1343520" cy="497160"/>
+            <a:ext cx="1342800" cy="496440"/>
           </a:xfrm>
           <a:prstGeom prst="triangle">
             <a:avLst>
@@ -17984,7 +17919,7 @@
         <p:spPr>
           <a:xfrm>
             <a:off x="5393160" y="6250680"/>
-            <a:ext cx="1343520" cy="497160"/>
+            <a:ext cx="1342800" cy="496440"/>
           </a:xfrm>
           <a:prstGeom prst="triangle">
             <a:avLst>
@@ -18032,7 +17967,7 @@
         <p:spPr>
           <a:xfrm>
             <a:off x="4889880" y="6250680"/>
-            <a:ext cx="1343520" cy="497160"/>
+            <a:ext cx="1342800" cy="496440"/>
           </a:xfrm>
           <a:prstGeom prst="triangle">
             <a:avLst>
@@ -18080,7 +18015,7 @@
         <p:spPr>
           <a:xfrm>
             <a:off x="5806800" y="6342840"/>
-            <a:ext cx="1343520" cy="497160"/>
+            <a:ext cx="1342800" cy="496440"/>
           </a:xfrm>
           <a:prstGeom prst="triangle">
             <a:avLst>
@@ -18128,7 +18063,7 @@
         <p:spPr>
           <a:xfrm>
             <a:off x="4731120" y="6329880"/>
-            <a:ext cx="1343520" cy="497160"/>
+            <a:ext cx="1342800" cy="496440"/>
           </a:xfrm>
           <a:prstGeom prst="triangle">
             <a:avLst>
@@ -18176,7 +18111,7 @@
         <p:spPr>
           <a:xfrm>
             <a:off x="4037400" y="6356160"/>
-            <a:ext cx="1343520" cy="497160"/>
+            <a:ext cx="1342800" cy="496440"/>
           </a:xfrm>
           <a:prstGeom prst="triangle">
             <a:avLst>
@@ -18217,7 +18152,7 @@
         <p:spPr>
           <a:xfrm>
             <a:off x="6221520" y="6359400"/>
-            <a:ext cx="1343520" cy="497160"/>
+            <a:ext cx="1342800" cy="496440"/>
           </a:xfrm>
           <a:prstGeom prst="triangle">
             <a:avLst>
@@ -18258,7 +18193,7 @@
         <p:spPr>
           <a:xfrm>
             <a:off x="5032080" y="6356160"/>
-            <a:ext cx="1343520" cy="497160"/>
+            <a:ext cx="1342800" cy="496440"/>
           </a:xfrm>
           <a:prstGeom prst="triangle">
             <a:avLst>
@@ -18355,7 +18290,7 @@
         <p:spPr>
           <a:xfrm>
             <a:off x="352440" y="324000"/>
-            <a:ext cx="3030840" cy="851040"/>
+            <a:ext cx="3030120" cy="850320"/>
           </a:xfrm>
           <a:prstGeom prst="rect">
             <a:avLst/>
@@ -18413,7 +18348,7 @@
         <p:spPr>
           <a:xfrm>
             <a:off x="352440" y="1235160"/>
-            <a:ext cx="3945240" cy="637920"/>
+            <a:ext cx="3944520" cy="637200"/>
           </a:xfrm>
           <a:prstGeom prst="rect">
             <a:avLst/>
@@ -18471,7 +18406,7 @@
         <p:spPr>
           <a:xfrm>
             <a:off x="352440" y="1931040"/>
-            <a:ext cx="11442240" cy="3670560"/>
+            <a:ext cx="11441520" cy="3669840"/>
           </a:xfrm>
           <a:prstGeom prst="rect">
             <a:avLst/>
@@ -18490,25 +18425,20 @@
         <p:txBody>
           <a:bodyPr lIns="90000" rIns="90000" tIns="45000" bIns="45000"/>
           <a:p>
-            <a:pPr marL="216000" indent="-214920">
+            <a:pPr>
               <a:lnSpc>
                 <a:spcPct val="90000"/>
               </a:lnSpc>
               <a:spcBef>
                 <a:spcPts val="1001"/>
               </a:spcBef>
-              <a:buClr>
-                <a:srgbClr val="000000"/>
-              </a:buClr>
-              <a:buFont typeface="Wingdings" charset="2"/>
-              <a:buChar char=""/>
             </a:pPr>
             <a:endParaRPr b="0" lang="en-US" sz="1800" spc="-1" strike="noStrike">
               <a:latin typeface="Arial"/>
             </a:endParaRPr>
           </a:p>
           <a:p>
-            <a:pPr marL="216000" indent="-214920">
+            <a:pPr marL="216000" indent="-214200">
               <a:lnSpc>
                 <a:spcPct val="90000"/>
               </a:lnSpc>
@@ -18536,7 +18466,7 @@
             </a:endParaRPr>
           </a:p>
           <a:p>
-            <a:pPr marL="216000" indent="-214920">
+            <a:pPr marL="216000" indent="-214200">
               <a:lnSpc>
                 <a:spcPct val="90000"/>
               </a:lnSpc>
@@ -18564,7 +18494,7 @@
             </a:endParaRPr>
           </a:p>
           <a:p>
-            <a:pPr marL="216000" indent="-214920">
+            <a:pPr marL="216000" indent="-214200">
               <a:lnSpc>
                 <a:spcPct val="90000"/>
               </a:lnSpc>
@@ -18592,7 +18522,7 @@
             </a:endParaRPr>
           </a:p>
           <a:p>
-            <a:pPr marL="216000" indent="-214920">
+            <a:pPr marL="216000" indent="-214200">
               <a:lnSpc>
                 <a:spcPct val="90000"/>
               </a:lnSpc>
@@ -18620,7 +18550,7 @@
             </a:endParaRPr>
           </a:p>
           <a:p>
-            <a:pPr marL="216000" indent="-214920">
+            <a:pPr marL="216000" indent="-214200">
               <a:lnSpc>
                 <a:spcPct val="90000"/>
               </a:lnSpc>
@@ -18648,7 +18578,7 @@
             </a:endParaRPr>
           </a:p>
           <a:p>
-            <a:pPr marL="216000" indent="-214920">
+            <a:pPr marL="216000" indent="-214200">
               <a:lnSpc>
                 <a:spcPct val="90000"/>
               </a:lnSpc>
@@ -18703,7 +18633,7 @@
         <p:spPr>
           <a:xfrm>
             <a:off x="11110680" y="123840"/>
-            <a:ext cx="929520" cy="980640"/>
+            <a:ext cx="928800" cy="979920"/>
           </a:xfrm>
           <a:prstGeom prst="rect">
             <a:avLst/>
@@ -18722,7 +18652,7 @@
         <p:spPr>
           <a:xfrm>
             <a:off x="6502680" y="6263640"/>
-            <a:ext cx="1343520" cy="497160"/>
+            <a:ext cx="1342800" cy="496440"/>
           </a:xfrm>
           <a:prstGeom prst="triangle">
             <a:avLst>
@@ -18770,7 +18700,7 @@
         <p:spPr>
           <a:xfrm>
             <a:off x="3777120" y="6242400"/>
-            <a:ext cx="1343520" cy="497160"/>
+            <a:ext cx="1342800" cy="496440"/>
           </a:xfrm>
           <a:prstGeom prst="triangle">
             <a:avLst>
@@ -18818,7 +18748,7 @@
         <p:spPr>
           <a:xfrm>
             <a:off x="6948360" y="6263640"/>
-            <a:ext cx="1343520" cy="497160"/>
+            <a:ext cx="1342800" cy="496440"/>
           </a:xfrm>
           <a:prstGeom prst="triangle">
             <a:avLst>
@@ -18866,7 +18796,7 @@
         <p:spPr>
           <a:xfrm>
             <a:off x="8580960" y="6251760"/>
-            <a:ext cx="1343520" cy="497160"/>
+            <a:ext cx="1342800" cy="496440"/>
           </a:xfrm>
           <a:prstGeom prst="triangle">
             <a:avLst>
@@ -18914,7 +18844,7 @@
         <p:spPr>
           <a:xfrm>
             <a:off x="7927560" y="6250680"/>
-            <a:ext cx="1343520" cy="497160"/>
+            <a:ext cx="1342800" cy="496440"/>
           </a:xfrm>
           <a:prstGeom prst="triangle">
             <a:avLst>
@@ -18962,7 +18892,7 @@
         <p:spPr>
           <a:xfrm>
             <a:off x="7424280" y="6250680"/>
-            <a:ext cx="1343520" cy="497160"/>
+            <a:ext cx="1342800" cy="496440"/>
           </a:xfrm>
           <a:prstGeom prst="triangle">
             <a:avLst>
@@ -19010,7 +18940,7 @@
         <p:spPr>
           <a:xfrm>
             <a:off x="8341200" y="6342840"/>
-            <a:ext cx="1343520" cy="497160"/>
+            <a:ext cx="1342800" cy="496440"/>
           </a:xfrm>
           <a:prstGeom prst="triangle">
             <a:avLst>
@@ -19058,7 +18988,7 @@
         <p:spPr>
           <a:xfrm>
             <a:off x="7265520" y="6329880"/>
-            <a:ext cx="1343520" cy="497160"/>
+            <a:ext cx="1342800" cy="496440"/>
           </a:xfrm>
           <a:prstGeom prst="triangle">
             <a:avLst>
@@ -19106,7 +19036,7 @@
         <p:spPr>
           <a:xfrm>
             <a:off x="6572160" y="6356160"/>
-            <a:ext cx="1343520" cy="497160"/>
+            <a:ext cx="1342800" cy="496440"/>
           </a:xfrm>
           <a:prstGeom prst="triangle">
             <a:avLst>
@@ -19154,7 +19084,7 @@
         <p:spPr>
           <a:xfrm>
             <a:off x="9141120" y="6238440"/>
-            <a:ext cx="1343520" cy="497160"/>
+            <a:ext cx="1342800" cy="496440"/>
           </a:xfrm>
           <a:prstGeom prst="triangle">
             <a:avLst>
@@ -19202,7 +19132,7 @@
         <p:spPr>
           <a:xfrm>
             <a:off x="8746200" y="6347160"/>
-            <a:ext cx="1343520" cy="497160"/>
+            <a:ext cx="1342800" cy="496440"/>
           </a:xfrm>
           <a:prstGeom prst="triangle">
             <a:avLst>
@@ -19250,7 +19180,7 @@
         <p:spPr>
           <a:xfrm>
             <a:off x="7566840" y="6356160"/>
-            <a:ext cx="1343520" cy="497160"/>
+            <a:ext cx="1342800" cy="496440"/>
           </a:xfrm>
           <a:prstGeom prst="triangle">
             <a:avLst>
@@ -19298,7 +19228,7 @@
         <p:spPr>
           <a:xfrm>
             <a:off x="9368280" y="6356160"/>
-            <a:ext cx="2811600" cy="497160"/>
+            <a:ext cx="2810880" cy="496440"/>
           </a:xfrm>
           <a:prstGeom prst="rect">
             <a:avLst/>
@@ -19346,7 +19276,7 @@
         <p:spPr>
           <a:xfrm>
             <a:off x="7938000" y="6074280"/>
-            <a:ext cx="4244040" cy="779040"/>
+            <a:ext cx="4243320" cy="778320"/>
           </a:xfrm>
           <a:prstGeom prst="rect">
             <a:avLst/>
@@ -19377,7 +19307,7 @@
         <p:spPr>
           <a:xfrm>
             <a:off x="7146360" y="5930640"/>
-            <a:ext cx="5044320" cy="925920"/>
+            <a:ext cx="5043600" cy="925200"/>
           </a:xfrm>
           <a:prstGeom prst="rect">
             <a:avLst/>
@@ -19403,7 +19333,7 @@
         <p:spPr>
           <a:xfrm>
             <a:off x="10061640" y="6480720"/>
-            <a:ext cx="2118240" cy="363600"/>
+            <a:ext cx="2117520" cy="362880"/>
           </a:xfrm>
           <a:prstGeom prst="rect">
             <a:avLst/>
@@ -19469,7 +19399,7 @@
         <p:spPr>
           <a:xfrm>
             <a:off x="8629560" y="6203160"/>
-            <a:ext cx="3561120" cy="653400"/>
+            <a:ext cx="3560400" cy="652680"/>
           </a:xfrm>
           <a:prstGeom prst="rect">
             <a:avLst/>
@@ -19495,7 +19425,7 @@
         <p:spPr>
           <a:xfrm>
             <a:off x="966600" y="6263640"/>
-            <a:ext cx="1343520" cy="497160"/>
+            <a:ext cx="1342800" cy="496440"/>
           </a:xfrm>
           <a:prstGeom prst="triangle">
             <a:avLst>
@@ -19543,7 +19473,7 @@
         <p:spPr>
           <a:xfrm>
             <a:off x="2598840" y="6251760"/>
-            <a:ext cx="1343520" cy="497160"/>
+            <a:ext cx="1342800" cy="496440"/>
           </a:xfrm>
           <a:prstGeom prst="triangle">
             <a:avLst>
@@ -19591,7 +19521,7 @@
         <p:spPr>
           <a:xfrm>
             <a:off x="1945440" y="6250680"/>
-            <a:ext cx="1343520" cy="497160"/>
+            <a:ext cx="1342800" cy="496440"/>
           </a:xfrm>
           <a:prstGeom prst="triangle">
             <a:avLst>
@@ -19639,7 +19569,7 @@
         <p:spPr>
           <a:xfrm>
             <a:off x="1442160" y="6250680"/>
-            <a:ext cx="1343520" cy="497160"/>
+            <a:ext cx="1342800" cy="496440"/>
           </a:xfrm>
           <a:prstGeom prst="triangle">
             <a:avLst>
@@ -19687,7 +19617,7 @@
         <p:spPr>
           <a:xfrm>
             <a:off x="309240" y="6237360"/>
-            <a:ext cx="1343520" cy="497160"/>
+            <a:ext cx="1342800" cy="496440"/>
           </a:xfrm>
           <a:prstGeom prst="triangle">
             <a:avLst>
@@ -19735,7 +19665,7 @@
         <p:spPr>
           <a:xfrm>
             <a:off x="0" y="6356160"/>
-            <a:ext cx="1343520" cy="497160"/>
+            <a:ext cx="1342800" cy="496440"/>
           </a:xfrm>
           <a:prstGeom prst="triangle">
             <a:avLst>
@@ -19776,7 +19706,7 @@
         <p:spPr>
           <a:xfrm>
             <a:off x="2359080" y="6342840"/>
-            <a:ext cx="1343520" cy="497160"/>
+            <a:ext cx="1342800" cy="496440"/>
           </a:xfrm>
           <a:prstGeom prst="triangle">
             <a:avLst>
@@ -19824,7 +19754,7 @@
         <p:spPr>
           <a:xfrm>
             <a:off x="1283760" y="6329880"/>
-            <a:ext cx="1343520" cy="497160"/>
+            <a:ext cx="1342800" cy="496440"/>
           </a:xfrm>
           <a:prstGeom prst="triangle">
             <a:avLst>
@@ -19872,7 +19802,7 @@
         <p:spPr>
           <a:xfrm>
             <a:off x="590040" y="6356160"/>
-            <a:ext cx="1343520" cy="497160"/>
+            <a:ext cx="1342800" cy="496440"/>
           </a:xfrm>
           <a:prstGeom prst="triangle">
             <a:avLst>
@@ -19913,7 +19843,7 @@
         <p:spPr>
           <a:xfrm>
             <a:off x="3159000" y="6238440"/>
-            <a:ext cx="1343520" cy="497160"/>
+            <a:ext cx="1342800" cy="496440"/>
           </a:xfrm>
           <a:prstGeom prst="triangle">
             <a:avLst>
@@ -19961,7 +19891,7 @@
         <p:spPr>
           <a:xfrm>
             <a:off x="2764080" y="6347160"/>
-            <a:ext cx="1343520" cy="497160"/>
+            <a:ext cx="1342800" cy="496440"/>
           </a:xfrm>
           <a:prstGeom prst="triangle">
             <a:avLst>
@@ -20009,7 +19939,7 @@
         <p:spPr>
           <a:xfrm>
             <a:off x="1584720" y="6356160"/>
-            <a:ext cx="1343520" cy="497160"/>
+            <a:ext cx="1342800" cy="496440"/>
           </a:xfrm>
           <a:prstGeom prst="triangle">
             <a:avLst>
@@ -20050,7 +19980,7 @@
         <p:spPr>
           <a:xfrm>
             <a:off x="3468960" y="6351480"/>
-            <a:ext cx="1343520" cy="497160"/>
+            <a:ext cx="1342800" cy="496440"/>
           </a:xfrm>
           <a:prstGeom prst="triangle">
             <a:avLst>
@@ -20091,7 +20021,7 @@
         <p:spPr>
           <a:xfrm>
             <a:off x="4413960" y="6263640"/>
-            <a:ext cx="1343520" cy="497160"/>
+            <a:ext cx="1342800" cy="496440"/>
           </a:xfrm>
           <a:prstGeom prst="triangle">
             <a:avLst>
@@ -20139,7 +20069,7 @@
         <p:spPr>
           <a:xfrm>
             <a:off x="6046560" y="6251760"/>
-            <a:ext cx="1343520" cy="497160"/>
+            <a:ext cx="1342800" cy="496440"/>
           </a:xfrm>
           <a:prstGeom prst="triangle">
             <a:avLst>
@@ -20187,7 +20117,7 @@
         <p:spPr>
           <a:xfrm>
             <a:off x="5393160" y="6250680"/>
-            <a:ext cx="1343520" cy="497160"/>
+            <a:ext cx="1342800" cy="496440"/>
           </a:xfrm>
           <a:prstGeom prst="triangle">
             <a:avLst>
@@ -20235,7 +20165,7 @@
         <p:spPr>
           <a:xfrm>
             <a:off x="4889880" y="6250680"/>
-            <a:ext cx="1343520" cy="497160"/>
+            <a:ext cx="1342800" cy="496440"/>
           </a:xfrm>
           <a:prstGeom prst="triangle">
             <a:avLst>
@@ -20283,7 +20213,7 @@
         <p:spPr>
           <a:xfrm>
             <a:off x="5806800" y="6342840"/>
-            <a:ext cx="1343520" cy="497160"/>
+            <a:ext cx="1342800" cy="496440"/>
           </a:xfrm>
           <a:prstGeom prst="triangle">
             <a:avLst>
@@ -20331,7 +20261,7 @@
         <p:spPr>
           <a:xfrm>
             <a:off x="4731120" y="6329880"/>
-            <a:ext cx="1343520" cy="497160"/>
+            <a:ext cx="1342800" cy="496440"/>
           </a:xfrm>
           <a:prstGeom prst="triangle">
             <a:avLst>
@@ -20379,7 +20309,7 @@
         <p:spPr>
           <a:xfrm>
             <a:off x="4037400" y="6356160"/>
-            <a:ext cx="1343520" cy="497160"/>
+            <a:ext cx="1342800" cy="496440"/>
           </a:xfrm>
           <a:prstGeom prst="triangle">
             <a:avLst>
@@ -20420,7 +20350,7 @@
         <p:spPr>
           <a:xfrm>
             <a:off x="6221520" y="6359400"/>
-            <a:ext cx="1343520" cy="497160"/>
+            <a:ext cx="1342800" cy="496440"/>
           </a:xfrm>
           <a:prstGeom prst="triangle">
             <a:avLst>
@@ -20461,7 +20391,7 @@
         <p:spPr>
           <a:xfrm>
             <a:off x="5032080" y="6356160"/>
-            <a:ext cx="1343520" cy="497160"/>
+            <a:ext cx="1342800" cy="496440"/>
           </a:xfrm>
           <a:prstGeom prst="triangle">
             <a:avLst>

--- a/Sessions/Session 1/python-omar/python.pptx
+++ b/Sessions/Session 1/python-omar/python.pptx
@@ -2740,13 +2740,7 @@
               <a:rPr b="0" lang="en-US" sz="4400" spc="-1" strike="noStrike">
                 <a:latin typeface="Arial"/>
               </a:rPr>
-              <a:t>Click to edit the </a:t>
-            </a:r>
-            <a:r>
-              <a:rPr b="0" lang="en-US" sz="4400" spc="-1" strike="noStrike">
-                <a:latin typeface="Arial"/>
-              </a:rPr>
-              <a:t>title text format</a:t>
+              <a:t>Click to edit the title text format</a:t>
             </a:r>
             <a:endParaRPr b="0" lang="en-US" sz="4400" spc="-1" strike="noStrike">
               <a:latin typeface="Arial"/>
@@ -3004,109 +2998,7 @@
               <a:rPr b="0" lang="en-US" sz="4400" spc="-1" strike="noStrike">
                 <a:latin typeface="Arial"/>
               </a:rPr>
-              <a:t>C</a:t>
-            </a:r>
-            <a:r>
-              <a:rPr b="0" lang="en-US" sz="4400" spc="-1" strike="noStrike">
-                <a:latin typeface="Arial"/>
-              </a:rPr>
-              <a:t>li</a:t>
-            </a:r>
-            <a:r>
-              <a:rPr b="0" lang="en-US" sz="4400" spc="-1" strike="noStrike">
-                <a:latin typeface="Arial"/>
-              </a:rPr>
-              <a:t>c</a:t>
-            </a:r>
-            <a:r>
-              <a:rPr b="0" lang="en-US" sz="4400" spc="-1" strike="noStrike">
-                <a:latin typeface="Arial"/>
-              </a:rPr>
-              <a:t>k </a:t>
-            </a:r>
-            <a:r>
-              <a:rPr b="0" lang="en-US" sz="4400" spc="-1" strike="noStrike">
-                <a:latin typeface="Arial"/>
-              </a:rPr>
-              <a:t>to </a:t>
-            </a:r>
-            <a:r>
-              <a:rPr b="0" lang="en-US" sz="4400" spc="-1" strike="noStrike">
-                <a:latin typeface="Arial"/>
-              </a:rPr>
-              <a:t>e</a:t>
-            </a:r>
-            <a:r>
-              <a:rPr b="0" lang="en-US" sz="4400" spc="-1" strike="noStrike">
-                <a:latin typeface="Arial"/>
-              </a:rPr>
-              <a:t>di</a:t>
-            </a:r>
-            <a:r>
-              <a:rPr b="0" lang="en-US" sz="4400" spc="-1" strike="noStrike">
-                <a:latin typeface="Arial"/>
-              </a:rPr>
-              <a:t>t </a:t>
-            </a:r>
-            <a:r>
-              <a:rPr b="0" lang="en-US" sz="4400" spc="-1" strike="noStrike">
-                <a:latin typeface="Arial"/>
-              </a:rPr>
-              <a:t>th</a:t>
-            </a:r>
-            <a:r>
-              <a:rPr b="0" lang="en-US" sz="4400" spc="-1" strike="noStrike">
-                <a:latin typeface="Arial"/>
-              </a:rPr>
-              <a:t>e </a:t>
-            </a:r>
-            <a:r>
-              <a:rPr b="0" lang="en-US" sz="4400" spc="-1" strike="noStrike">
-                <a:latin typeface="Arial"/>
-              </a:rPr>
-              <a:t>tit</a:t>
-            </a:r>
-            <a:r>
-              <a:rPr b="0" lang="en-US" sz="4400" spc="-1" strike="noStrike">
-                <a:latin typeface="Arial"/>
-              </a:rPr>
-              <a:t>le </a:t>
-            </a:r>
-            <a:r>
-              <a:rPr b="0" lang="en-US" sz="4400" spc="-1" strike="noStrike">
-                <a:latin typeface="Arial"/>
-              </a:rPr>
-              <a:t>te</a:t>
-            </a:r>
-            <a:r>
-              <a:rPr b="0" lang="en-US" sz="4400" spc="-1" strike="noStrike">
-                <a:latin typeface="Arial"/>
-              </a:rPr>
-              <a:t>xt </a:t>
-            </a:r>
-            <a:r>
-              <a:rPr b="0" lang="en-US" sz="4400" spc="-1" strike="noStrike">
-                <a:latin typeface="Arial"/>
-              </a:rPr>
-              <a:t>fo</a:t>
-            </a:r>
-            <a:r>
-              <a:rPr b="0" lang="en-US" sz="4400" spc="-1" strike="noStrike">
-                <a:latin typeface="Arial"/>
-              </a:rPr>
-              <a:t>r</a:t>
-            </a:r>
-            <a:r>
-              <a:rPr b="0" lang="en-US" sz="4400" spc="-1" strike="noStrike">
-                <a:latin typeface="Arial"/>
-              </a:rPr>
-              <a:t>m</a:t>
-            </a:r>
-            <a:r>
-              <a:rPr b="0" lang="en-US" sz="4400" spc="-1" strike="noStrike">
-                <a:latin typeface="Arial"/>
-              </a:rPr>
-              <a:t>at</a:t>
+              <a:t>Click to edit the title text format</a:t>
             </a:r>
             <a:endParaRPr b="0" lang="en-US" sz="4400" spc="-1" strike="noStrike">
               <a:latin typeface="Arial"/>
@@ -3350,7 +3242,7 @@
         <p:spPr>
           <a:xfrm>
             <a:off x="0" y="0"/>
-            <a:ext cx="3015360" cy="3015360"/>
+            <a:ext cx="3014280" cy="3014280"/>
           </a:xfrm>
           <a:prstGeom prst="rect">
             <a:avLst/>
@@ -3369,7 +3261,7 @@
         <p:spPr>
           <a:xfrm>
             <a:off x="2926080" y="1737360"/>
-            <a:ext cx="6672960" cy="344160"/>
+            <a:ext cx="6671880" cy="343080"/>
           </a:xfrm>
           <a:prstGeom prst="rect">
             <a:avLst/>
@@ -3395,7 +3287,7 @@
         <p:spPr>
           <a:xfrm>
             <a:off x="1798200" y="3020400"/>
-            <a:ext cx="8593200" cy="1223640"/>
+            <a:ext cx="8592120" cy="1222560"/>
           </a:xfrm>
           <a:prstGeom prst="rect">
             <a:avLst/>
@@ -3500,7 +3392,7 @@
         <p:spPr>
           <a:xfrm>
             <a:off x="352440" y="324000"/>
-            <a:ext cx="3029400" cy="849600"/>
+            <a:ext cx="3028320" cy="848520"/>
           </a:xfrm>
           <a:prstGeom prst="rect">
             <a:avLst/>
@@ -3558,7 +3450,7 @@
         <p:spPr>
           <a:xfrm>
             <a:off x="352440" y="1235160"/>
-            <a:ext cx="3122280" cy="636480"/>
+            <a:ext cx="3121200" cy="635400"/>
           </a:xfrm>
           <a:prstGeom prst="rect">
             <a:avLst/>
@@ -3599,77 +3491,7 @@
                 <a:latin typeface="Hack"/>
                 <a:ea typeface="Hack"/>
               </a:rPr>
-              <a:t>C</a:t>
-            </a:r>
-            <a:r>
-              <a:rPr b="1" lang="en-US" sz="3600" spc="-1" strike="noStrike">
-                <a:solidFill>
-                  <a:srgbClr val="46484a"/>
-                </a:solidFill>
-                <a:latin typeface="Hack"/>
-                <a:ea typeface="Hack"/>
-              </a:rPr>
-              <a:t>o</a:t>
-            </a:r>
-            <a:r>
-              <a:rPr b="1" lang="en-US" sz="3600" spc="-1" strike="noStrike">
-                <a:solidFill>
-                  <a:srgbClr val="46484a"/>
-                </a:solidFill>
-                <a:latin typeface="Hack"/>
-                <a:ea typeface="Hack"/>
-              </a:rPr>
-              <a:t>m</a:t>
-            </a:r>
-            <a:r>
-              <a:rPr b="1" lang="en-US" sz="3600" spc="-1" strike="noStrike">
-                <a:solidFill>
-                  <a:srgbClr val="46484a"/>
-                </a:solidFill>
-                <a:latin typeface="Hack"/>
-                <a:ea typeface="Hack"/>
-              </a:rPr>
-              <a:t>m</a:t>
-            </a:r>
-            <a:r>
-              <a:rPr b="1" lang="en-US" sz="3600" spc="-1" strike="noStrike">
-                <a:solidFill>
-                  <a:srgbClr val="46484a"/>
-                </a:solidFill>
-                <a:latin typeface="Hack"/>
-                <a:ea typeface="Hack"/>
-              </a:rPr>
-              <a:t>e</a:t>
-            </a:r>
-            <a:r>
-              <a:rPr b="1" lang="en-US" sz="3600" spc="-1" strike="noStrike">
-                <a:solidFill>
-                  <a:srgbClr val="46484a"/>
-                </a:solidFill>
-                <a:latin typeface="Hack"/>
-                <a:ea typeface="Hack"/>
-              </a:rPr>
-              <a:t>n</a:t>
-            </a:r>
-            <a:r>
-              <a:rPr b="1" lang="en-US" sz="3600" spc="-1" strike="noStrike">
-                <a:solidFill>
-                  <a:srgbClr val="46484a"/>
-                </a:solidFill>
-                <a:latin typeface="Hack"/>
-                <a:ea typeface="Hack"/>
-              </a:rPr>
-              <a:t>t</a:t>
-            </a:r>
-            <a:r>
-              <a:rPr b="1" lang="en-US" sz="3600" spc="-1" strike="noStrike">
-                <a:solidFill>
-                  <a:srgbClr val="46484a"/>
-                </a:solidFill>
-                <a:latin typeface="Hack"/>
-                <a:ea typeface="Hack"/>
-              </a:rPr>
-              <a:t>s</a:t>
+              <a:t>Comments</a:t>
             </a:r>
             <a:endParaRPr b="0" lang="en-US" sz="3600" spc="-1" strike="noStrike">
               <a:latin typeface="Arial"/>
@@ -3686,7 +3508,7 @@
         <p:spPr>
           <a:xfrm>
             <a:off x="352440" y="1931040"/>
-            <a:ext cx="11440800" cy="3669120"/>
+            <a:ext cx="11439720" cy="3668040"/>
           </a:xfrm>
           <a:prstGeom prst="rect">
             <a:avLst/>
@@ -3718,18 +3540,13 @@
             </a:endParaRPr>
           </a:p>
           <a:p>
-            <a:pPr marL="216000" indent="-213480">
+            <a:pPr>
               <a:lnSpc>
                 <a:spcPct val="90000"/>
               </a:lnSpc>
               <a:spcBef>
                 <a:spcPts val="1001"/>
               </a:spcBef>
-              <a:buClr>
-                <a:srgbClr val="000000"/>
-              </a:buClr>
-              <a:buFont typeface="Wingdings" charset="2"/>
-              <a:buChar char=""/>
             </a:pPr>
             <a:endParaRPr b="0" lang="en-US" sz="1800" spc="-1" strike="noStrike">
               <a:latin typeface="Arial"/>
@@ -3763,7 +3580,7 @@
         <p:spPr>
           <a:xfrm>
             <a:off x="11110680" y="123840"/>
-            <a:ext cx="928080" cy="979200"/>
+            <a:ext cx="927000" cy="978120"/>
           </a:xfrm>
           <a:prstGeom prst="rect">
             <a:avLst/>
@@ -3782,7 +3599,7 @@
         <p:spPr>
           <a:xfrm>
             <a:off x="6502680" y="6263640"/>
-            <a:ext cx="1342080" cy="495720"/>
+            <a:ext cx="1341000" cy="494640"/>
           </a:xfrm>
           <a:prstGeom prst="triangle">
             <a:avLst>
@@ -3830,7 +3647,7 @@
         <p:spPr>
           <a:xfrm>
             <a:off x="3777120" y="6242400"/>
-            <a:ext cx="1342080" cy="495720"/>
+            <a:ext cx="1341000" cy="494640"/>
           </a:xfrm>
           <a:prstGeom prst="triangle">
             <a:avLst>
@@ -3878,7 +3695,7 @@
         <p:spPr>
           <a:xfrm>
             <a:off x="6948360" y="6263640"/>
-            <a:ext cx="1342080" cy="495720"/>
+            <a:ext cx="1341000" cy="494640"/>
           </a:xfrm>
           <a:prstGeom prst="triangle">
             <a:avLst>
@@ -3926,7 +3743,7 @@
         <p:spPr>
           <a:xfrm>
             <a:off x="8580960" y="6251760"/>
-            <a:ext cx="1342080" cy="495720"/>
+            <a:ext cx="1341000" cy="494640"/>
           </a:xfrm>
           <a:prstGeom prst="triangle">
             <a:avLst>
@@ -3974,7 +3791,7 @@
         <p:spPr>
           <a:xfrm>
             <a:off x="7927560" y="6250680"/>
-            <a:ext cx="1342080" cy="495720"/>
+            <a:ext cx="1341000" cy="494640"/>
           </a:xfrm>
           <a:prstGeom prst="triangle">
             <a:avLst>
@@ -4022,7 +3839,7 @@
         <p:spPr>
           <a:xfrm>
             <a:off x="7424280" y="6250680"/>
-            <a:ext cx="1342080" cy="495720"/>
+            <a:ext cx="1341000" cy="494640"/>
           </a:xfrm>
           <a:prstGeom prst="triangle">
             <a:avLst>
@@ -4070,7 +3887,7 @@
         <p:spPr>
           <a:xfrm>
             <a:off x="8341200" y="6342840"/>
-            <a:ext cx="1342080" cy="495720"/>
+            <a:ext cx="1341000" cy="494640"/>
           </a:xfrm>
           <a:prstGeom prst="triangle">
             <a:avLst>
@@ -4118,7 +3935,7 @@
         <p:spPr>
           <a:xfrm>
             <a:off x="7265520" y="6329880"/>
-            <a:ext cx="1342080" cy="495720"/>
+            <a:ext cx="1341000" cy="494640"/>
           </a:xfrm>
           <a:prstGeom prst="triangle">
             <a:avLst>
@@ -4166,7 +3983,7 @@
         <p:spPr>
           <a:xfrm>
             <a:off x="6572160" y="6356160"/>
-            <a:ext cx="1342080" cy="495720"/>
+            <a:ext cx="1341000" cy="494640"/>
           </a:xfrm>
           <a:prstGeom prst="triangle">
             <a:avLst>
@@ -4214,7 +4031,7 @@
         <p:spPr>
           <a:xfrm>
             <a:off x="9141120" y="6238440"/>
-            <a:ext cx="1342080" cy="495720"/>
+            <a:ext cx="1341000" cy="494640"/>
           </a:xfrm>
           <a:prstGeom prst="triangle">
             <a:avLst>
@@ -4262,7 +4079,7 @@
         <p:spPr>
           <a:xfrm>
             <a:off x="8746200" y="6347160"/>
-            <a:ext cx="1342080" cy="495720"/>
+            <a:ext cx="1341000" cy="494640"/>
           </a:xfrm>
           <a:prstGeom prst="triangle">
             <a:avLst>
@@ -4310,7 +4127,7 @@
         <p:spPr>
           <a:xfrm>
             <a:off x="7566840" y="6356160"/>
-            <a:ext cx="1342080" cy="495720"/>
+            <a:ext cx="1341000" cy="494640"/>
           </a:xfrm>
           <a:prstGeom prst="triangle">
             <a:avLst>
@@ -4358,7 +4175,7 @@
         <p:spPr>
           <a:xfrm>
             <a:off x="9368280" y="6356160"/>
-            <a:ext cx="2810160" cy="495720"/>
+            <a:ext cx="2809080" cy="494640"/>
           </a:xfrm>
           <a:prstGeom prst="rect">
             <a:avLst/>
@@ -4406,7 +4223,7 @@
         <p:spPr>
           <a:xfrm>
             <a:off x="7938000" y="6074280"/>
-            <a:ext cx="4242600" cy="777600"/>
+            <a:ext cx="4241520" cy="776520"/>
           </a:xfrm>
           <a:prstGeom prst="rect">
             <a:avLst/>
@@ -4437,7 +4254,7 @@
         <p:spPr>
           <a:xfrm>
             <a:off x="7146360" y="5930640"/>
-            <a:ext cx="5042880" cy="924480"/>
+            <a:ext cx="5041800" cy="923400"/>
           </a:xfrm>
           <a:prstGeom prst="rect">
             <a:avLst/>
@@ -4463,7 +4280,7 @@
         <p:spPr>
           <a:xfrm>
             <a:off x="10061640" y="6480720"/>
-            <a:ext cx="2116800" cy="362160"/>
+            <a:ext cx="2115720" cy="361080"/>
           </a:xfrm>
           <a:prstGeom prst="rect">
             <a:avLst/>
@@ -4529,7 +4346,7 @@
         <p:spPr>
           <a:xfrm>
             <a:off x="8629560" y="6203160"/>
-            <a:ext cx="3559680" cy="651960"/>
+            <a:ext cx="3558600" cy="650880"/>
           </a:xfrm>
           <a:prstGeom prst="rect">
             <a:avLst/>
@@ -4555,7 +4372,7 @@
         <p:spPr>
           <a:xfrm>
             <a:off x="966600" y="6263640"/>
-            <a:ext cx="1342080" cy="495720"/>
+            <a:ext cx="1341000" cy="494640"/>
           </a:xfrm>
           <a:prstGeom prst="triangle">
             <a:avLst>
@@ -4603,7 +4420,7 @@
         <p:spPr>
           <a:xfrm>
             <a:off x="2598840" y="6251760"/>
-            <a:ext cx="1342080" cy="495720"/>
+            <a:ext cx="1341000" cy="494640"/>
           </a:xfrm>
           <a:prstGeom prst="triangle">
             <a:avLst>
@@ -4651,7 +4468,7 @@
         <p:spPr>
           <a:xfrm>
             <a:off x="1945440" y="6250680"/>
-            <a:ext cx="1342080" cy="495720"/>
+            <a:ext cx="1341000" cy="494640"/>
           </a:xfrm>
           <a:prstGeom prst="triangle">
             <a:avLst>
@@ -4699,7 +4516,7 @@
         <p:spPr>
           <a:xfrm>
             <a:off x="1442160" y="6250680"/>
-            <a:ext cx="1342080" cy="495720"/>
+            <a:ext cx="1341000" cy="494640"/>
           </a:xfrm>
           <a:prstGeom prst="triangle">
             <a:avLst>
@@ -4747,7 +4564,7 @@
         <p:spPr>
           <a:xfrm>
             <a:off x="309240" y="6237360"/>
-            <a:ext cx="1342080" cy="495720"/>
+            <a:ext cx="1341000" cy="494640"/>
           </a:xfrm>
           <a:prstGeom prst="triangle">
             <a:avLst>
@@ -4795,7 +4612,7 @@
         <p:spPr>
           <a:xfrm>
             <a:off x="0" y="6356160"/>
-            <a:ext cx="1342080" cy="495720"/>
+            <a:ext cx="1341000" cy="494640"/>
           </a:xfrm>
           <a:prstGeom prst="triangle">
             <a:avLst>
@@ -4836,7 +4653,7 @@
         <p:spPr>
           <a:xfrm>
             <a:off x="2359080" y="6342840"/>
-            <a:ext cx="1342080" cy="495720"/>
+            <a:ext cx="1341000" cy="494640"/>
           </a:xfrm>
           <a:prstGeom prst="triangle">
             <a:avLst>
@@ -4884,7 +4701,7 @@
         <p:spPr>
           <a:xfrm>
             <a:off x="1283760" y="6329880"/>
-            <a:ext cx="1342080" cy="495720"/>
+            <a:ext cx="1341000" cy="494640"/>
           </a:xfrm>
           <a:prstGeom prst="triangle">
             <a:avLst>
@@ -4932,7 +4749,7 @@
         <p:spPr>
           <a:xfrm>
             <a:off x="590040" y="6356160"/>
-            <a:ext cx="1342080" cy="495720"/>
+            <a:ext cx="1341000" cy="494640"/>
           </a:xfrm>
           <a:prstGeom prst="triangle">
             <a:avLst>
@@ -4973,7 +4790,7 @@
         <p:spPr>
           <a:xfrm>
             <a:off x="3159000" y="6238440"/>
-            <a:ext cx="1342080" cy="495720"/>
+            <a:ext cx="1341000" cy="494640"/>
           </a:xfrm>
           <a:prstGeom prst="triangle">
             <a:avLst>
@@ -5021,7 +4838,7 @@
         <p:spPr>
           <a:xfrm>
             <a:off x="2764080" y="6347160"/>
-            <a:ext cx="1342080" cy="495720"/>
+            <a:ext cx="1341000" cy="494640"/>
           </a:xfrm>
           <a:prstGeom prst="triangle">
             <a:avLst>
@@ -5069,7 +4886,7 @@
         <p:spPr>
           <a:xfrm>
             <a:off x="1584720" y="6356160"/>
-            <a:ext cx="1342080" cy="495720"/>
+            <a:ext cx="1341000" cy="494640"/>
           </a:xfrm>
           <a:prstGeom prst="triangle">
             <a:avLst>
@@ -5110,7 +4927,7 @@
         <p:spPr>
           <a:xfrm>
             <a:off x="3468960" y="6351480"/>
-            <a:ext cx="1342080" cy="495720"/>
+            <a:ext cx="1341000" cy="494640"/>
           </a:xfrm>
           <a:prstGeom prst="triangle">
             <a:avLst>
@@ -5151,7 +4968,7 @@
         <p:spPr>
           <a:xfrm>
             <a:off x="4413960" y="6263640"/>
-            <a:ext cx="1342080" cy="495720"/>
+            <a:ext cx="1341000" cy="494640"/>
           </a:xfrm>
           <a:prstGeom prst="triangle">
             <a:avLst>
@@ -5199,7 +5016,7 @@
         <p:spPr>
           <a:xfrm>
             <a:off x="6046560" y="6251760"/>
-            <a:ext cx="1342080" cy="495720"/>
+            <a:ext cx="1341000" cy="494640"/>
           </a:xfrm>
           <a:prstGeom prst="triangle">
             <a:avLst>
@@ -5247,7 +5064,7 @@
         <p:spPr>
           <a:xfrm>
             <a:off x="5393160" y="6250680"/>
-            <a:ext cx="1342080" cy="495720"/>
+            <a:ext cx="1341000" cy="494640"/>
           </a:xfrm>
           <a:prstGeom prst="triangle">
             <a:avLst>
@@ -5295,7 +5112,7 @@
         <p:spPr>
           <a:xfrm>
             <a:off x="4889880" y="6250680"/>
-            <a:ext cx="1342080" cy="495720"/>
+            <a:ext cx="1341000" cy="494640"/>
           </a:xfrm>
           <a:prstGeom prst="triangle">
             <a:avLst>
@@ -5343,7 +5160,7 @@
         <p:spPr>
           <a:xfrm>
             <a:off x="5806800" y="6342840"/>
-            <a:ext cx="1342080" cy="495720"/>
+            <a:ext cx="1341000" cy="494640"/>
           </a:xfrm>
           <a:prstGeom prst="triangle">
             <a:avLst>
@@ -5391,7 +5208,7 @@
         <p:spPr>
           <a:xfrm>
             <a:off x="4731120" y="6329880"/>
-            <a:ext cx="1342080" cy="495720"/>
+            <a:ext cx="1341000" cy="494640"/>
           </a:xfrm>
           <a:prstGeom prst="triangle">
             <a:avLst>
@@ -5439,7 +5256,7 @@
         <p:spPr>
           <a:xfrm>
             <a:off x="4037400" y="6356160"/>
-            <a:ext cx="1342080" cy="495720"/>
+            <a:ext cx="1341000" cy="494640"/>
           </a:xfrm>
           <a:prstGeom prst="triangle">
             <a:avLst>
@@ -5480,7 +5297,7 @@
         <p:spPr>
           <a:xfrm>
             <a:off x="6221520" y="6359400"/>
-            <a:ext cx="1342080" cy="495720"/>
+            <a:ext cx="1341000" cy="494640"/>
           </a:xfrm>
           <a:prstGeom prst="triangle">
             <a:avLst>
@@ -5521,7 +5338,7 @@
         <p:spPr>
           <a:xfrm>
             <a:off x="5032080" y="6356160"/>
-            <a:ext cx="1342080" cy="495720"/>
+            <a:ext cx="1341000" cy="494640"/>
           </a:xfrm>
           <a:prstGeom prst="triangle">
             <a:avLst>
@@ -5555,14 +5372,14 @@
       </p:sp>
       <p:sp>
         <p:nvSpPr>
-          <p:cNvPr id="475" name="TextShape 40"/>
-          <p:cNvSpPr txBox="1"/>
-          <p:nvPr/>
-        </p:nvSpPr>
-        <p:spPr>
-          <a:xfrm>
-            <a:off x="3159000" y="1406520"/>
-            <a:ext cx="5760720" cy="4796640"/>
+          <p:cNvPr id="475" name="CustomShape 40"/>
+          <p:cNvSpPr/>
+          <p:nvPr/>
+        </p:nvSpPr>
+        <p:spPr>
+          <a:xfrm>
+            <a:off x="3159000" y="866520"/>
+            <a:ext cx="5759640" cy="4795560"/>
           </a:xfrm>
           <a:prstGeom prst="rect">
             <a:avLst/>
@@ -5572,23 +5389,31 @@
             <a:noFill/>
           </a:ln>
         </p:spPr>
+        <p:style>
+          <a:lnRef idx="0"/>
+          <a:fillRef idx="0"/>
+          <a:effectRef idx="0"/>
+          <a:fontRef idx="minor"/>
+        </p:style>
         <p:txBody>
           <a:bodyPr lIns="90000" rIns="90000" tIns="45000" bIns="45000"/>
           <a:p>
-            <a:pPr algn="ctr"/>
+            <a:pPr algn="ctr">
+              <a:lnSpc>
+                <a:spcPct val="100000"/>
+              </a:lnSpc>
+            </a:pPr>
             <a:r>
               <a:rPr b="0" lang="en-US" sz="33170" spc="-1" strike="noStrike">
                 <a:solidFill>
                   <a:srgbClr val="72bf44"/>
                 </a:solidFill>
                 <a:latin typeface="Arial"/>
+                <a:ea typeface="DejaVu Sans"/>
               </a:rPr>
               <a:t>#</a:t>
             </a:r>
             <a:endParaRPr b="0" lang="en-US" sz="33170" spc="-1" strike="noStrike">
-              <a:solidFill>
-                <a:srgbClr val="72bf44"/>
-              </a:solidFill>
               <a:latin typeface="Arial"/>
             </a:endParaRPr>
           </a:p>
@@ -5596,14 +5421,14 @@
       </p:sp>
       <p:sp>
         <p:nvSpPr>
-          <p:cNvPr id="476" name="TextShape 41"/>
-          <p:cNvSpPr txBox="1"/>
-          <p:nvPr/>
-        </p:nvSpPr>
-        <p:spPr>
-          <a:xfrm>
-            <a:off x="3165480" y="5527080"/>
-            <a:ext cx="5861160" cy="742680"/>
+          <p:cNvPr id="476" name="CustomShape 41"/>
+          <p:cNvSpPr/>
+          <p:nvPr/>
+        </p:nvSpPr>
+        <p:spPr>
+          <a:xfrm>
+            <a:off x="3165480" y="5419080"/>
+            <a:ext cx="5860080" cy="741600"/>
           </a:xfrm>
           <a:prstGeom prst="rect">
             <a:avLst/>
@@ -5613,17 +5438,32 @@
             <a:noFill/>
           </a:ln>
         </p:spPr>
+        <p:style>
+          <a:lnRef idx="0"/>
+          <a:fillRef idx="0"/>
+          <a:effectRef idx="0"/>
+          <a:fontRef idx="minor"/>
+        </p:style>
         <p:txBody>
           <a:bodyPr lIns="90000" rIns="90000" tIns="45000" bIns="45000"/>
           <a:p>
+            <a:pPr>
+              <a:lnSpc>
+                <a:spcPct val="100000"/>
+              </a:lnSpc>
+            </a:pPr>
             <a:r>
               <a:rPr b="0" lang="en-US" sz="2200" spc="-1" strike="noStrike">
+                <a:solidFill>
+                  <a:srgbClr val="000000"/>
+                </a:solidFill>
                 <a:latin typeface="Manjari Bold"/>
+                <a:ea typeface="DejaVu Sans"/>
               </a:rPr>
               <a:t>There is no mutli-line comments in python . :(</a:t>
             </a:r>
             <a:endParaRPr b="0" lang="en-US" sz="2200" spc="-1" strike="noStrike">
-              <a:latin typeface="Manjari Bold"/>
+              <a:latin typeface="Arial"/>
             </a:endParaRPr>
           </a:p>
         </p:txBody>
@@ -5693,7 +5533,7 @@
         <p:spPr>
           <a:xfrm>
             <a:off x="352440" y="324000"/>
-            <a:ext cx="3029400" cy="849600"/>
+            <a:ext cx="3028320" cy="848520"/>
           </a:xfrm>
           <a:prstGeom prst="rect">
             <a:avLst/>
@@ -5751,7 +5591,7 @@
         <p:spPr>
           <a:xfrm>
             <a:off x="352440" y="1235160"/>
-            <a:ext cx="3122280" cy="636480"/>
+            <a:ext cx="3121200" cy="635400"/>
           </a:xfrm>
           <a:prstGeom prst="rect">
             <a:avLst/>
@@ -5809,7 +5649,7 @@
         <p:spPr>
           <a:xfrm>
             <a:off x="352440" y="1931040"/>
-            <a:ext cx="11440800" cy="3669120"/>
+            <a:ext cx="11439720" cy="3668040"/>
           </a:xfrm>
           <a:prstGeom prst="rect">
             <a:avLst/>
@@ -5841,18 +5681,13 @@
             </a:endParaRPr>
           </a:p>
           <a:p>
-            <a:pPr marL="216000" indent="-213480">
+            <a:pPr>
               <a:lnSpc>
                 <a:spcPct val="90000"/>
               </a:lnSpc>
               <a:spcBef>
                 <a:spcPts val="1001"/>
               </a:spcBef>
-              <a:buClr>
-                <a:srgbClr val="000000"/>
-              </a:buClr>
-              <a:buFont typeface="Wingdings" charset="2"/>
-              <a:buChar char=""/>
             </a:pPr>
             <a:r>
               <a:rPr b="0" lang="en-US" sz="2200" spc="-1" strike="noStrike">
@@ -5862,65 +5697,20 @@
                 <a:latin typeface="Manjari Bold"/>
                 <a:ea typeface="Hack"/>
               </a:rPr>
-              <a:t>Docstring is a </a:t>
-            </a:r>
-            <a:r>
-              <a:rPr b="0" lang="en-US" sz="2200" spc="-1" strike="noStrike">
-                <a:solidFill>
-                  <a:srgbClr val="000000"/>
-                </a:solidFill>
-                <a:latin typeface="Manjari Bold"/>
-                <a:ea typeface="Hack"/>
-              </a:rPr>
-              <a:t>commented string </a:t>
-            </a:r>
-            <a:r>
-              <a:rPr b="0" lang="en-US" sz="2200" spc="-1" strike="noStrike">
-                <a:solidFill>
-                  <a:srgbClr val="000000"/>
-                </a:solidFill>
-                <a:latin typeface="Manjari Bold"/>
-                <a:ea typeface="Hack"/>
-              </a:rPr>
-              <a:t>that is used to </a:t>
-            </a:r>
-            <a:r>
-              <a:rPr b="0" lang="en-US" sz="2200" spc="-1" strike="noStrike">
-                <a:solidFill>
-                  <a:srgbClr val="000000"/>
-                </a:solidFill>
-                <a:latin typeface="Manjari Bold"/>
-                <a:ea typeface="Hack"/>
-              </a:rPr>
-              <a:t>document objects in </a:t>
-            </a:r>
-            <a:r>
-              <a:rPr b="0" lang="en-US" sz="2200" spc="-1" strike="noStrike">
-                <a:solidFill>
-                  <a:srgbClr val="000000"/>
-                </a:solidFill>
-                <a:latin typeface="Manjari Bold"/>
-                <a:ea typeface="Hack"/>
-              </a:rPr>
-              <a:t>python .</a:t>
+              <a:t>Docstring is a commented string that is used to document objects in python .</a:t>
             </a:r>
             <a:endParaRPr b="0" lang="en-US" sz="2200" spc="-1" strike="noStrike">
               <a:latin typeface="Arial"/>
             </a:endParaRPr>
           </a:p>
           <a:p>
-            <a:pPr marL="216000" indent="-213480">
+            <a:pPr>
               <a:lnSpc>
                 <a:spcPct val="90000"/>
               </a:lnSpc>
               <a:spcBef>
                 <a:spcPts val="1001"/>
               </a:spcBef>
-              <a:buClr>
-                <a:srgbClr val="000000"/>
-              </a:buClr>
-              <a:buFont typeface="Wingdings" charset="2"/>
-              <a:buChar char=""/>
             </a:pPr>
             <a:r>
               <a:rPr b="0" lang="en-US" sz="2200" spc="-1" strike="noStrike">
@@ -5930,55 +5720,20 @@
                 <a:latin typeface="Manjari Bold"/>
                 <a:ea typeface="Hack"/>
               </a:rPr>
-              <a:t>It’s used by inserting </a:t>
-            </a:r>
-            <a:r>
-              <a:rPr b="0" lang="en-US" sz="2200" spc="-1" strike="noStrike">
-                <a:solidFill>
-                  <a:srgbClr val="000000"/>
-                </a:solidFill>
-                <a:latin typeface="Manjari Bold"/>
-                <a:ea typeface="Hack"/>
-              </a:rPr>
-              <a:t>the comment inside a </a:t>
-            </a:r>
-            <a:r>
-              <a:rPr b="0" lang="en-US" sz="2200" spc="-1" strike="noStrike">
-                <a:solidFill>
-                  <a:srgbClr val="000000"/>
-                </a:solidFill>
-                <a:latin typeface="Manjari Bold"/>
-                <a:ea typeface="Hack"/>
-              </a:rPr>
-              <a:t>triple double or single </a:t>
-            </a:r>
-            <a:r>
-              <a:rPr b="0" lang="en-US" sz="2200" spc="-1" strike="noStrike">
-                <a:solidFill>
-                  <a:srgbClr val="000000"/>
-                </a:solidFill>
-                <a:latin typeface="Manjari Bold"/>
-                <a:ea typeface="Hack"/>
-              </a:rPr>
-              <a:t>quotes .</a:t>
+              <a:t>It’s used by inserting the comment inside a triple double or single quotes .</a:t>
             </a:r>
             <a:endParaRPr b="0" lang="en-US" sz="2200" spc="-1" strike="noStrike">
               <a:latin typeface="Arial"/>
             </a:endParaRPr>
           </a:p>
           <a:p>
-            <a:pPr marL="216000" indent="-213480">
+            <a:pPr>
               <a:lnSpc>
                 <a:spcPct val="90000"/>
               </a:lnSpc>
               <a:spcBef>
                 <a:spcPts val="1001"/>
               </a:spcBef>
-              <a:buClr>
-                <a:srgbClr val="000000"/>
-              </a:buClr>
-              <a:buFont typeface="Wingdings" charset="2"/>
-              <a:buChar char=""/>
             </a:pPr>
             <a:r>
               <a:rPr b="0" lang="en-US" sz="2200" spc="-1" strike="noStrike">
@@ -5988,115 +5743,20 @@
                 <a:latin typeface="Manjari Bold"/>
                 <a:ea typeface="Hack"/>
               </a:rPr>
-              <a:t>Docstrings and </a:t>
-            </a:r>
-            <a:r>
-              <a:rPr b="0" lang="en-US" sz="2200" spc="-1" strike="noStrike">
-                <a:solidFill>
-                  <a:srgbClr val="000000"/>
-                </a:solidFill>
-                <a:latin typeface="Manjari Bold"/>
-                <a:ea typeface="Hack"/>
-              </a:rPr>
-              <a:t>comments aren’t so </a:t>
-            </a:r>
-            <a:r>
-              <a:rPr b="0" lang="en-US" sz="2200" spc="-1" strike="noStrike">
-                <a:solidFill>
-                  <a:srgbClr val="000000"/>
-                </a:solidFill>
-                <a:latin typeface="Manjari Bold"/>
-                <a:ea typeface="Hack"/>
-              </a:rPr>
-              <a:t>much alike, docstring </a:t>
-            </a:r>
-            <a:r>
-              <a:rPr b="0" lang="en-US" sz="2200" spc="-1" strike="noStrike">
-                <a:solidFill>
-                  <a:srgbClr val="000000"/>
-                </a:solidFill>
-                <a:latin typeface="Manjari Bold"/>
-                <a:ea typeface="Hack"/>
-              </a:rPr>
-              <a:t>doesn’t get ignored </a:t>
-            </a:r>
-            <a:r>
-              <a:rPr b="0" lang="en-US" sz="2200" spc="-1" strike="noStrike">
-                <a:solidFill>
-                  <a:srgbClr val="000000"/>
-                </a:solidFill>
-                <a:latin typeface="Manjari Bold"/>
-                <a:ea typeface="Hack"/>
-              </a:rPr>
-              <a:t>by the     compiler like </a:t>
-            </a:r>
-            <a:r>
-              <a:rPr b="0" lang="en-US" sz="2200" spc="-1" strike="noStrike">
-                <a:solidFill>
-                  <a:srgbClr val="000000"/>
-                </a:solidFill>
-                <a:latin typeface="Manjari Bold"/>
-                <a:ea typeface="Hack"/>
-              </a:rPr>
-              <a:t>regular comments </a:t>
-            </a:r>
-            <a:r>
-              <a:rPr b="0" lang="en-US" sz="2200" spc="-1" strike="noStrike">
-                <a:solidFill>
-                  <a:srgbClr val="000000"/>
-                </a:solidFill>
-                <a:latin typeface="Manjari Bold"/>
-                <a:ea typeface="Hack"/>
-              </a:rPr>
-              <a:t>but is stored inside </a:t>
-            </a:r>
-            <a:r>
-              <a:rPr b="0" lang="en-US" sz="2200" spc="-1" strike="noStrike">
-                <a:solidFill>
-                  <a:srgbClr val="000000"/>
-                </a:solidFill>
-                <a:latin typeface="Manjari Bold"/>
-                <a:ea typeface="Hack"/>
-              </a:rPr>
-              <a:t>the program can can </a:t>
-            </a:r>
-            <a:r>
-              <a:rPr b="0" lang="en-US" sz="2200" spc="-1" strike="noStrike">
-                <a:solidFill>
-                  <a:srgbClr val="000000"/>
-                </a:solidFill>
-                <a:latin typeface="Manjari Bold"/>
-                <a:ea typeface="Hack"/>
-              </a:rPr>
-              <a:t>be viewed in    </a:t>
-            </a:r>
-            <a:r>
-              <a:rPr b="0" lang="en-US" sz="2200" spc="-1" strike="noStrike">
-                <a:solidFill>
-                  <a:srgbClr val="000000"/>
-                </a:solidFill>
-                <a:latin typeface="Manjari Bold"/>
-                <a:ea typeface="Hack"/>
-              </a:rPr>
-              <a:t>program's life time .</a:t>
+              <a:t>Docstrings and comments aren’t so much alike, docstring doesn’t get ignored by the     compiler like regular comments but is stored inside the program can can be viewed in    program's life time .</a:t>
             </a:r>
             <a:endParaRPr b="0" lang="en-US" sz="2200" spc="-1" strike="noStrike">
               <a:latin typeface="Arial"/>
             </a:endParaRPr>
           </a:p>
           <a:p>
-            <a:pPr marL="216000" indent="-213480">
+            <a:pPr>
               <a:lnSpc>
                 <a:spcPct val="90000"/>
               </a:lnSpc>
               <a:spcBef>
                 <a:spcPts val="1001"/>
               </a:spcBef>
-              <a:buClr>
-                <a:srgbClr val="000000"/>
-              </a:buClr>
-              <a:buFont typeface="Wingdings" charset="2"/>
-              <a:buChar char=""/>
             </a:pPr>
             <a:endParaRPr b="0" lang="en-US" sz="2200" spc="-1" strike="noStrike">
               <a:latin typeface="Arial"/>
@@ -6130,7 +5790,7 @@
         <p:spPr>
           <a:xfrm>
             <a:off x="11110680" y="123840"/>
-            <a:ext cx="928080" cy="979200"/>
+            <a:ext cx="927000" cy="978120"/>
           </a:xfrm>
           <a:prstGeom prst="rect">
             <a:avLst/>
@@ -6149,7 +5809,7 @@
         <p:spPr>
           <a:xfrm>
             <a:off x="6502680" y="6263640"/>
-            <a:ext cx="1342080" cy="495720"/>
+            <a:ext cx="1341000" cy="494640"/>
           </a:xfrm>
           <a:prstGeom prst="triangle">
             <a:avLst>
@@ -6197,7 +5857,7 @@
         <p:spPr>
           <a:xfrm>
             <a:off x="3777120" y="6242400"/>
-            <a:ext cx="1342080" cy="495720"/>
+            <a:ext cx="1341000" cy="494640"/>
           </a:xfrm>
           <a:prstGeom prst="triangle">
             <a:avLst>
@@ -6245,7 +5905,7 @@
         <p:spPr>
           <a:xfrm>
             <a:off x="6948360" y="6263640"/>
-            <a:ext cx="1342080" cy="495720"/>
+            <a:ext cx="1341000" cy="494640"/>
           </a:xfrm>
           <a:prstGeom prst="triangle">
             <a:avLst>
@@ -6293,7 +5953,7 @@
         <p:spPr>
           <a:xfrm>
             <a:off x="8580960" y="6251760"/>
-            <a:ext cx="1342080" cy="495720"/>
+            <a:ext cx="1341000" cy="494640"/>
           </a:xfrm>
           <a:prstGeom prst="triangle">
             <a:avLst>
@@ -6341,7 +6001,7 @@
         <p:spPr>
           <a:xfrm>
             <a:off x="7927560" y="6250680"/>
-            <a:ext cx="1342080" cy="495720"/>
+            <a:ext cx="1341000" cy="494640"/>
           </a:xfrm>
           <a:prstGeom prst="triangle">
             <a:avLst>
@@ -6389,7 +6049,7 @@
         <p:spPr>
           <a:xfrm>
             <a:off x="7424280" y="6250680"/>
-            <a:ext cx="1342080" cy="495720"/>
+            <a:ext cx="1341000" cy="494640"/>
           </a:xfrm>
           <a:prstGeom prst="triangle">
             <a:avLst>
@@ -6437,7 +6097,7 @@
         <p:spPr>
           <a:xfrm>
             <a:off x="8341200" y="6342840"/>
-            <a:ext cx="1342080" cy="495720"/>
+            <a:ext cx="1341000" cy="494640"/>
           </a:xfrm>
           <a:prstGeom prst="triangle">
             <a:avLst>
@@ -6485,7 +6145,7 @@
         <p:spPr>
           <a:xfrm>
             <a:off x="7265520" y="6329880"/>
-            <a:ext cx="1342080" cy="495720"/>
+            <a:ext cx="1341000" cy="494640"/>
           </a:xfrm>
           <a:prstGeom prst="triangle">
             <a:avLst>
@@ -6533,7 +6193,7 @@
         <p:spPr>
           <a:xfrm>
             <a:off x="6572160" y="6356160"/>
-            <a:ext cx="1342080" cy="495720"/>
+            <a:ext cx="1341000" cy="494640"/>
           </a:xfrm>
           <a:prstGeom prst="triangle">
             <a:avLst>
@@ -6581,7 +6241,7 @@
         <p:spPr>
           <a:xfrm>
             <a:off x="9141120" y="6238440"/>
-            <a:ext cx="1342080" cy="495720"/>
+            <a:ext cx="1341000" cy="494640"/>
           </a:xfrm>
           <a:prstGeom prst="triangle">
             <a:avLst>
@@ -6629,7 +6289,7 @@
         <p:spPr>
           <a:xfrm>
             <a:off x="8746200" y="6347160"/>
-            <a:ext cx="1342080" cy="495720"/>
+            <a:ext cx="1341000" cy="494640"/>
           </a:xfrm>
           <a:prstGeom prst="triangle">
             <a:avLst>
@@ -6677,7 +6337,7 @@
         <p:spPr>
           <a:xfrm>
             <a:off x="7566840" y="6356160"/>
-            <a:ext cx="1342080" cy="495720"/>
+            <a:ext cx="1341000" cy="494640"/>
           </a:xfrm>
           <a:prstGeom prst="triangle">
             <a:avLst>
@@ -6725,7 +6385,7 @@
         <p:spPr>
           <a:xfrm>
             <a:off x="9368280" y="6356160"/>
-            <a:ext cx="2810160" cy="495720"/>
+            <a:ext cx="2809080" cy="494640"/>
           </a:xfrm>
           <a:prstGeom prst="rect">
             <a:avLst/>
@@ -6773,7 +6433,7 @@
         <p:spPr>
           <a:xfrm>
             <a:off x="7938000" y="6074280"/>
-            <a:ext cx="4242600" cy="777600"/>
+            <a:ext cx="4241520" cy="776520"/>
           </a:xfrm>
           <a:prstGeom prst="rect">
             <a:avLst/>
@@ -6804,7 +6464,7 @@
         <p:spPr>
           <a:xfrm>
             <a:off x="7146360" y="5930640"/>
-            <a:ext cx="5042880" cy="924480"/>
+            <a:ext cx="5041800" cy="923400"/>
           </a:xfrm>
           <a:prstGeom prst="rect">
             <a:avLst/>
@@ -6830,7 +6490,7 @@
         <p:spPr>
           <a:xfrm>
             <a:off x="10061640" y="6480720"/>
-            <a:ext cx="2116800" cy="362160"/>
+            <a:ext cx="2115720" cy="361080"/>
           </a:xfrm>
           <a:prstGeom prst="rect">
             <a:avLst/>
@@ -6896,7 +6556,7 @@
         <p:spPr>
           <a:xfrm>
             <a:off x="8629560" y="6203160"/>
-            <a:ext cx="3559680" cy="651960"/>
+            <a:ext cx="3558600" cy="650880"/>
           </a:xfrm>
           <a:prstGeom prst="rect">
             <a:avLst/>
@@ -6922,7 +6582,7 @@
         <p:spPr>
           <a:xfrm>
             <a:off x="966600" y="6263640"/>
-            <a:ext cx="1342080" cy="495720"/>
+            <a:ext cx="1341000" cy="494640"/>
           </a:xfrm>
           <a:prstGeom prst="triangle">
             <a:avLst>
@@ -6970,7 +6630,7 @@
         <p:spPr>
           <a:xfrm>
             <a:off x="2598840" y="6251760"/>
-            <a:ext cx="1342080" cy="495720"/>
+            <a:ext cx="1341000" cy="494640"/>
           </a:xfrm>
           <a:prstGeom prst="triangle">
             <a:avLst>
@@ -7018,7 +6678,7 @@
         <p:spPr>
           <a:xfrm>
             <a:off x="1945440" y="6250680"/>
-            <a:ext cx="1342080" cy="495720"/>
+            <a:ext cx="1341000" cy="494640"/>
           </a:xfrm>
           <a:prstGeom prst="triangle">
             <a:avLst>
@@ -7066,7 +6726,7 @@
         <p:spPr>
           <a:xfrm>
             <a:off x="1442160" y="6250680"/>
-            <a:ext cx="1342080" cy="495720"/>
+            <a:ext cx="1341000" cy="494640"/>
           </a:xfrm>
           <a:prstGeom prst="triangle">
             <a:avLst>
@@ -7114,7 +6774,7 @@
         <p:spPr>
           <a:xfrm>
             <a:off x="309240" y="6237360"/>
-            <a:ext cx="1342080" cy="495720"/>
+            <a:ext cx="1341000" cy="494640"/>
           </a:xfrm>
           <a:prstGeom prst="triangle">
             <a:avLst>
@@ -7162,7 +6822,7 @@
         <p:spPr>
           <a:xfrm>
             <a:off x="0" y="6356160"/>
-            <a:ext cx="1342080" cy="495720"/>
+            <a:ext cx="1341000" cy="494640"/>
           </a:xfrm>
           <a:prstGeom prst="triangle">
             <a:avLst>
@@ -7203,7 +6863,7 @@
         <p:spPr>
           <a:xfrm>
             <a:off x="2359080" y="6342840"/>
-            <a:ext cx="1342080" cy="495720"/>
+            <a:ext cx="1341000" cy="494640"/>
           </a:xfrm>
           <a:prstGeom prst="triangle">
             <a:avLst>
@@ -7251,7 +6911,7 @@
         <p:spPr>
           <a:xfrm>
             <a:off x="1283760" y="6329880"/>
-            <a:ext cx="1342080" cy="495720"/>
+            <a:ext cx="1341000" cy="494640"/>
           </a:xfrm>
           <a:prstGeom prst="triangle">
             <a:avLst>
@@ -7299,7 +6959,7 @@
         <p:spPr>
           <a:xfrm>
             <a:off x="590040" y="6356160"/>
-            <a:ext cx="1342080" cy="495720"/>
+            <a:ext cx="1341000" cy="494640"/>
           </a:xfrm>
           <a:prstGeom prst="triangle">
             <a:avLst>
@@ -7340,7 +7000,7 @@
         <p:spPr>
           <a:xfrm>
             <a:off x="3159000" y="6238440"/>
-            <a:ext cx="1342080" cy="495720"/>
+            <a:ext cx="1341000" cy="494640"/>
           </a:xfrm>
           <a:prstGeom prst="triangle">
             <a:avLst>
@@ -7388,7 +7048,7 @@
         <p:spPr>
           <a:xfrm>
             <a:off x="2764080" y="6347160"/>
-            <a:ext cx="1342080" cy="495720"/>
+            <a:ext cx="1341000" cy="494640"/>
           </a:xfrm>
           <a:prstGeom prst="triangle">
             <a:avLst>
@@ -7436,7 +7096,7 @@
         <p:spPr>
           <a:xfrm>
             <a:off x="1584720" y="6356160"/>
-            <a:ext cx="1342080" cy="495720"/>
+            <a:ext cx="1341000" cy="494640"/>
           </a:xfrm>
           <a:prstGeom prst="triangle">
             <a:avLst>
@@ -7477,7 +7137,7 @@
         <p:spPr>
           <a:xfrm>
             <a:off x="3468960" y="6351480"/>
-            <a:ext cx="1342080" cy="495720"/>
+            <a:ext cx="1341000" cy="494640"/>
           </a:xfrm>
           <a:prstGeom prst="triangle">
             <a:avLst>
@@ -7518,7 +7178,7 @@
         <p:spPr>
           <a:xfrm>
             <a:off x="4413960" y="6263640"/>
-            <a:ext cx="1342080" cy="495720"/>
+            <a:ext cx="1341000" cy="494640"/>
           </a:xfrm>
           <a:prstGeom prst="triangle">
             <a:avLst>
@@ -7566,7 +7226,7 @@
         <p:spPr>
           <a:xfrm>
             <a:off x="6046560" y="6251760"/>
-            <a:ext cx="1342080" cy="495720"/>
+            <a:ext cx="1341000" cy="494640"/>
           </a:xfrm>
           <a:prstGeom prst="triangle">
             <a:avLst>
@@ -7614,7 +7274,7 @@
         <p:spPr>
           <a:xfrm>
             <a:off x="5393160" y="6250680"/>
-            <a:ext cx="1342080" cy="495720"/>
+            <a:ext cx="1341000" cy="494640"/>
           </a:xfrm>
           <a:prstGeom prst="triangle">
             <a:avLst>
@@ -7662,7 +7322,7 @@
         <p:spPr>
           <a:xfrm>
             <a:off x="4889880" y="6250680"/>
-            <a:ext cx="1342080" cy="495720"/>
+            <a:ext cx="1341000" cy="494640"/>
           </a:xfrm>
           <a:prstGeom prst="triangle">
             <a:avLst>
@@ -7710,7 +7370,7 @@
         <p:spPr>
           <a:xfrm>
             <a:off x="5806800" y="6342840"/>
-            <a:ext cx="1342080" cy="495720"/>
+            <a:ext cx="1341000" cy="494640"/>
           </a:xfrm>
           <a:prstGeom prst="triangle">
             <a:avLst>
@@ -7758,7 +7418,7 @@
         <p:spPr>
           <a:xfrm>
             <a:off x="4731120" y="6329880"/>
-            <a:ext cx="1342080" cy="495720"/>
+            <a:ext cx="1341000" cy="494640"/>
           </a:xfrm>
           <a:prstGeom prst="triangle">
             <a:avLst>
@@ -7806,7 +7466,7 @@
         <p:spPr>
           <a:xfrm>
             <a:off x="4037400" y="6356160"/>
-            <a:ext cx="1342080" cy="495720"/>
+            <a:ext cx="1341000" cy="494640"/>
           </a:xfrm>
           <a:prstGeom prst="triangle">
             <a:avLst>
@@ -7847,7 +7507,7 @@
         <p:spPr>
           <a:xfrm>
             <a:off x="6221520" y="6359400"/>
-            <a:ext cx="1342080" cy="495720"/>
+            <a:ext cx="1341000" cy="494640"/>
           </a:xfrm>
           <a:prstGeom prst="triangle">
             <a:avLst>
@@ -7888,7 +7548,7 @@
         <p:spPr>
           <a:xfrm>
             <a:off x="5032080" y="6356160"/>
-            <a:ext cx="1342080" cy="495720"/>
+            <a:ext cx="1341000" cy="494640"/>
           </a:xfrm>
           <a:prstGeom prst="triangle">
             <a:avLst>
@@ -7933,7 +7593,7 @@
         <p:spPr>
           <a:xfrm>
             <a:off x="8839440" y="4973760"/>
-            <a:ext cx="2590560" cy="428400"/>
+            <a:ext cx="2589480" cy="427320"/>
           </a:xfrm>
           <a:prstGeom prst="rect">
             <a:avLst/>
@@ -7956,7 +7616,7 @@
         <p:spPr>
           <a:xfrm>
             <a:off x="476640" y="4699440"/>
-            <a:ext cx="5466960" cy="933120"/>
+            <a:ext cx="5465880" cy="932040"/>
           </a:xfrm>
           <a:prstGeom prst="rect">
             <a:avLst/>
@@ -7968,14 +7628,14 @@
       </p:pic>
       <p:sp>
         <p:nvSpPr>
-          <p:cNvPr id="522" name="TextShape 40"/>
-          <p:cNvSpPr txBox="1"/>
+          <p:cNvPr id="522" name="CustomShape 40"/>
+          <p:cNvSpPr/>
           <p:nvPr/>
         </p:nvSpPr>
         <p:spPr>
           <a:xfrm>
             <a:off x="6309360" y="4957200"/>
-            <a:ext cx="1554480" cy="477360"/>
+            <a:ext cx="1553400" cy="476280"/>
           </a:xfrm>
           <a:prstGeom prst="rect">
             <a:avLst/>
@@ -7985,20 +7645,32 @@
             <a:noFill/>
           </a:ln>
         </p:spPr>
+        <p:style>
+          <a:lnRef idx="0"/>
+          <a:fillRef idx="0"/>
+          <a:effectRef idx="0"/>
+          <a:fontRef idx="minor"/>
+        </p:style>
         <p:txBody>
           <a:bodyPr lIns="90000" rIns="90000" tIns="45000" bIns="45000"/>
           <a:p>
+            <a:pPr>
+              <a:lnSpc>
+                <a:spcPct val="100000"/>
+              </a:lnSpc>
+            </a:pPr>
             <a:r>
               <a:rPr b="0" lang="en-US" sz="1800" spc="-1" strike="noStrike">
                 <a:solidFill>
                   <a:srgbClr val="ce181e"/>
                 </a:solidFill>
                 <a:latin typeface="Purisa"/>
+                <a:ea typeface="DejaVu Sans"/>
               </a:rPr>
               <a:t>Outputs </a:t>
             </a:r>
             <a:endParaRPr b="0" lang="en-US" sz="1800" spc="-1" strike="noStrike">
-              <a:latin typeface="Purisa"/>
+              <a:latin typeface="Arial"/>
             </a:endParaRPr>
           </a:p>
         </p:txBody>
@@ -8012,13 +7684,13 @@
         <p:spPr>
           <a:xfrm>
             <a:off x="7498080" y="5065200"/>
-            <a:ext cx="1188720" cy="182880"/>
+            <a:ext cx="1187640" cy="181800"/>
           </a:xfrm>
           <a:custGeom>
             <a:avLst/>
             <a:gdLst/>
             <a:ahLst/>
-            <a:rect l="0" t="0" r="r" b="b"/>
+            <a:rect l="l" t="t" r="r" b="b"/>
             <a:pathLst>
               <a:path w="3304" h="510">
                 <a:moveTo>
@@ -8129,7 +7801,7 @@
         <p:spPr>
           <a:xfrm>
             <a:off x="352440" y="324000"/>
-            <a:ext cx="3029400" cy="849600"/>
+            <a:ext cx="3028320" cy="848520"/>
           </a:xfrm>
           <a:prstGeom prst="rect">
             <a:avLst/>
@@ -8187,7 +7859,7 @@
         <p:spPr>
           <a:xfrm>
             <a:off x="352440" y="1235160"/>
-            <a:ext cx="3305160" cy="636480"/>
+            <a:ext cx="3304080" cy="635400"/>
           </a:xfrm>
           <a:prstGeom prst="rect">
             <a:avLst/>
@@ -8245,7 +7917,7 @@
         <p:spPr>
           <a:xfrm>
             <a:off x="352440" y="1931040"/>
-            <a:ext cx="11440800" cy="3669120"/>
+            <a:ext cx="11439720" cy="3668040"/>
           </a:xfrm>
           <a:prstGeom prst="rect">
             <a:avLst/>
@@ -8323,18 +7995,13 @@
             </a:endParaRPr>
           </a:p>
           <a:p>
-            <a:pPr marL="216000" indent="-213480">
+            <a:pPr>
               <a:lnSpc>
                 <a:spcPct val="90000"/>
               </a:lnSpc>
               <a:spcBef>
                 <a:spcPts val="1001"/>
               </a:spcBef>
-              <a:buClr>
-                <a:srgbClr val="000000"/>
-              </a:buClr>
-              <a:buFont typeface="Wingdings" charset="2"/>
-              <a:buChar char=""/>
             </a:pPr>
             <a:endParaRPr b="0" lang="en-US" sz="2200" spc="-1" strike="noStrike">
               <a:latin typeface="Arial"/>
@@ -8368,7 +8035,7 @@
         <p:spPr>
           <a:xfrm>
             <a:off x="11110680" y="123840"/>
-            <a:ext cx="928080" cy="979200"/>
+            <a:ext cx="927000" cy="978120"/>
           </a:xfrm>
           <a:prstGeom prst="rect">
             <a:avLst/>
@@ -8387,7 +8054,7 @@
         <p:spPr>
           <a:xfrm>
             <a:off x="6502680" y="6263640"/>
-            <a:ext cx="1342080" cy="495720"/>
+            <a:ext cx="1341000" cy="494640"/>
           </a:xfrm>
           <a:prstGeom prst="triangle">
             <a:avLst>
@@ -8435,7 +8102,7 @@
         <p:spPr>
           <a:xfrm>
             <a:off x="3777120" y="6242400"/>
-            <a:ext cx="1342080" cy="495720"/>
+            <a:ext cx="1341000" cy="494640"/>
           </a:xfrm>
           <a:prstGeom prst="triangle">
             <a:avLst>
@@ -8483,7 +8150,7 @@
         <p:spPr>
           <a:xfrm>
             <a:off x="6948360" y="6263640"/>
-            <a:ext cx="1342080" cy="495720"/>
+            <a:ext cx="1341000" cy="494640"/>
           </a:xfrm>
           <a:prstGeom prst="triangle">
             <a:avLst>
@@ -8531,7 +8198,7 @@
         <p:spPr>
           <a:xfrm>
             <a:off x="8580960" y="6251760"/>
-            <a:ext cx="1342080" cy="495720"/>
+            <a:ext cx="1341000" cy="494640"/>
           </a:xfrm>
           <a:prstGeom prst="triangle">
             <a:avLst>
@@ -8579,7 +8246,7 @@
         <p:spPr>
           <a:xfrm>
             <a:off x="7927560" y="6250680"/>
-            <a:ext cx="1342080" cy="495720"/>
+            <a:ext cx="1341000" cy="494640"/>
           </a:xfrm>
           <a:prstGeom prst="triangle">
             <a:avLst>
@@ -8627,7 +8294,7 @@
         <p:spPr>
           <a:xfrm>
             <a:off x="7424280" y="6250680"/>
-            <a:ext cx="1342080" cy="495720"/>
+            <a:ext cx="1341000" cy="494640"/>
           </a:xfrm>
           <a:prstGeom prst="triangle">
             <a:avLst>
@@ -8675,7 +8342,7 @@
         <p:spPr>
           <a:xfrm>
             <a:off x="8341200" y="6342840"/>
-            <a:ext cx="1342080" cy="495720"/>
+            <a:ext cx="1341000" cy="494640"/>
           </a:xfrm>
           <a:prstGeom prst="triangle">
             <a:avLst>
@@ -8723,7 +8390,7 @@
         <p:spPr>
           <a:xfrm>
             <a:off x="7265520" y="6329880"/>
-            <a:ext cx="1342080" cy="495720"/>
+            <a:ext cx="1341000" cy="494640"/>
           </a:xfrm>
           <a:prstGeom prst="triangle">
             <a:avLst>
@@ -8771,7 +8438,7 @@
         <p:spPr>
           <a:xfrm>
             <a:off x="6572160" y="6356160"/>
-            <a:ext cx="1342080" cy="495720"/>
+            <a:ext cx="1341000" cy="494640"/>
           </a:xfrm>
           <a:prstGeom prst="triangle">
             <a:avLst>
@@ -8819,7 +8486,7 @@
         <p:spPr>
           <a:xfrm>
             <a:off x="9141120" y="6238440"/>
-            <a:ext cx="1342080" cy="495720"/>
+            <a:ext cx="1341000" cy="494640"/>
           </a:xfrm>
           <a:prstGeom prst="triangle">
             <a:avLst>
@@ -8867,7 +8534,7 @@
         <p:spPr>
           <a:xfrm>
             <a:off x="8746200" y="6347160"/>
-            <a:ext cx="1342080" cy="495720"/>
+            <a:ext cx="1341000" cy="494640"/>
           </a:xfrm>
           <a:prstGeom prst="triangle">
             <a:avLst>
@@ -8915,7 +8582,7 @@
         <p:spPr>
           <a:xfrm>
             <a:off x="7566840" y="6356160"/>
-            <a:ext cx="1342080" cy="495720"/>
+            <a:ext cx="1341000" cy="494640"/>
           </a:xfrm>
           <a:prstGeom prst="triangle">
             <a:avLst>
@@ -8963,7 +8630,7 @@
         <p:spPr>
           <a:xfrm>
             <a:off x="9368280" y="6356160"/>
-            <a:ext cx="2810160" cy="495720"/>
+            <a:ext cx="2809080" cy="494640"/>
           </a:xfrm>
           <a:prstGeom prst="rect">
             <a:avLst/>
@@ -9011,7 +8678,7 @@
         <p:spPr>
           <a:xfrm>
             <a:off x="7938000" y="6074280"/>
-            <a:ext cx="4242600" cy="777600"/>
+            <a:ext cx="4241520" cy="776520"/>
           </a:xfrm>
           <a:prstGeom prst="rect">
             <a:avLst/>
@@ -9042,7 +8709,7 @@
         <p:spPr>
           <a:xfrm>
             <a:off x="7146360" y="5930640"/>
-            <a:ext cx="5042880" cy="924480"/>
+            <a:ext cx="5041800" cy="923400"/>
           </a:xfrm>
           <a:prstGeom prst="rect">
             <a:avLst/>
@@ -9068,7 +8735,7 @@
         <p:spPr>
           <a:xfrm>
             <a:off x="10061640" y="6480720"/>
-            <a:ext cx="2116800" cy="362160"/>
+            <a:ext cx="2115720" cy="361080"/>
           </a:xfrm>
           <a:prstGeom prst="rect">
             <a:avLst/>
@@ -9134,7 +8801,7 @@
         <p:spPr>
           <a:xfrm>
             <a:off x="8629560" y="6203160"/>
-            <a:ext cx="3559680" cy="651960"/>
+            <a:ext cx="3558600" cy="650880"/>
           </a:xfrm>
           <a:prstGeom prst="rect">
             <a:avLst/>
@@ -9160,7 +8827,7 @@
         <p:spPr>
           <a:xfrm>
             <a:off x="966600" y="6263640"/>
-            <a:ext cx="1342080" cy="495720"/>
+            <a:ext cx="1341000" cy="494640"/>
           </a:xfrm>
           <a:prstGeom prst="triangle">
             <a:avLst>
@@ -9208,7 +8875,7 @@
         <p:spPr>
           <a:xfrm>
             <a:off x="2598840" y="6251760"/>
-            <a:ext cx="1342080" cy="495720"/>
+            <a:ext cx="1341000" cy="494640"/>
           </a:xfrm>
           <a:prstGeom prst="triangle">
             <a:avLst>
@@ -9256,7 +8923,7 @@
         <p:spPr>
           <a:xfrm>
             <a:off x="1945440" y="6250680"/>
-            <a:ext cx="1342080" cy="495720"/>
+            <a:ext cx="1341000" cy="494640"/>
           </a:xfrm>
           <a:prstGeom prst="triangle">
             <a:avLst>
@@ -9304,7 +8971,7 @@
         <p:spPr>
           <a:xfrm>
             <a:off x="1442160" y="6250680"/>
-            <a:ext cx="1342080" cy="495720"/>
+            <a:ext cx="1341000" cy="494640"/>
           </a:xfrm>
           <a:prstGeom prst="triangle">
             <a:avLst>
@@ -9352,7 +9019,7 @@
         <p:spPr>
           <a:xfrm>
             <a:off x="309240" y="6237360"/>
-            <a:ext cx="1342080" cy="495720"/>
+            <a:ext cx="1341000" cy="494640"/>
           </a:xfrm>
           <a:prstGeom prst="triangle">
             <a:avLst>
@@ -9400,7 +9067,7 @@
         <p:spPr>
           <a:xfrm>
             <a:off x="0" y="6356160"/>
-            <a:ext cx="1342080" cy="495720"/>
+            <a:ext cx="1341000" cy="494640"/>
           </a:xfrm>
           <a:prstGeom prst="triangle">
             <a:avLst>
@@ -9441,7 +9108,7 @@
         <p:spPr>
           <a:xfrm>
             <a:off x="2359080" y="6342840"/>
-            <a:ext cx="1342080" cy="495720"/>
+            <a:ext cx="1341000" cy="494640"/>
           </a:xfrm>
           <a:prstGeom prst="triangle">
             <a:avLst>
@@ -9489,7 +9156,7 @@
         <p:spPr>
           <a:xfrm>
             <a:off x="1283760" y="6329880"/>
-            <a:ext cx="1342080" cy="495720"/>
+            <a:ext cx="1341000" cy="494640"/>
           </a:xfrm>
           <a:prstGeom prst="triangle">
             <a:avLst>
@@ -9537,7 +9204,7 @@
         <p:spPr>
           <a:xfrm>
             <a:off x="590040" y="6356160"/>
-            <a:ext cx="1342080" cy="495720"/>
+            <a:ext cx="1341000" cy="494640"/>
           </a:xfrm>
           <a:prstGeom prst="triangle">
             <a:avLst>
@@ -9578,7 +9245,7 @@
         <p:spPr>
           <a:xfrm>
             <a:off x="3159000" y="6238440"/>
-            <a:ext cx="1342080" cy="495720"/>
+            <a:ext cx="1341000" cy="494640"/>
           </a:xfrm>
           <a:prstGeom prst="triangle">
             <a:avLst>
@@ -9626,7 +9293,7 @@
         <p:spPr>
           <a:xfrm>
             <a:off x="2764080" y="6347160"/>
-            <a:ext cx="1342080" cy="495720"/>
+            <a:ext cx="1341000" cy="494640"/>
           </a:xfrm>
           <a:prstGeom prst="triangle">
             <a:avLst>
@@ -9674,7 +9341,7 @@
         <p:spPr>
           <a:xfrm>
             <a:off x="1584720" y="6356160"/>
-            <a:ext cx="1342080" cy="495720"/>
+            <a:ext cx="1341000" cy="494640"/>
           </a:xfrm>
           <a:prstGeom prst="triangle">
             <a:avLst>
@@ -9715,7 +9382,7 @@
         <p:spPr>
           <a:xfrm>
             <a:off x="3468960" y="6351480"/>
-            <a:ext cx="1342080" cy="495720"/>
+            <a:ext cx="1341000" cy="494640"/>
           </a:xfrm>
           <a:prstGeom prst="triangle">
             <a:avLst>
@@ -9756,7 +9423,7 @@
         <p:spPr>
           <a:xfrm>
             <a:off x="4413960" y="6263640"/>
-            <a:ext cx="1342080" cy="495720"/>
+            <a:ext cx="1341000" cy="494640"/>
           </a:xfrm>
           <a:prstGeom prst="triangle">
             <a:avLst>
@@ -9804,7 +9471,7 @@
         <p:spPr>
           <a:xfrm>
             <a:off x="6046560" y="6251760"/>
-            <a:ext cx="1342080" cy="495720"/>
+            <a:ext cx="1341000" cy="494640"/>
           </a:xfrm>
           <a:prstGeom prst="triangle">
             <a:avLst>
@@ -9852,7 +9519,7 @@
         <p:spPr>
           <a:xfrm>
             <a:off x="5393160" y="6250680"/>
-            <a:ext cx="1342080" cy="495720"/>
+            <a:ext cx="1341000" cy="494640"/>
           </a:xfrm>
           <a:prstGeom prst="triangle">
             <a:avLst>
@@ -9900,7 +9567,7 @@
         <p:spPr>
           <a:xfrm>
             <a:off x="4889880" y="6250680"/>
-            <a:ext cx="1342080" cy="495720"/>
+            <a:ext cx="1341000" cy="494640"/>
           </a:xfrm>
           <a:prstGeom prst="triangle">
             <a:avLst>
@@ -9948,7 +9615,7 @@
         <p:spPr>
           <a:xfrm>
             <a:off x="5806800" y="6342840"/>
-            <a:ext cx="1342080" cy="495720"/>
+            <a:ext cx="1341000" cy="494640"/>
           </a:xfrm>
           <a:prstGeom prst="triangle">
             <a:avLst>
@@ -9996,7 +9663,7 @@
         <p:spPr>
           <a:xfrm>
             <a:off x="4731120" y="6329880"/>
-            <a:ext cx="1342080" cy="495720"/>
+            <a:ext cx="1341000" cy="494640"/>
           </a:xfrm>
           <a:prstGeom prst="triangle">
             <a:avLst>
@@ -10044,7 +9711,7 @@
         <p:spPr>
           <a:xfrm>
             <a:off x="4037400" y="6356160"/>
-            <a:ext cx="1342080" cy="495720"/>
+            <a:ext cx="1341000" cy="494640"/>
           </a:xfrm>
           <a:prstGeom prst="triangle">
             <a:avLst>
@@ -10085,7 +9752,7 @@
         <p:spPr>
           <a:xfrm>
             <a:off x="6221520" y="6359400"/>
-            <a:ext cx="1342080" cy="495720"/>
+            <a:ext cx="1341000" cy="494640"/>
           </a:xfrm>
           <a:prstGeom prst="triangle">
             <a:avLst>
@@ -10126,7 +9793,7 @@
         <p:spPr>
           <a:xfrm>
             <a:off x="5032080" y="6356160"/>
-            <a:ext cx="1342080" cy="495720"/>
+            <a:ext cx="1341000" cy="494640"/>
           </a:xfrm>
           <a:prstGeom prst="triangle">
             <a:avLst>
@@ -10171,7 +9838,7 @@
         <p:spPr>
           <a:xfrm>
             <a:off x="517680" y="4389120"/>
-            <a:ext cx="4602960" cy="1282680"/>
+            <a:ext cx="4601880" cy="1281600"/>
           </a:xfrm>
           <a:prstGeom prst="rect">
             <a:avLst/>
@@ -10194,7 +9861,7 @@
         <p:spPr>
           <a:xfrm>
             <a:off x="5486400" y="4548960"/>
-            <a:ext cx="6492240" cy="1028880"/>
+            <a:ext cx="6491160" cy="1027800"/>
           </a:xfrm>
           <a:prstGeom prst="rect">
             <a:avLst/>
@@ -10269,7 +9936,7 @@
         <p:spPr>
           <a:xfrm>
             <a:off x="352440" y="324000"/>
-            <a:ext cx="3029400" cy="849600"/>
+            <a:ext cx="3028320" cy="848520"/>
           </a:xfrm>
           <a:prstGeom prst="rect">
             <a:avLst/>
@@ -10327,7 +9994,7 @@
         <p:spPr>
           <a:xfrm>
             <a:off x="352440" y="1235160"/>
-            <a:ext cx="2299320" cy="636480"/>
+            <a:ext cx="2298240" cy="635400"/>
           </a:xfrm>
           <a:prstGeom prst="rect">
             <a:avLst/>
@@ -10385,7 +10052,7 @@
         <p:spPr>
           <a:xfrm>
             <a:off x="352440" y="1931040"/>
-            <a:ext cx="11440800" cy="3669120"/>
+            <a:ext cx="11439720" cy="3668040"/>
           </a:xfrm>
           <a:prstGeom prst="rect">
             <a:avLst/>
@@ -10417,18 +10084,13 @@
             </a:endParaRPr>
           </a:p>
           <a:p>
-            <a:pPr marL="216000" indent="-213480">
+            <a:pPr>
               <a:lnSpc>
                 <a:spcPct val="90000"/>
               </a:lnSpc>
               <a:spcBef>
                 <a:spcPts val="1001"/>
               </a:spcBef>
-              <a:buClr>
-                <a:srgbClr val="000000"/>
-              </a:buClr>
-              <a:buFont typeface="Wingdings" charset="2"/>
-              <a:buChar char=""/>
             </a:pPr>
             <a:r>
               <a:rPr b="0" lang="en-US" sz="2200" spc="-1" strike="noStrike">
@@ -10465,18 +10127,13 @@
             </a:endParaRPr>
           </a:p>
           <a:p>
-            <a:pPr marL="216000" indent="-213480">
+            <a:pPr>
               <a:lnSpc>
                 <a:spcPct val="90000"/>
               </a:lnSpc>
               <a:spcBef>
                 <a:spcPts val="1001"/>
               </a:spcBef>
-              <a:buClr>
-                <a:srgbClr val="000000"/>
-              </a:buClr>
-              <a:buFont typeface="Wingdings" charset="2"/>
-              <a:buChar char=""/>
             </a:pPr>
             <a:r>
               <a:rPr b="0" lang="en-US" sz="2200" spc="-1" strike="noStrike">
@@ -10520,7 +10177,7 @@
         <p:spPr>
           <a:xfrm>
             <a:off x="11110680" y="123840"/>
-            <a:ext cx="928080" cy="979200"/>
+            <a:ext cx="927000" cy="978120"/>
           </a:xfrm>
           <a:prstGeom prst="rect">
             <a:avLst/>
@@ -10539,7 +10196,7 @@
         <p:spPr>
           <a:xfrm>
             <a:off x="6502680" y="6263640"/>
-            <a:ext cx="1342080" cy="495720"/>
+            <a:ext cx="1341000" cy="494640"/>
           </a:xfrm>
           <a:prstGeom prst="triangle">
             <a:avLst>
@@ -10587,7 +10244,7 @@
         <p:spPr>
           <a:xfrm>
             <a:off x="3777120" y="6242400"/>
-            <a:ext cx="1342080" cy="495720"/>
+            <a:ext cx="1341000" cy="494640"/>
           </a:xfrm>
           <a:prstGeom prst="triangle">
             <a:avLst>
@@ -10635,7 +10292,7 @@
         <p:spPr>
           <a:xfrm>
             <a:off x="6948360" y="6263640"/>
-            <a:ext cx="1342080" cy="495720"/>
+            <a:ext cx="1341000" cy="494640"/>
           </a:xfrm>
           <a:prstGeom prst="triangle">
             <a:avLst>
@@ -10683,7 +10340,7 @@
         <p:spPr>
           <a:xfrm>
             <a:off x="8580960" y="6251760"/>
-            <a:ext cx="1342080" cy="495720"/>
+            <a:ext cx="1341000" cy="494640"/>
           </a:xfrm>
           <a:prstGeom prst="triangle">
             <a:avLst>
@@ -10731,7 +10388,7 @@
         <p:spPr>
           <a:xfrm>
             <a:off x="7927560" y="6250680"/>
-            <a:ext cx="1342080" cy="495720"/>
+            <a:ext cx="1341000" cy="494640"/>
           </a:xfrm>
           <a:prstGeom prst="triangle">
             <a:avLst>
@@ -10779,7 +10436,7 @@
         <p:spPr>
           <a:xfrm>
             <a:off x="7424280" y="6250680"/>
-            <a:ext cx="1342080" cy="495720"/>
+            <a:ext cx="1341000" cy="494640"/>
           </a:xfrm>
           <a:prstGeom prst="triangle">
             <a:avLst>
@@ -10827,7 +10484,7 @@
         <p:spPr>
           <a:xfrm>
             <a:off x="8341200" y="6342840"/>
-            <a:ext cx="1342080" cy="495720"/>
+            <a:ext cx="1341000" cy="494640"/>
           </a:xfrm>
           <a:prstGeom prst="triangle">
             <a:avLst>
@@ -10875,7 +10532,7 @@
         <p:spPr>
           <a:xfrm>
             <a:off x="7265520" y="6329880"/>
-            <a:ext cx="1342080" cy="495720"/>
+            <a:ext cx="1341000" cy="494640"/>
           </a:xfrm>
           <a:prstGeom prst="triangle">
             <a:avLst>
@@ -10923,7 +10580,7 @@
         <p:spPr>
           <a:xfrm>
             <a:off x="6572160" y="6356160"/>
-            <a:ext cx="1342080" cy="495720"/>
+            <a:ext cx="1341000" cy="494640"/>
           </a:xfrm>
           <a:prstGeom prst="triangle">
             <a:avLst>
@@ -10971,7 +10628,7 @@
         <p:spPr>
           <a:xfrm>
             <a:off x="9141120" y="6238440"/>
-            <a:ext cx="1342080" cy="495720"/>
+            <a:ext cx="1341000" cy="494640"/>
           </a:xfrm>
           <a:prstGeom prst="triangle">
             <a:avLst>
@@ -11019,7 +10676,7 @@
         <p:spPr>
           <a:xfrm>
             <a:off x="8746200" y="6347160"/>
-            <a:ext cx="1342080" cy="495720"/>
+            <a:ext cx="1341000" cy="494640"/>
           </a:xfrm>
           <a:prstGeom prst="triangle">
             <a:avLst>
@@ -11067,7 +10724,7 @@
         <p:spPr>
           <a:xfrm>
             <a:off x="7566840" y="6356160"/>
-            <a:ext cx="1342080" cy="495720"/>
+            <a:ext cx="1341000" cy="494640"/>
           </a:xfrm>
           <a:prstGeom prst="triangle">
             <a:avLst>
@@ -11115,7 +10772,7 @@
         <p:spPr>
           <a:xfrm>
             <a:off x="9368280" y="6356160"/>
-            <a:ext cx="2810160" cy="495720"/>
+            <a:ext cx="2809080" cy="494640"/>
           </a:xfrm>
           <a:prstGeom prst="rect">
             <a:avLst/>
@@ -11163,7 +10820,7 @@
         <p:spPr>
           <a:xfrm>
             <a:off x="7938000" y="6074280"/>
-            <a:ext cx="4242600" cy="777600"/>
+            <a:ext cx="4241520" cy="776520"/>
           </a:xfrm>
           <a:prstGeom prst="rect">
             <a:avLst/>
@@ -11194,7 +10851,7 @@
         <p:spPr>
           <a:xfrm>
             <a:off x="7146360" y="5930640"/>
-            <a:ext cx="5042880" cy="924480"/>
+            <a:ext cx="5041800" cy="923400"/>
           </a:xfrm>
           <a:prstGeom prst="rect">
             <a:avLst/>
@@ -11220,7 +10877,7 @@
         <p:spPr>
           <a:xfrm>
             <a:off x="10061640" y="6480720"/>
-            <a:ext cx="2116800" cy="362160"/>
+            <a:ext cx="2115720" cy="361080"/>
           </a:xfrm>
           <a:prstGeom prst="rect">
             <a:avLst/>
@@ -11286,7 +10943,7 @@
         <p:spPr>
           <a:xfrm>
             <a:off x="8629560" y="6203160"/>
-            <a:ext cx="3559680" cy="651960"/>
+            <a:ext cx="3558600" cy="650880"/>
           </a:xfrm>
           <a:prstGeom prst="rect">
             <a:avLst/>
@@ -11312,7 +10969,7 @@
         <p:spPr>
           <a:xfrm>
             <a:off x="966600" y="6263640"/>
-            <a:ext cx="1342080" cy="495720"/>
+            <a:ext cx="1341000" cy="494640"/>
           </a:xfrm>
           <a:prstGeom prst="triangle">
             <a:avLst>
@@ -11360,7 +11017,7 @@
         <p:spPr>
           <a:xfrm>
             <a:off x="2598840" y="6251760"/>
-            <a:ext cx="1342080" cy="495720"/>
+            <a:ext cx="1341000" cy="494640"/>
           </a:xfrm>
           <a:prstGeom prst="triangle">
             <a:avLst>
@@ -11408,7 +11065,7 @@
         <p:spPr>
           <a:xfrm>
             <a:off x="1945440" y="6250680"/>
-            <a:ext cx="1342080" cy="495720"/>
+            <a:ext cx="1341000" cy="494640"/>
           </a:xfrm>
           <a:prstGeom prst="triangle">
             <a:avLst>
@@ -11456,7 +11113,7 @@
         <p:spPr>
           <a:xfrm>
             <a:off x="1442160" y="6250680"/>
-            <a:ext cx="1342080" cy="495720"/>
+            <a:ext cx="1341000" cy="494640"/>
           </a:xfrm>
           <a:prstGeom prst="triangle">
             <a:avLst>
@@ -11504,7 +11161,7 @@
         <p:spPr>
           <a:xfrm>
             <a:off x="309240" y="6237360"/>
-            <a:ext cx="1342080" cy="495720"/>
+            <a:ext cx="1341000" cy="494640"/>
           </a:xfrm>
           <a:prstGeom prst="triangle">
             <a:avLst>
@@ -11552,7 +11209,7 @@
         <p:spPr>
           <a:xfrm>
             <a:off x="0" y="6356160"/>
-            <a:ext cx="1342080" cy="495720"/>
+            <a:ext cx="1341000" cy="494640"/>
           </a:xfrm>
           <a:prstGeom prst="triangle">
             <a:avLst>
@@ -11593,7 +11250,7 @@
         <p:spPr>
           <a:xfrm>
             <a:off x="2359080" y="6342840"/>
-            <a:ext cx="1342080" cy="495720"/>
+            <a:ext cx="1341000" cy="494640"/>
           </a:xfrm>
           <a:prstGeom prst="triangle">
             <a:avLst>
@@ -11641,7 +11298,7 @@
         <p:spPr>
           <a:xfrm>
             <a:off x="1283760" y="6329880"/>
-            <a:ext cx="1342080" cy="495720"/>
+            <a:ext cx="1341000" cy="494640"/>
           </a:xfrm>
           <a:prstGeom prst="triangle">
             <a:avLst>
@@ -11689,7 +11346,7 @@
         <p:spPr>
           <a:xfrm>
             <a:off x="590040" y="6356160"/>
-            <a:ext cx="1342080" cy="495720"/>
+            <a:ext cx="1341000" cy="494640"/>
           </a:xfrm>
           <a:prstGeom prst="triangle">
             <a:avLst>
@@ -11730,7 +11387,7 @@
         <p:spPr>
           <a:xfrm>
             <a:off x="3159000" y="6238440"/>
-            <a:ext cx="1342080" cy="495720"/>
+            <a:ext cx="1341000" cy="494640"/>
           </a:xfrm>
           <a:prstGeom prst="triangle">
             <a:avLst>
@@ -11778,7 +11435,7 @@
         <p:spPr>
           <a:xfrm>
             <a:off x="2764080" y="6347160"/>
-            <a:ext cx="1342080" cy="495720"/>
+            <a:ext cx="1341000" cy="494640"/>
           </a:xfrm>
           <a:prstGeom prst="triangle">
             <a:avLst>
@@ -11826,7 +11483,7 @@
         <p:spPr>
           <a:xfrm>
             <a:off x="1584720" y="6356160"/>
-            <a:ext cx="1342080" cy="495720"/>
+            <a:ext cx="1341000" cy="494640"/>
           </a:xfrm>
           <a:prstGeom prst="triangle">
             <a:avLst>
@@ -11867,7 +11524,7 @@
         <p:spPr>
           <a:xfrm>
             <a:off x="3468960" y="6351480"/>
-            <a:ext cx="1342080" cy="495720"/>
+            <a:ext cx="1341000" cy="494640"/>
           </a:xfrm>
           <a:prstGeom prst="triangle">
             <a:avLst>
@@ -11908,7 +11565,7 @@
         <p:spPr>
           <a:xfrm>
             <a:off x="4413960" y="6263640"/>
-            <a:ext cx="1342080" cy="495720"/>
+            <a:ext cx="1341000" cy="494640"/>
           </a:xfrm>
           <a:prstGeom prst="triangle">
             <a:avLst>
@@ -11956,7 +11613,7 @@
         <p:spPr>
           <a:xfrm>
             <a:off x="6046560" y="6251760"/>
-            <a:ext cx="1342080" cy="495720"/>
+            <a:ext cx="1341000" cy="494640"/>
           </a:xfrm>
           <a:prstGeom prst="triangle">
             <a:avLst>
@@ -12004,7 +11661,7 @@
         <p:spPr>
           <a:xfrm>
             <a:off x="5393160" y="6250680"/>
-            <a:ext cx="1342080" cy="495720"/>
+            <a:ext cx="1341000" cy="494640"/>
           </a:xfrm>
           <a:prstGeom prst="triangle">
             <a:avLst>
@@ -12052,7 +11709,7 @@
         <p:spPr>
           <a:xfrm>
             <a:off x="4889880" y="6250680"/>
-            <a:ext cx="1342080" cy="495720"/>
+            <a:ext cx="1341000" cy="494640"/>
           </a:xfrm>
           <a:prstGeom prst="triangle">
             <a:avLst>
@@ -12100,7 +11757,7 @@
         <p:spPr>
           <a:xfrm>
             <a:off x="5806800" y="6342840"/>
-            <a:ext cx="1342080" cy="495720"/>
+            <a:ext cx="1341000" cy="494640"/>
           </a:xfrm>
           <a:prstGeom prst="triangle">
             <a:avLst>
@@ -12148,7 +11805,7 @@
         <p:spPr>
           <a:xfrm>
             <a:off x="4731120" y="6329880"/>
-            <a:ext cx="1342080" cy="495720"/>
+            <a:ext cx="1341000" cy="494640"/>
           </a:xfrm>
           <a:prstGeom prst="triangle">
             <a:avLst>
@@ -12196,7 +11853,7 @@
         <p:spPr>
           <a:xfrm>
             <a:off x="4037400" y="6356160"/>
-            <a:ext cx="1342080" cy="495720"/>
+            <a:ext cx="1341000" cy="494640"/>
           </a:xfrm>
           <a:prstGeom prst="triangle">
             <a:avLst>
@@ -12237,7 +11894,7 @@
         <p:spPr>
           <a:xfrm>
             <a:off x="6221520" y="6359400"/>
-            <a:ext cx="1342080" cy="495720"/>
+            <a:ext cx="1341000" cy="494640"/>
           </a:xfrm>
           <a:prstGeom prst="triangle">
             <a:avLst>
@@ -12278,7 +11935,7 @@
         <p:spPr>
           <a:xfrm>
             <a:off x="5032080" y="6356160"/>
-            <a:ext cx="1342080" cy="495720"/>
+            <a:ext cx="1341000" cy="494640"/>
           </a:xfrm>
           <a:prstGeom prst="triangle">
             <a:avLst>
@@ -12310,6 +11967,29 @@
           <a:fontRef idx="minor"/>
         </p:style>
       </p:sp>
+      <p:pic>
+        <p:nvPicPr>
+          <p:cNvPr id="612" name="" descr=""/>
+          <p:cNvPicPr/>
+          <p:nvPr/>
+        </p:nvPicPr>
+        <p:blipFill>
+          <a:blip r:embed="rId5"/>
+          <a:stretch/>
+        </p:blipFill>
+        <p:spPr>
+          <a:xfrm>
+            <a:off x="2869560" y="4314240"/>
+            <a:ext cx="6452280" cy="1462320"/>
+          </a:xfrm>
+          <a:prstGeom prst="rect">
+            <a:avLst/>
+          </a:prstGeom>
+          <a:ln>
+            <a:noFill/>
+          </a:ln>
+        </p:spPr>
+      </p:pic>
     </p:spTree>
   </p:cSld>
   <p:timing>
@@ -12375,7 +12055,7 @@
         <p:spPr>
           <a:xfrm>
             <a:off x="352440" y="324000"/>
-            <a:ext cx="4845240" cy="849600"/>
+            <a:ext cx="4844160" cy="848520"/>
           </a:xfrm>
           <a:prstGeom prst="rect">
             <a:avLst/>
@@ -12433,7 +12113,7 @@
         <p:spPr>
           <a:xfrm>
             <a:off x="352440" y="1235160"/>
-            <a:ext cx="3283200" cy="636480"/>
+            <a:ext cx="3282120" cy="635400"/>
           </a:xfrm>
           <a:prstGeom prst="rect">
             <a:avLst/>
@@ -12491,7 +12171,7 @@
         <p:spPr>
           <a:xfrm>
             <a:off x="352440" y="1931040"/>
-            <a:ext cx="11440800" cy="2221560"/>
+            <a:ext cx="11439720" cy="2220480"/>
           </a:xfrm>
           <a:prstGeom prst="rect">
             <a:avLst/>
@@ -12510,7 +12190,7 @@
         <p:txBody>
           <a:bodyPr lIns="90000" rIns="90000" tIns="45000" bIns="45000"/>
           <a:p>
-            <a:pPr marL="216000" indent="-213480">
+            <a:pPr marL="216000" indent="-212400">
               <a:lnSpc>
                 <a:spcPct val="100000"/>
               </a:lnSpc>
@@ -12535,7 +12215,7 @@
             </a:endParaRPr>
           </a:p>
           <a:p>
-            <a:pPr marL="216000" indent="-213480">
+            <a:pPr marL="216000" indent="-212400">
               <a:lnSpc>
                 <a:spcPct val="100000"/>
               </a:lnSpc>
@@ -12560,7 +12240,7 @@
             </a:endParaRPr>
           </a:p>
           <a:p>
-            <a:pPr marL="216000" indent="-213480">
+            <a:pPr marL="216000" indent="-212400">
               <a:lnSpc>
                 <a:spcPct val="100000"/>
               </a:lnSpc>
@@ -12585,7 +12265,7 @@
             </a:endParaRPr>
           </a:p>
           <a:p>
-            <a:pPr marL="216000" indent="-213480">
+            <a:pPr marL="216000" indent="-212400">
               <a:lnSpc>
                 <a:spcPct val="100000"/>
               </a:lnSpc>
@@ -12610,7 +12290,7 @@
             </a:endParaRPr>
           </a:p>
           <a:p>
-            <a:pPr marL="216000" indent="-213480">
+            <a:pPr marL="216000" indent="-212400">
               <a:lnSpc>
                 <a:spcPct val="100000"/>
               </a:lnSpc>
@@ -12635,7 +12315,7 @@
             </a:endParaRPr>
           </a:p>
           <a:p>
-            <a:pPr marL="216000" indent="-213480">
+            <a:pPr marL="216000" indent="-212400">
               <a:lnSpc>
                 <a:spcPct val="100000"/>
               </a:lnSpc>
@@ -12660,7 +12340,7 @@
             </a:endParaRPr>
           </a:p>
           <a:p>
-            <a:pPr marL="216000" indent="-213480">
+            <a:pPr marL="216000" indent="-212400">
               <a:lnSpc>
                 <a:spcPct val="100000"/>
               </a:lnSpc>
@@ -12685,7 +12365,7 @@
             </a:endParaRPr>
           </a:p>
           <a:p>
-            <a:pPr marL="216000" indent="-213480">
+            <a:pPr marL="216000" indent="-212400">
               <a:lnSpc>
                 <a:spcPct val="100000"/>
               </a:lnSpc>
@@ -12710,7 +12390,7 @@
             </a:endParaRPr>
           </a:p>
           <a:p>
-            <a:pPr marL="216000" indent="-213480">
+            <a:pPr marL="216000" indent="-212400">
               <a:lnSpc>
                 <a:spcPct val="100000"/>
               </a:lnSpc>
@@ -12735,7 +12415,7 @@
             </a:endParaRPr>
           </a:p>
           <a:p>
-            <a:pPr marL="216000" indent="-213480">
+            <a:pPr marL="216000" indent="-212400">
               <a:lnSpc>
                 <a:spcPct val="100000"/>
               </a:lnSpc>
@@ -12774,7 +12454,7 @@
         <p:spPr>
           <a:xfrm>
             <a:off x="11110680" y="123840"/>
-            <a:ext cx="928080" cy="979200"/>
+            <a:ext cx="927000" cy="978120"/>
           </a:xfrm>
           <a:prstGeom prst="rect">
             <a:avLst/>
@@ -12793,7 +12473,7 @@
         <p:spPr>
           <a:xfrm>
             <a:off x="6502680" y="6263640"/>
-            <a:ext cx="1342080" cy="495720"/>
+            <a:ext cx="1341000" cy="494640"/>
           </a:xfrm>
           <a:prstGeom prst="triangle">
             <a:avLst>
@@ -12841,7 +12521,7 @@
         <p:spPr>
           <a:xfrm>
             <a:off x="3777120" y="6242400"/>
-            <a:ext cx="1342080" cy="495720"/>
+            <a:ext cx="1341000" cy="494640"/>
           </a:xfrm>
           <a:prstGeom prst="triangle">
             <a:avLst>
@@ -12889,7 +12569,7 @@
         <p:spPr>
           <a:xfrm>
             <a:off x="6948360" y="6263640"/>
-            <a:ext cx="1342080" cy="495720"/>
+            <a:ext cx="1341000" cy="494640"/>
           </a:xfrm>
           <a:prstGeom prst="triangle">
             <a:avLst>
@@ -12937,7 +12617,7 @@
         <p:spPr>
           <a:xfrm>
             <a:off x="8580960" y="6251760"/>
-            <a:ext cx="1342080" cy="495720"/>
+            <a:ext cx="1341000" cy="494640"/>
           </a:xfrm>
           <a:prstGeom prst="triangle">
             <a:avLst>
@@ -12985,7 +12665,7 @@
         <p:spPr>
           <a:xfrm>
             <a:off x="7927560" y="6250680"/>
-            <a:ext cx="1342080" cy="495720"/>
+            <a:ext cx="1341000" cy="494640"/>
           </a:xfrm>
           <a:prstGeom prst="triangle">
             <a:avLst>
@@ -13033,7 +12713,7 @@
         <p:spPr>
           <a:xfrm>
             <a:off x="7424280" y="6250680"/>
-            <a:ext cx="1342080" cy="495720"/>
+            <a:ext cx="1341000" cy="494640"/>
           </a:xfrm>
           <a:prstGeom prst="triangle">
             <a:avLst>
@@ -13081,7 +12761,7 @@
         <p:spPr>
           <a:xfrm>
             <a:off x="8341200" y="6342840"/>
-            <a:ext cx="1342080" cy="495720"/>
+            <a:ext cx="1341000" cy="494640"/>
           </a:xfrm>
           <a:prstGeom prst="triangle">
             <a:avLst>
@@ -13129,7 +12809,7 @@
         <p:spPr>
           <a:xfrm>
             <a:off x="7265520" y="6329880"/>
-            <a:ext cx="1342080" cy="495720"/>
+            <a:ext cx="1341000" cy="494640"/>
           </a:xfrm>
           <a:prstGeom prst="triangle">
             <a:avLst>
@@ -13177,7 +12857,7 @@
         <p:spPr>
           <a:xfrm>
             <a:off x="6572160" y="6356160"/>
-            <a:ext cx="1342080" cy="495720"/>
+            <a:ext cx="1341000" cy="494640"/>
           </a:xfrm>
           <a:prstGeom prst="triangle">
             <a:avLst>
@@ -13225,7 +12905,7 @@
         <p:spPr>
           <a:xfrm>
             <a:off x="9141120" y="6238440"/>
-            <a:ext cx="1342080" cy="495720"/>
+            <a:ext cx="1341000" cy="494640"/>
           </a:xfrm>
           <a:prstGeom prst="triangle">
             <a:avLst>
@@ -13273,7 +12953,7 @@
         <p:spPr>
           <a:xfrm>
             <a:off x="8746200" y="6347160"/>
-            <a:ext cx="1342080" cy="495720"/>
+            <a:ext cx="1341000" cy="494640"/>
           </a:xfrm>
           <a:prstGeom prst="triangle">
             <a:avLst>
@@ -13321,7 +13001,7 @@
         <p:spPr>
           <a:xfrm>
             <a:off x="7566840" y="6356160"/>
-            <a:ext cx="1342080" cy="495720"/>
+            <a:ext cx="1341000" cy="494640"/>
           </a:xfrm>
           <a:prstGeom prst="triangle">
             <a:avLst>
@@ -13369,7 +13049,7 @@
         <p:spPr>
           <a:xfrm>
             <a:off x="9368280" y="6356160"/>
-            <a:ext cx="2810160" cy="495720"/>
+            <a:ext cx="2809080" cy="494640"/>
           </a:xfrm>
           <a:prstGeom prst="rect">
             <a:avLst/>
@@ -13417,7 +13097,7 @@
         <p:spPr>
           <a:xfrm>
             <a:off x="7938000" y="6074280"/>
-            <a:ext cx="4242600" cy="777600"/>
+            <a:ext cx="4241520" cy="776520"/>
           </a:xfrm>
           <a:prstGeom prst="rect">
             <a:avLst/>
@@ -13448,7 +13128,7 @@
         <p:spPr>
           <a:xfrm>
             <a:off x="7146360" y="5930640"/>
-            <a:ext cx="5042880" cy="924480"/>
+            <a:ext cx="5041800" cy="923400"/>
           </a:xfrm>
           <a:prstGeom prst="rect">
             <a:avLst/>
@@ -13474,7 +13154,7 @@
         <p:spPr>
           <a:xfrm>
             <a:off x="10061640" y="6480720"/>
-            <a:ext cx="2116800" cy="362160"/>
+            <a:ext cx="2115720" cy="361080"/>
           </a:xfrm>
           <a:prstGeom prst="rect">
             <a:avLst/>
@@ -13540,7 +13220,7 @@
         <p:spPr>
           <a:xfrm>
             <a:off x="8629560" y="6203160"/>
-            <a:ext cx="3559680" cy="651960"/>
+            <a:ext cx="3558600" cy="650880"/>
           </a:xfrm>
           <a:prstGeom prst="rect">
             <a:avLst/>
@@ -13566,7 +13246,7 @@
         <p:spPr>
           <a:xfrm>
             <a:off x="966600" y="6263640"/>
-            <a:ext cx="1342080" cy="495720"/>
+            <a:ext cx="1341000" cy="494640"/>
           </a:xfrm>
           <a:prstGeom prst="triangle">
             <a:avLst>
@@ -13614,7 +13294,7 @@
         <p:spPr>
           <a:xfrm>
             <a:off x="2598840" y="6251760"/>
-            <a:ext cx="1342080" cy="495720"/>
+            <a:ext cx="1341000" cy="494640"/>
           </a:xfrm>
           <a:prstGeom prst="triangle">
             <a:avLst>
@@ -13662,7 +13342,7 @@
         <p:spPr>
           <a:xfrm>
             <a:off x="1945440" y="6250680"/>
-            <a:ext cx="1342080" cy="495720"/>
+            <a:ext cx="1341000" cy="494640"/>
           </a:xfrm>
           <a:prstGeom prst="triangle">
             <a:avLst>
@@ -13710,7 +13390,7 @@
         <p:spPr>
           <a:xfrm>
             <a:off x="1442160" y="6250680"/>
-            <a:ext cx="1342080" cy="495720"/>
+            <a:ext cx="1341000" cy="494640"/>
           </a:xfrm>
           <a:prstGeom prst="triangle">
             <a:avLst>
@@ -13758,7 +13438,7 @@
         <p:spPr>
           <a:xfrm>
             <a:off x="309240" y="6237360"/>
-            <a:ext cx="1342080" cy="495720"/>
+            <a:ext cx="1341000" cy="494640"/>
           </a:xfrm>
           <a:prstGeom prst="triangle">
             <a:avLst>
@@ -13806,7 +13486,7 @@
         <p:spPr>
           <a:xfrm>
             <a:off x="0" y="6356160"/>
-            <a:ext cx="1342080" cy="495720"/>
+            <a:ext cx="1341000" cy="494640"/>
           </a:xfrm>
           <a:prstGeom prst="triangle">
             <a:avLst>
@@ -13847,7 +13527,7 @@
         <p:spPr>
           <a:xfrm>
             <a:off x="2359080" y="6342840"/>
-            <a:ext cx="1342080" cy="495720"/>
+            <a:ext cx="1341000" cy="494640"/>
           </a:xfrm>
           <a:prstGeom prst="triangle">
             <a:avLst>
@@ -13895,7 +13575,7 @@
         <p:spPr>
           <a:xfrm>
             <a:off x="1283760" y="6329880"/>
-            <a:ext cx="1342080" cy="495720"/>
+            <a:ext cx="1341000" cy="494640"/>
           </a:xfrm>
           <a:prstGeom prst="triangle">
             <a:avLst>
@@ -13943,7 +13623,7 @@
         <p:spPr>
           <a:xfrm>
             <a:off x="590040" y="6356160"/>
-            <a:ext cx="1342080" cy="495720"/>
+            <a:ext cx="1341000" cy="494640"/>
           </a:xfrm>
           <a:prstGeom prst="triangle">
             <a:avLst>
@@ -13984,7 +13664,7 @@
         <p:spPr>
           <a:xfrm>
             <a:off x="3159000" y="6238440"/>
-            <a:ext cx="1342080" cy="495720"/>
+            <a:ext cx="1341000" cy="494640"/>
           </a:xfrm>
           <a:prstGeom prst="triangle">
             <a:avLst>
@@ -14032,7 +13712,7 @@
         <p:spPr>
           <a:xfrm>
             <a:off x="2764080" y="6347160"/>
-            <a:ext cx="1342080" cy="495720"/>
+            <a:ext cx="1341000" cy="494640"/>
           </a:xfrm>
           <a:prstGeom prst="triangle">
             <a:avLst>
@@ -14080,7 +13760,7 @@
         <p:spPr>
           <a:xfrm>
             <a:off x="1584720" y="6356160"/>
-            <a:ext cx="1342080" cy="495720"/>
+            <a:ext cx="1341000" cy="494640"/>
           </a:xfrm>
           <a:prstGeom prst="triangle">
             <a:avLst>
@@ -14121,7 +13801,7 @@
         <p:spPr>
           <a:xfrm>
             <a:off x="3468960" y="6351480"/>
-            <a:ext cx="1342080" cy="495720"/>
+            <a:ext cx="1341000" cy="494640"/>
           </a:xfrm>
           <a:prstGeom prst="triangle">
             <a:avLst>
@@ -14162,7 +13842,7 @@
         <p:spPr>
           <a:xfrm>
             <a:off x="4413960" y="6263640"/>
-            <a:ext cx="1342080" cy="495720"/>
+            <a:ext cx="1341000" cy="494640"/>
           </a:xfrm>
           <a:prstGeom prst="triangle">
             <a:avLst>
@@ -14210,7 +13890,7 @@
         <p:spPr>
           <a:xfrm>
             <a:off x="6046560" y="6251760"/>
-            <a:ext cx="1342080" cy="495720"/>
+            <a:ext cx="1341000" cy="494640"/>
           </a:xfrm>
           <a:prstGeom prst="triangle">
             <a:avLst>
@@ -14258,7 +13938,7 @@
         <p:spPr>
           <a:xfrm>
             <a:off x="5393160" y="6250680"/>
-            <a:ext cx="1342080" cy="495720"/>
+            <a:ext cx="1341000" cy="494640"/>
           </a:xfrm>
           <a:prstGeom prst="triangle">
             <a:avLst>
@@ -14306,7 +13986,7 @@
         <p:spPr>
           <a:xfrm>
             <a:off x="4889880" y="6250680"/>
-            <a:ext cx="1342080" cy="495720"/>
+            <a:ext cx="1341000" cy="494640"/>
           </a:xfrm>
           <a:prstGeom prst="triangle">
             <a:avLst>
@@ -14354,7 +14034,7 @@
         <p:spPr>
           <a:xfrm>
             <a:off x="5806800" y="6342840"/>
-            <a:ext cx="1342080" cy="495720"/>
+            <a:ext cx="1341000" cy="494640"/>
           </a:xfrm>
           <a:prstGeom prst="triangle">
             <a:avLst>
@@ -14402,7 +14082,7 @@
         <p:spPr>
           <a:xfrm>
             <a:off x="4731120" y="6329880"/>
-            <a:ext cx="1342080" cy="495720"/>
+            <a:ext cx="1341000" cy="494640"/>
           </a:xfrm>
           <a:prstGeom prst="triangle">
             <a:avLst>
@@ -14450,7 +14130,7 @@
         <p:spPr>
           <a:xfrm>
             <a:off x="4037400" y="6356160"/>
-            <a:ext cx="1342080" cy="495720"/>
+            <a:ext cx="1341000" cy="494640"/>
           </a:xfrm>
           <a:prstGeom prst="triangle">
             <a:avLst>
@@ -14491,7 +14171,7 @@
         <p:spPr>
           <a:xfrm>
             <a:off x="6221520" y="6359400"/>
-            <a:ext cx="1342080" cy="495720"/>
+            <a:ext cx="1341000" cy="494640"/>
           </a:xfrm>
           <a:prstGeom prst="triangle">
             <a:avLst>
@@ -14532,7 +14212,7 @@
         <p:spPr>
           <a:xfrm>
             <a:off x="5032080" y="6356160"/>
-            <a:ext cx="1342080" cy="495720"/>
+            <a:ext cx="1341000" cy="494640"/>
           </a:xfrm>
           <a:prstGeom prst="triangle">
             <a:avLst>
@@ -14629,7 +14309,7 @@
         <p:spPr>
           <a:xfrm>
             <a:off x="352440" y="324000"/>
-            <a:ext cx="5132520" cy="849600"/>
+            <a:ext cx="5316480" cy="848520"/>
           </a:xfrm>
           <a:prstGeom prst="rect">
             <a:avLst/>
@@ -14687,7 +14367,7 @@
         <p:spPr>
           <a:xfrm>
             <a:off x="352440" y="1235160"/>
-            <a:ext cx="2115000" cy="636480"/>
+            <a:ext cx="2207520" cy="635400"/>
           </a:xfrm>
           <a:prstGeom prst="rect">
             <a:avLst/>
@@ -14749,7 +14429,7 @@
         <p:spPr>
           <a:xfrm>
             <a:off x="9561600" y="3657600"/>
-            <a:ext cx="2141280" cy="2141280"/>
+            <a:ext cx="2140200" cy="2140200"/>
           </a:xfrm>
           <a:prstGeom prst="rect">
             <a:avLst/>
@@ -14768,7 +14448,7 @@
         <p:spPr>
           <a:xfrm>
             <a:off x="352440" y="1931040"/>
-            <a:ext cx="11440800" cy="3669120"/>
+            <a:ext cx="11439720" cy="3668040"/>
           </a:xfrm>
           <a:prstGeom prst="rect">
             <a:avLst/>
@@ -14968,7 +14648,7 @@
         <p:spPr>
           <a:xfrm>
             <a:off x="11110680" y="123840"/>
-            <a:ext cx="928080" cy="979200"/>
+            <a:ext cx="927000" cy="978120"/>
           </a:xfrm>
           <a:prstGeom prst="rect">
             <a:avLst/>
@@ -14987,7 +14667,7 @@
         <p:spPr>
           <a:xfrm>
             <a:off x="6502680" y="6263640"/>
-            <a:ext cx="1342080" cy="495720"/>
+            <a:ext cx="1341000" cy="494640"/>
           </a:xfrm>
           <a:prstGeom prst="triangle">
             <a:avLst>
@@ -15035,7 +14715,7 @@
         <p:spPr>
           <a:xfrm>
             <a:off x="3777120" y="6242400"/>
-            <a:ext cx="1342080" cy="495720"/>
+            <a:ext cx="1341000" cy="494640"/>
           </a:xfrm>
           <a:prstGeom prst="triangle">
             <a:avLst>
@@ -15083,7 +14763,7 @@
         <p:spPr>
           <a:xfrm>
             <a:off x="6948360" y="6263640"/>
-            <a:ext cx="1342080" cy="495720"/>
+            <a:ext cx="1341000" cy="494640"/>
           </a:xfrm>
           <a:prstGeom prst="triangle">
             <a:avLst>
@@ -15131,7 +14811,7 @@
         <p:spPr>
           <a:xfrm>
             <a:off x="8580960" y="6251760"/>
-            <a:ext cx="1342080" cy="495720"/>
+            <a:ext cx="1341000" cy="494640"/>
           </a:xfrm>
           <a:prstGeom prst="triangle">
             <a:avLst>
@@ -15179,7 +14859,7 @@
         <p:spPr>
           <a:xfrm>
             <a:off x="7927560" y="6250680"/>
-            <a:ext cx="1342080" cy="495720"/>
+            <a:ext cx="1341000" cy="494640"/>
           </a:xfrm>
           <a:prstGeom prst="triangle">
             <a:avLst>
@@ -15227,7 +14907,7 @@
         <p:spPr>
           <a:xfrm>
             <a:off x="7424280" y="6250680"/>
-            <a:ext cx="1342080" cy="495720"/>
+            <a:ext cx="1341000" cy="494640"/>
           </a:xfrm>
           <a:prstGeom prst="triangle">
             <a:avLst>
@@ -15275,7 +14955,7 @@
         <p:spPr>
           <a:xfrm>
             <a:off x="8341200" y="6342840"/>
-            <a:ext cx="1342080" cy="495720"/>
+            <a:ext cx="1341000" cy="494640"/>
           </a:xfrm>
           <a:prstGeom prst="triangle">
             <a:avLst>
@@ -15323,7 +15003,7 @@
         <p:spPr>
           <a:xfrm>
             <a:off x="7265520" y="6329880"/>
-            <a:ext cx="1342080" cy="495720"/>
+            <a:ext cx="1341000" cy="494640"/>
           </a:xfrm>
           <a:prstGeom prst="triangle">
             <a:avLst>
@@ -15371,7 +15051,7 @@
         <p:spPr>
           <a:xfrm>
             <a:off x="6572160" y="6356160"/>
-            <a:ext cx="1342080" cy="495720"/>
+            <a:ext cx="1341000" cy="494640"/>
           </a:xfrm>
           <a:prstGeom prst="triangle">
             <a:avLst>
@@ -15419,7 +15099,7 @@
         <p:spPr>
           <a:xfrm>
             <a:off x="9141120" y="6238440"/>
-            <a:ext cx="1342080" cy="495720"/>
+            <a:ext cx="1341000" cy="494640"/>
           </a:xfrm>
           <a:prstGeom prst="triangle">
             <a:avLst>
@@ -15467,7 +15147,7 @@
         <p:spPr>
           <a:xfrm>
             <a:off x="8746200" y="6347160"/>
-            <a:ext cx="1342080" cy="495720"/>
+            <a:ext cx="1341000" cy="494640"/>
           </a:xfrm>
           <a:prstGeom prst="triangle">
             <a:avLst>
@@ -15515,7 +15195,7 @@
         <p:spPr>
           <a:xfrm>
             <a:off x="7566840" y="6356160"/>
-            <a:ext cx="1342080" cy="495720"/>
+            <a:ext cx="1341000" cy="494640"/>
           </a:xfrm>
           <a:prstGeom prst="triangle">
             <a:avLst>
@@ -15563,7 +15243,7 @@
         <p:spPr>
           <a:xfrm>
             <a:off x="9368280" y="6356160"/>
-            <a:ext cx="2810160" cy="495720"/>
+            <a:ext cx="2809080" cy="494640"/>
           </a:xfrm>
           <a:prstGeom prst="rect">
             <a:avLst/>
@@ -15611,7 +15291,7 @@
         <p:spPr>
           <a:xfrm>
             <a:off x="7938000" y="6074280"/>
-            <a:ext cx="4242600" cy="777600"/>
+            <a:ext cx="4241520" cy="776520"/>
           </a:xfrm>
           <a:prstGeom prst="rect">
             <a:avLst/>
@@ -15642,7 +15322,7 @@
         <p:spPr>
           <a:xfrm>
             <a:off x="7146360" y="5930640"/>
-            <a:ext cx="5042880" cy="924480"/>
+            <a:ext cx="5041800" cy="923400"/>
           </a:xfrm>
           <a:prstGeom prst="rect">
             <a:avLst/>
@@ -15668,7 +15348,7 @@
         <p:spPr>
           <a:xfrm>
             <a:off x="10061640" y="6480720"/>
-            <a:ext cx="2116800" cy="362160"/>
+            <a:ext cx="2115720" cy="361080"/>
           </a:xfrm>
           <a:prstGeom prst="rect">
             <a:avLst/>
@@ -15734,7 +15414,7 @@
         <p:spPr>
           <a:xfrm>
             <a:off x="8629560" y="6203160"/>
-            <a:ext cx="3559680" cy="651960"/>
+            <a:ext cx="3558600" cy="650880"/>
           </a:xfrm>
           <a:prstGeom prst="rect">
             <a:avLst/>
@@ -15760,7 +15440,7 @@
         <p:spPr>
           <a:xfrm>
             <a:off x="966600" y="6263640"/>
-            <a:ext cx="1342080" cy="495720"/>
+            <a:ext cx="1341000" cy="494640"/>
           </a:xfrm>
           <a:prstGeom prst="triangle">
             <a:avLst>
@@ -15808,7 +15488,7 @@
         <p:spPr>
           <a:xfrm>
             <a:off x="2598840" y="6251760"/>
-            <a:ext cx="1342080" cy="495720"/>
+            <a:ext cx="1341000" cy="494640"/>
           </a:xfrm>
           <a:prstGeom prst="triangle">
             <a:avLst>
@@ -15856,7 +15536,7 @@
         <p:spPr>
           <a:xfrm>
             <a:off x="1945440" y="6250680"/>
-            <a:ext cx="1342080" cy="495720"/>
+            <a:ext cx="1341000" cy="494640"/>
           </a:xfrm>
           <a:prstGeom prst="triangle">
             <a:avLst>
@@ -15904,7 +15584,7 @@
         <p:spPr>
           <a:xfrm>
             <a:off x="1442160" y="6250680"/>
-            <a:ext cx="1342080" cy="495720"/>
+            <a:ext cx="1341000" cy="494640"/>
           </a:xfrm>
           <a:prstGeom prst="triangle">
             <a:avLst>
@@ -15952,7 +15632,7 @@
         <p:spPr>
           <a:xfrm>
             <a:off x="309240" y="6237360"/>
-            <a:ext cx="1342080" cy="495720"/>
+            <a:ext cx="1341000" cy="494640"/>
           </a:xfrm>
           <a:prstGeom prst="triangle">
             <a:avLst>
@@ -16000,7 +15680,7 @@
         <p:spPr>
           <a:xfrm>
             <a:off x="0" y="6356160"/>
-            <a:ext cx="1342080" cy="495720"/>
+            <a:ext cx="1341000" cy="494640"/>
           </a:xfrm>
           <a:prstGeom prst="triangle">
             <a:avLst>
@@ -16041,7 +15721,7 @@
         <p:spPr>
           <a:xfrm>
             <a:off x="2359080" y="6342840"/>
-            <a:ext cx="1342080" cy="495720"/>
+            <a:ext cx="1341000" cy="494640"/>
           </a:xfrm>
           <a:prstGeom prst="triangle">
             <a:avLst>
@@ -16089,7 +15769,7 @@
         <p:spPr>
           <a:xfrm>
             <a:off x="1283760" y="6329880"/>
-            <a:ext cx="1342080" cy="495720"/>
+            <a:ext cx="1341000" cy="494640"/>
           </a:xfrm>
           <a:prstGeom prst="triangle">
             <a:avLst>
@@ -16137,7 +15817,7 @@
         <p:spPr>
           <a:xfrm>
             <a:off x="590040" y="6356160"/>
-            <a:ext cx="1342080" cy="495720"/>
+            <a:ext cx="1341000" cy="494640"/>
           </a:xfrm>
           <a:prstGeom prst="triangle">
             <a:avLst>
@@ -16178,7 +15858,7 @@
         <p:spPr>
           <a:xfrm>
             <a:off x="3159000" y="6238440"/>
-            <a:ext cx="1342080" cy="495720"/>
+            <a:ext cx="1341000" cy="494640"/>
           </a:xfrm>
           <a:prstGeom prst="triangle">
             <a:avLst>
@@ -16226,7 +15906,7 @@
         <p:spPr>
           <a:xfrm>
             <a:off x="2764080" y="6347160"/>
-            <a:ext cx="1342080" cy="495720"/>
+            <a:ext cx="1341000" cy="494640"/>
           </a:xfrm>
           <a:prstGeom prst="triangle">
             <a:avLst>
@@ -16274,7 +15954,7 @@
         <p:spPr>
           <a:xfrm>
             <a:off x="1584720" y="6356160"/>
-            <a:ext cx="1342080" cy="495720"/>
+            <a:ext cx="1341000" cy="494640"/>
           </a:xfrm>
           <a:prstGeom prst="triangle">
             <a:avLst>
@@ -16315,7 +15995,7 @@
         <p:spPr>
           <a:xfrm>
             <a:off x="3468960" y="6351480"/>
-            <a:ext cx="1342080" cy="495720"/>
+            <a:ext cx="1341000" cy="494640"/>
           </a:xfrm>
           <a:prstGeom prst="triangle">
             <a:avLst>
@@ -16356,7 +16036,7 @@
         <p:spPr>
           <a:xfrm>
             <a:off x="4413960" y="6263640"/>
-            <a:ext cx="1342080" cy="495720"/>
+            <a:ext cx="1341000" cy="494640"/>
           </a:xfrm>
           <a:prstGeom prst="triangle">
             <a:avLst>
@@ -16404,7 +16084,7 @@
         <p:spPr>
           <a:xfrm>
             <a:off x="6046560" y="6251760"/>
-            <a:ext cx="1342080" cy="495720"/>
+            <a:ext cx="1341000" cy="494640"/>
           </a:xfrm>
           <a:prstGeom prst="triangle">
             <a:avLst>
@@ -16452,7 +16132,7 @@
         <p:spPr>
           <a:xfrm>
             <a:off x="5393160" y="6250680"/>
-            <a:ext cx="1342080" cy="495720"/>
+            <a:ext cx="1341000" cy="494640"/>
           </a:xfrm>
           <a:prstGeom prst="triangle">
             <a:avLst>
@@ -16500,7 +16180,7 @@
         <p:spPr>
           <a:xfrm>
             <a:off x="4889880" y="6250680"/>
-            <a:ext cx="1342080" cy="495720"/>
+            <a:ext cx="1341000" cy="494640"/>
           </a:xfrm>
           <a:prstGeom prst="triangle">
             <a:avLst>
@@ -16548,7 +16228,7 @@
         <p:spPr>
           <a:xfrm>
             <a:off x="5806800" y="6342840"/>
-            <a:ext cx="1342080" cy="495720"/>
+            <a:ext cx="1341000" cy="494640"/>
           </a:xfrm>
           <a:prstGeom prst="triangle">
             <a:avLst>
@@ -16596,7 +16276,7 @@
         <p:spPr>
           <a:xfrm>
             <a:off x="4731120" y="6329880"/>
-            <a:ext cx="1342080" cy="495720"/>
+            <a:ext cx="1341000" cy="494640"/>
           </a:xfrm>
           <a:prstGeom prst="triangle">
             <a:avLst>
@@ -16644,7 +16324,7 @@
         <p:spPr>
           <a:xfrm>
             <a:off x="4037400" y="6356160"/>
-            <a:ext cx="1342080" cy="495720"/>
+            <a:ext cx="1341000" cy="494640"/>
           </a:xfrm>
           <a:prstGeom prst="triangle">
             <a:avLst>
@@ -16685,7 +16365,7 @@
         <p:spPr>
           <a:xfrm>
             <a:off x="6221520" y="6359400"/>
-            <a:ext cx="1342080" cy="495720"/>
+            <a:ext cx="1341000" cy="494640"/>
           </a:xfrm>
           <a:prstGeom prst="triangle">
             <a:avLst>
@@ -16726,7 +16406,7 @@
         <p:spPr>
           <a:xfrm>
             <a:off x="5032080" y="6356160"/>
-            <a:ext cx="1342080" cy="495720"/>
+            <a:ext cx="1341000" cy="494640"/>
           </a:xfrm>
           <a:prstGeom prst="triangle">
             <a:avLst>
@@ -16823,7 +16503,7 @@
         <p:spPr>
           <a:xfrm>
             <a:off x="352440" y="324000"/>
-            <a:ext cx="7875720" cy="849600"/>
+            <a:ext cx="7874640" cy="848520"/>
           </a:xfrm>
           <a:prstGeom prst="rect">
             <a:avLst/>
@@ -16881,7 +16561,7 @@
         <p:spPr>
           <a:xfrm>
             <a:off x="352440" y="1235160"/>
-            <a:ext cx="7509960" cy="636480"/>
+            <a:ext cx="7508880" cy="635400"/>
           </a:xfrm>
           <a:prstGeom prst="rect">
             <a:avLst/>
@@ -16939,7 +16619,7 @@
         <p:spPr>
           <a:xfrm>
             <a:off x="352440" y="1931040"/>
-            <a:ext cx="11440800" cy="1237680"/>
+            <a:ext cx="11439720" cy="1236600"/>
           </a:xfrm>
           <a:prstGeom prst="rect">
             <a:avLst/>
@@ -16971,18 +16651,13 @@
             </a:endParaRPr>
           </a:p>
           <a:p>
-            <a:pPr marL="216000" indent="-213480">
+            <a:pPr>
               <a:lnSpc>
                 <a:spcPct val="90000"/>
               </a:lnSpc>
               <a:spcBef>
                 <a:spcPts val="1001"/>
               </a:spcBef>
-              <a:buClr>
-                <a:srgbClr val="000000"/>
-              </a:buClr>
-              <a:buFont typeface="Wingdings" charset="2"/>
-              <a:buChar char=""/>
             </a:pPr>
             <a:r>
               <a:rPr b="0" lang="en-US" sz="2200" spc="-1" strike="noStrike">
@@ -16992,7 +16667,37 @@
                 <a:latin typeface="Manjari Bold"/>
                 <a:ea typeface="Hack"/>
               </a:rPr>
-              <a:t>Python code is first compiled to python bytecode, a lower level language that python’s  virtual machine uses to execute each line of code typed in the source code, the PVM     is installed by the python installer and runs on top of the operating system (Windows,   MacOS, etc.. ) .</a:t>
+              <a:t>Python code is first compiled to python bytecode, a lower level language that </a:t>
+            </a:r>
+            <a:r>
+              <a:rPr b="0" lang="en-US" sz="2200" spc="-1" strike="noStrike">
+                <a:solidFill>
+                  <a:srgbClr val="000000"/>
+                </a:solidFill>
+                <a:latin typeface="Manjari Bold"/>
+                <a:ea typeface="Hack"/>
+              </a:rPr>
+              <a:t>	</a:t>
+            </a:r>
+            <a:r>
+              <a:rPr b="0" lang="en-US" sz="2200" spc="-1" strike="noStrike">
+                <a:solidFill>
+                  <a:srgbClr val="000000"/>
+                </a:solidFill>
+                <a:latin typeface="Manjari Bold"/>
+                <a:ea typeface="Hack"/>
+              </a:rPr>
+              <a:t>	</a:t>
+            </a:r>
+            <a:r>
+              <a:rPr b="0" lang="en-US" sz="2200" spc="-1" strike="noStrike">
+                <a:solidFill>
+                  <a:srgbClr val="000000"/>
+                </a:solidFill>
+                <a:latin typeface="Manjari Bold"/>
+                <a:ea typeface="Hack"/>
+              </a:rPr>
+              <a:t>python’s  virtual machine uses to execute each line of code typed in the source code, the PVM is installed by the python installer and runs on top of the operating system (Windows, MacOS, etc.. ) .</a:t>
             </a:r>
             <a:endParaRPr b="0" lang="en-US" sz="2200" spc="-1" strike="noStrike">
               <a:latin typeface="Arial"/>
@@ -17012,18 +16717,13 @@
             </a:endParaRPr>
           </a:p>
           <a:p>
-            <a:pPr marL="216000" indent="-213480">
+            <a:pPr>
               <a:lnSpc>
                 <a:spcPct val="90000"/>
               </a:lnSpc>
               <a:spcBef>
                 <a:spcPts val="1001"/>
               </a:spcBef>
-              <a:buClr>
-                <a:srgbClr val="000000"/>
-              </a:buClr>
-              <a:buFont typeface="Wingdings" charset="2"/>
-              <a:buChar char=""/>
             </a:pPr>
             <a:r>
               <a:rPr b="0" lang="en-US" sz="2200" spc="-1" strike="noStrike">
@@ -17054,7 +16754,7 @@
         <p:spPr>
           <a:xfrm>
             <a:off x="11110680" y="123840"/>
-            <a:ext cx="928080" cy="979200"/>
+            <a:ext cx="927000" cy="978120"/>
           </a:xfrm>
           <a:prstGeom prst="rect">
             <a:avLst/>
@@ -17073,7 +16773,7 @@
         <p:spPr>
           <a:xfrm>
             <a:off x="6502680" y="6263640"/>
-            <a:ext cx="1342080" cy="495720"/>
+            <a:ext cx="1341000" cy="494640"/>
           </a:xfrm>
           <a:prstGeom prst="triangle">
             <a:avLst>
@@ -17121,7 +16821,7 @@
         <p:spPr>
           <a:xfrm>
             <a:off x="3777120" y="6242400"/>
-            <a:ext cx="1342080" cy="495720"/>
+            <a:ext cx="1341000" cy="494640"/>
           </a:xfrm>
           <a:prstGeom prst="triangle">
             <a:avLst>
@@ -17169,7 +16869,7 @@
         <p:spPr>
           <a:xfrm>
             <a:off x="6948360" y="6263640"/>
-            <a:ext cx="1342080" cy="495720"/>
+            <a:ext cx="1341000" cy="494640"/>
           </a:xfrm>
           <a:prstGeom prst="triangle">
             <a:avLst>
@@ -17217,7 +16917,7 @@
         <p:spPr>
           <a:xfrm>
             <a:off x="8580960" y="6251760"/>
-            <a:ext cx="1342080" cy="495720"/>
+            <a:ext cx="1341000" cy="494640"/>
           </a:xfrm>
           <a:prstGeom prst="triangle">
             <a:avLst>
@@ -17265,7 +16965,7 @@
         <p:spPr>
           <a:xfrm>
             <a:off x="7927560" y="6250680"/>
-            <a:ext cx="1342080" cy="495720"/>
+            <a:ext cx="1341000" cy="494640"/>
           </a:xfrm>
           <a:prstGeom prst="triangle">
             <a:avLst>
@@ -17313,7 +17013,7 @@
         <p:spPr>
           <a:xfrm>
             <a:off x="7424280" y="6250680"/>
-            <a:ext cx="1342080" cy="495720"/>
+            <a:ext cx="1341000" cy="494640"/>
           </a:xfrm>
           <a:prstGeom prst="triangle">
             <a:avLst>
@@ -17361,7 +17061,7 @@
         <p:spPr>
           <a:xfrm>
             <a:off x="8341200" y="6342840"/>
-            <a:ext cx="1342080" cy="495720"/>
+            <a:ext cx="1341000" cy="494640"/>
           </a:xfrm>
           <a:prstGeom prst="triangle">
             <a:avLst>
@@ -17409,7 +17109,7 @@
         <p:spPr>
           <a:xfrm>
             <a:off x="7265520" y="6329880"/>
-            <a:ext cx="1342080" cy="495720"/>
+            <a:ext cx="1341000" cy="494640"/>
           </a:xfrm>
           <a:prstGeom prst="triangle">
             <a:avLst>
@@ -17457,7 +17157,7 @@
         <p:spPr>
           <a:xfrm>
             <a:off x="6572160" y="6356160"/>
-            <a:ext cx="1342080" cy="495720"/>
+            <a:ext cx="1341000" cy="494640"/>
           </a:xfrm>
           <a:prstGeom prst="triangle">
             <a:avLst>
@@ -17505,7 +17205,7 @@
         <p:spPr>
           <a:xfrm>
             <a:off x="9141120" y="6238440"/>
-            <a:ext cx="1342080" cy="495720"/>
+            <a:ext cx="1341000" cy="494640"/>
           </a:xfrm>
           <a:prstGeom prst="triangle">
             <a:avLst>
@@ -17553,7 +17253,7 @@
         <p:spPr>
           <a:xfrm>
             <a:off x="8746200" y="6347160"/>
-            <a:ext cx="1342080" cy="495720"/>
+            <a:ext cx="1341000" cy="494640"/>
           </a:xfrm>
           <a:prstGeom prst="triangle">
             <a:avLst>
@@ -17601,7 +17301,7 @@
         <p:spPr>
           <a:xfrm>
             <a:off x="7566840" y="6356160"/>
-            <a:ext cx="1342080" cy="495720"/>
+            <a:ext cx="1341000" cy="494640"/>
           </a:xfrm>
           <a:prstGeom prst="triangle">
             <a:avLst>
@@ -17649,7 +17349,7 @@
         <p:spPr>
           <a:xfrm>
             <a:off x="9368280" y="6356160"/>
-            <a:ext cx="2810160" cy="495720"/>
+            <a:ext cx="2809080" cy="494640"/>
           </a:xfrm>
           <a:prstGeom prst="rect">
             <a:avLst/>
@@ -17697,7 +17397,7 @@
         <p:spPr>
           <a:xfrm>
             <a:off x="7938000" y="6074280"/>
-            <a:ext cx="4242600" cy="777600"/>
+            <a:ext cx="4241520" cy="776520"/>
           </a:xfrm>
           <a:prstGeom prst="rect">
             <a:avLst/>
@@ -17728,7 +17428,7 @@
         <p:spPr>
           <a:xfrm>
             <a:off x="7146360" y="5930640"/>
-            <a:ext cx="5042880" cy="924480"/>
+            <a:ext cx="5041800" cy="923400"/>
           </a:xfrm>
           <a:prstGeom prst="rect">
             <a:avLst/>
@@ -17754,7 +17454,7 @@
         <p:spPr>
           <a:xfrm>
             <a:off x="10061640" y="6480720"/>
-            <a:ext cx="2116800" cy="362160"/>
+            <a:ext cx="2115720" cy="361080"/>
           </a:xfrm>
           <a:prstGeom prst="rect">
             <a:avLst/>
@@ -17820,7 +17520,7 @@
         <p:spPr>
           <a:xfrm>
             <a:off x="8629560" y="6203160"/>
-            <a:ext cx="3559680" cy="651960"/>
+            <a:ext cx="3558600" cy="650880"/>
           </a:xfrm>
           <a:prstGeom prst="rect">
             <a:avLst/>
@@ -17846,7 +17546,7 @@
         <p:spPr>
           <a:xfrm>
             <a:off x="966600" y="6263640"/>
-            <a:ext cx="1342080" cy="495720"/>
+            <a:ext cx="1341000" cy="494640"/>
           </a:xfrm>
           <a:prstGeom prst="triangle">
             <a:avLst>
@@ -17894,7 +17594,7 @@
         <p:spPr>
           <a:xfrm>
             <a:off x="2598840" y="6251760"/>
-            <a:ext cx="1342080" cy="495720"/>
+            <a:ext cx="1341000" cy="494640"/>
           </a:xfrm>
           <a:prstGeom prst="triangle">
             <a:avLst>
@@ -17942,7 +17642,7 @@
         <p:spPr>
           <a:xfrm>
             <a:off x="1945440" y="6250680"/>
-            <a:ext cx="1342080" cy="495720"/>
+            <a:ext cx="1341000" cy="494640"/>
           </a:xfrm>
           <a:prstGeom prst="triangle">
             <a:avLst>
@@ -17990,7 +17690,7 @@
         <p:spPr>
           <a:xfrm>
             <a:off x="1442160" y="6250680"/>
-            <a:ext cx="1342080" cy="495720"/>
+            <a:ext cx="1341000" cy="494640"/>
           </a:xfrm>
           <a:prstGeom prst="triangle">
             <a:avLst>
@@ -18038,7 +17738,7 @@
         <p:spPr>
           <a:xfrm>
             <a:off x="309240" y="6237360"/>
-            <a:ext cx="1342080" cy="495720"/>
+            <a:ext cx="1341000" cy="494640"/>
           </a:xfrm>
           <a:prstGeom prst="triangle">
             <a:avLst>
@@ -18086,7 +17786,7 @@
         <p:spPr>
           <a:xfrm>
             <a:off x="0" y="6356160"/>
-            <a:ext cx="1342080" cy="495720"/>
+            <a:ext cx="1341000" cy="494640"/>
           </a:xfrm>
           <a:prstGeom prst="triangle">
             <a:avLst>
@@ -18127,7 +17827,7 @@
         <p:spPr>
           <a:xfrm>
             <a:off x="2359080" y="6342840"/>
-            <a:ext cx="1342080" cy="495720"/>
+            <a:ext cx="1341000" cy="494640"/>
           </a:xfrm>
           <a:prstGeom prst="triangle">
             <a:avLst>
@@ -18175,7 +17875,7 @@
         <p:spPr>
           <a:xfrm>
             <a:off x="1283760" y="6329880"/>
-            <a:ext cx="1342080" cy="495720"/>
+            <a:ext cx="1341000" cy="494640"/>
           </a:xfrm>
           <a:prstGeom prst="triangle">
             <a:avLst>
@@ -18223,7 +17923,7 @@
         <p:spPr>
           <a:xfrm>
             <a:off x="590040" y="6356160"/>
-            <a:ext cx="1342080" cy="495720"/>
+            <a:ext cx="1341000" cy="494640"/>
           </a:xfrm>
           <a:prstGeom prst="triangle">
             <a:avLst>
@@ -18264,7 +17964,7 @@
         <p:spPr>
           <a:xfrm>
             <a:off x="3159000" y="6238440"/>
-            <a:ext cx="1342080" cy="495720"/>
+            <a:ext cx="1341000" cy="494640"/>
           </a:xfrm>
           <a:prstGeom prst="triangle">
             <a:avLst>
@@ -18312,7 +18012,7 @@
         <p:spPr>
           <a:xfrm>
             <a:off x="2764080" y="6347160"/>
-            <a:ext cx="1342080" cy="495720"/>
+            <a:ext cx="1341000" cy="494640"/>
           </a:xfrm>
           <a:prstGeom prst="triangle">
             <a:avLst>
@@ -18360,7 +18060,7 @@
         <p:spPr>
           <a:xfrm>
             <a:off x="1584720" y="6356160"/>
-            <a:ext cx="1342080" cy="495720"/>
+            <a:ext cx="1341000" cy="494640"/>
           </a:xfrm>
           <a:prstGeom prst="triangle">
             <a:avLst>
@@ -18401,7 +18101,7 @@
         <p:spPr>
           <a:xfrm>
             <a:off x="3468960" y="6351480"/>
-            <a:ext cx="1342080" cy="495720"/>
+            <a:ext cx="1341000" cy="494640"/>
           </a:xfrm>
           <a:prstGeom prst="triangle">
             <a:avLst>
@@ -18442,7 +18142,7 @@
         <p:spPr>
           <a:xfrm>
             <a:off x="4413960" y="6263640"/>
-            <a:ext cx="1342080" cy="495720"/>
+            <a:ext cx="1341000" cy="494640"/>
           </a:xfrm>
           <a:prstGeom prst="triangle">
             <a:avLst>
@@ -18490,7 +18190,7 @@
         <p:spPr>
           <a:xfrm>
             <a:off x="6046560" y="6251760"/>
-            <a:ext cx="1342080" cy="495720"/>
+            <a:ext cx="1341000" cy="494640"/>
           </a:xfrm>
           <a:prstGeom prst="triangle">
             <a:avLst>
@@ -18538,7 +18238,7 @@
         <p:spPr>
           <a:xfrm>
             <a:off x="5393160" y="6250680"/>
-            <a:ext cx="1342080" cy="495720"/>
+            <a:ext cx="1341000" cy="494640"/>
           </a:xfrm>
           <a:prstGeom prst="triangle">
             <a:avLst>
@@ -18586,7 +18286,7 @@
         <p:spPr>
           <a:xfrm>
             <a:off x="4889880" y="6250680"/>
-            <a:ext cx="1342080" cy="495720"/>
+            <a:ext cx="1341000" cy="494640"/>
           </a:xfrm>
           <a:prstGeom prst="triangle">
             <a:avLst>
@@ -18634,7 +18334,7 @@
         <p:spPr>
           <a:xfrm>
             <a:off x="5806800" y="6342840"/>
-            <a:ext cx="1342080" cy="495720"/>
+            <a:ext cx="1341000" cy="494640"/>
           </a:xfrm>
           <a:prstGeom prst="triangle">
             <a:avLst>
@@ -18682,7 +18382,7 @@
         <p:spPr>
           <a:xfrm>
             <a:off x="4731120" y="6329880"/>
-            <a:ext cx="1342080" cy="495720"/>
+            <a:ext cx="1341000" cy="494640"/>
           </a:xfrm>
           <a:prstGeom prst="triangle">
             <a:avLst>
@@ -18730,7 +18430,7 @@
         <p:spPr>
           <a:xfrm>
             <a:off x="4037400" y="6356160"/>
-            <a:ext cx="1342080" cy="495720"/>
+            <a:ext cx="1341000" cy="494640"/>
           </a:xfrm>
           <a:prstGeom prst="triangle">
             <a:avLst>
@@ -18771,7 +18471,7 @@
         <p:spPr>
           <a:xfrm>
             <a:off x="6221520" y="6359400"/>
-            <a:ext cx="1342080" cy="495720"/>
+            <a:ext cx="1341000" cy="494640"/>
           </a:xfrm>
           <a:prstGeom prst="triangle">
             <a:avLst>
@@ -18812,7 +18512,7 @@
         <p:spPr>
           <a:xfrm>
             <a:off x="5032080" y="6356160"/>
-            <a:ext cx="1342080" cy="495720"/>
+            <a:ext cx="1341000" cy="494640"/>
           </a:xfrm>
           <a:prstGeom prst="triangle">
             <a:avLst>
@@ -18909,7 +18609,7 @@
         <p:spPr>
           <a:xfrm>
             <a:off x="352440" y="324000"/>
-            <a:ext cx="7875720" cy="849600"/>
+            <a:ext cx="7874640" cy="848520"/>
           </a:xfrm>
           <a:prstGeom prst="rect">
             <a:avLst/>
@@ -18967,7 +18667,7 @@
         <p:spPr>
           <a:xfrm>
             <a:off x="352440" y="1235160"/>
-            <a:ext cx="7509960" cy="636480"/>
+            <a:ext cx="7508880" cy="635400"/>
           </a:xfrm>
           <a:prstGeom prst="rect">
             <a:avLst/>
@@ -19025,7 +18725,7 @@
         <p:spPr>
           <a:xfrm>
             <a:off x="352440" y="1931040"/>
-            <a:ext cx="11440800" cy="1237680"/>
+            <a:ext cx="11439720" cy="1236600"/>
           </a:xfrm>
           <a:prstGeom prst="rect">
             <a:avLst/>
@@ -19057,7 +18757,7 @@
             </a:endParaRPr>
           </a:p>
           <a:p>
-            <a:pPr marL="216000" indent="-213480">
+            <a:pPr marL="216000" indent="-212400">
               <a:lnSpc>
                 <a:spcPct val="90000"/>
               </a:lnSpc>
@@ -19099,7 +18799,7 @@
         <p:spPr>
           <a:xfrm>
             <a:off x="11110680" y="123840"/>
-            <a:ext cx="928080" cy="979200"/>
+            <a:ext cx="927000" cy="978120"/>
           </a:xfrm>
           <a:prstGeom prst="rect">
             <a:avLst/>
@@ -19118,7 +18818,7 @@
         <p:spPr>
           <a:xfrm>
             <a:off x="6502680" y="6263640"/>
-            <a:ext cx="1342080" cy="495720"/>
+            <a:ext cx="1341000" cy="494640"/>
           </a:xfrm>
           <a:prstGeom prst="triangle">
             <a:avLst>
@@ -19166,7 +18866,7 @@
         <p:spPr>
           <a:xfrm>
             <a:off x="3777120" y="6242400"/>
-            <a:ext cx="1342080" cy="495720"/>
+            <a:ext cx="1341000" cy="494640"/>
           </a:xfrm>
           <a:prstGeom prst="triangle">
             <a:avLst>
@@ -19214,7 +18914,7 @@
         <p:spPr>
           <a:xfrm>
             <a:off x="6948360" y="6263640"/>
-            <a:ext cx="1342080" cy="495720"/>
+            <a:ext cx="1341000" cy="494640"/>
           </a:xfrm>
           <a:prstGeom prst="triangle">
             <a:avLst>
@@ -19262,7 +18962,7 @@
         <p:spPr>
           <a:xfrm>
             <a:off x="8580960" y="6251760"/>
-            <a:ext cx="1342080" cy="495720"/>
+            <a:ext cx="1341000" cy="494640"/>
           </a:xfrm>
           <a:prstGeom prst="triangle">
             <a:avLst>
@@ -19310,7 +19010,7 @@
         <p:spPr>
           <a:xfrm>
             <a:off x="7927560" y="6250680"/>
-            <a:ext cx="1342080" cy="495720"/>
+            <a:ext cx="1341000" cy="494640"/>
           </a:xfrm>
           <a:prstGeom prst="triangle">
             <a:avLst>
@@ -19358,7 +19058,7 @@
         <p:spPr>
           <a:xfrm>
             <a:off x="7424280" y="6250680"/>
-            <a:ext cx="1342080" cy="495720"/>
+            <a:ext cx="1341000" cy="494640"/>
           </a:xfrm>
           <a:prstGeom prst="triangle">
             <a:avLst>
@@ -19406,7 +19106,7 @@
         <p:spPr>
           <a:xfrm>
             <a:off x="8341200" y="6342840"/>
-            <a:ext cx="1342080" cy="495720"/>
+            <a:ext cx="1341000" cy="494640"/>
           </a:xfrm>
           <a:prstGeom prst="triangle">
             <a:avLst>
@@ -19454,7 +19154,7 @@
         <p:spPr>
           <a:xfrm>
             <a:off x="7265520" y="6329880"/>
-            <a:ext cx="1342080" cy="495720"/>
+            <a:ext cx="1341000" cy="494640"/>
           </a:xfrm>
           <a:prstGeom prst="triangle">
             <a:avLst>
@@ -19502,7 +19202,7 @@
         <p:spPr>
           <a:xfrm>
             <a:off x="6572160" y="6356160"/>
-            <a:ext cx="1342080" cy="495720"/>
+            <a:ext cx="1341000" cy="494640"/>
           </a:xfrm>
           <a:prstGeom prst="triangle">
             <a:avLst>
@@ -19550,7 +19250,7 @@
         <p:spPr>
           <a:xfrm>
             <a:off x="9141120" y="6238440"/>
-            <a:ext cx="1342080" cy="495720"/>
+            <a:ext cx="1341000" cy="494640"/>
           </a:xfrm>
           <a:prstGeom prst="triangle">
             <a:avLst>
@@ -19598,7 +19298,7 @@
         <p:spPr>
           <a:xfrm>
             <a:off x="8746200" y="6347160"/>
-            <a:ext cx="1342080" cy="495720"/>
+            <a:ext cx="1341000" cy="494640"/>
           </a:xfrm>
           <a:prstGeom prst="triangle">
             <a:avLst>
@@ -19646,7 +19346,7 @@
         <p:spPr>
           <a:xfrm>
             <a:off x="7566840" y="6356160"/>
-            <a:ext cx="1342080" cy="495720"/>
+            <a:ext cx="1341000" cy="494640"/>
           </a:xfrm>
           <a:prstGeom prst="triangle">
             <a:avLst>
@@ -19694,7 +19394,7 @@
         <p:spPr>
           <a:xfrm>
             <a:off x="9368280" y="6356160"/>
-            <a:ext cx="2810160" cy="495720"/>
+            <a:ext cx="2809080" cy="494640"/>
           </a:xfrm>
           <a:prstGeom prst="rect">
             <a:avLst/>
@@ -19742,7 +19442,7 @@
         <p:spPr>
           <a:xfrm>
             <a:off x="7938000" y="6074280"/>
-            <a:ext cx="4242600" cy="777600"/>
+            <a:ext cx="4241520" cy="776520"/>
           </a:xfrm>
           <a:prstGeom prst="rect">
             <a:avLst/>
@@ -19773,7 +19473,7 @@
         <p:spPr>
           <a:xfrm>
             <a:off x="7146360" y="5930640"/>
-            <a:ext cx="5042880" cy="924480"/>
+            <a:ext cx="5041800" cy="923400"/>
           </a:xfrm>
           <a:prstGeom prst="rect">
             <a:avLst/>
@@ -19799,7 +19499,7 @@
         <p:spPr>
           <a:xfrm>
             <a:off x="10061640" y="6480720"/>
-            <a:ext cx="2116800" cy="362160"/>
+            <a:ext cx="2115720" cy="361080"/>
           </a:xfrm>
           <a:prstGeom prst="rect">
             <a:avLst/>
@@ -19865,7 +19565,7 @@
         <p:spPr>
           <a:xfrm>
             <a:off x="8629560" y="6203160"/>
-            <a:ext cx="3559680" cy="651960"/>
+            <a:ext cx="3558600" cy="650880"/>
           </a:xfrm>
           <a:prstGeom prst="rect">
             <a:avLst/>
@@ -19891,7 +19591,7 @@
         <p:spPr>
           <a:xfrm>
             <a:off x="966600" y="6263640"/>
-            <a:ext cx="1342080" cy="495720"/>
+            <a:ext cx="1341000" cy="494640"/>
           </a:xfrm>
           <a:prstGeom prst="triangle">
             <a:avLst>
@@ -19939,7 +19639,7 @@
         <p:spPr>
           <a:xfrm>
             <a:off x="2598840" y="6251760"/>
-            <a:ext cx="1342080" cy="495720"/>
+            <a:ext cx="1341000" cy="494640"/>
           </a:xfrm>
           <a:prstGeom prst="triangle">
             <a:avLst>
@@ -19987,7 +19687,7 @@
         <p:spPr>
           <a:xfrm>
             <a:off x="1945440" y="6250680"/>
-            <a:ext cx="1342080" cy="495720"/>
+            <a:ext cx="1341000" cy="494640"/>
           </a:xfrm>
           <a:prstGeom prst="triangle">
             <a:avLst>
@@ -20035,7 +19735,7 @@
         <p:spPr>
           <a:xfrm>
             <a:off x="1442160" y="6250680"/>
-            <a:ext cx="1342080" cy="495720"/>
+            <a:ext cx="1341000" cy="494640"/>
           </a:xfrm>
           <a:prstGeom prst="triangle">
             <a:avLst>
@@ -20083,7 +19783,7 @@
         <p:spPr>
           <a:xfrm>
             <a:off x="309240" y="6237360"/>
-            <a:ext cx="1342080" cy="495720"/>
+            <a:ext cx="1341000" cy="494640"/>
           </a:xfrm>
           <a:prstGeom prst="triangle">
             <a:avLst>
@@ -20131,7 +19831,7 @@
         <p:spPr>
           <a:xfrm>
             <a:off x="0" y="6356160"/>
-            <a:ext cx="1342080" cy="495720"/>
+            <a:ext cx="1341000" cy="494640"/>
           </a:xfrm>
           <a:prstGeom prst="triangle">
             <a:avLst>
@@ -20172,7 +19872,7 @@
         <p:spPr>
           <a:xfrm>
             <a:off x="2359080" y="6342840"/>
-            <a:ext cx="1342080" cy="495720"/>
+            <a:ext cx="1341000" cy="494640"/>
           </a:xfrm>
           <a:prstGeom prst="triangle">
             <a:avLst>
@@ -20220,7 +19920,7 @@
         <p:spPr>
           <a:xfrm>
             <a:off x="1283760" y="6329880"/>
-            <a:ext cx="1342080" cy="495720"/>
+            <a:ext cx="1341000" cy="494640"/>
           </a:xfrm>
           <a:prstGeom prst="triangle">
             <a:avLst>
@@ -20268,7 +19968,7 @@
         <p:spPr>
           <a:xfrm>
             <a:off x="590040" y="6356160"/>
-            <a:ext cx="1342080" cy="495720"/>
+            <a:ext cx="1341000" cy="494640"/>
           </a:xfrm>
           <a:prstGeom prst="triangle">
             <a:avLst>
@@ -20309,7 +20009,7 @@
         <p:spPr>
           <a:xfrm>
             <a:off x="3159000" y="6238440"/>
-            <a:ext cx="1342080" cy="495720"/>
+            <a:ext cx="1341000" cy="494640"/>
           </a:xfrm>
           <a:prstGeom prst="triangle">
             <a:avLst>
@@ -20357,7 +20057,7 @@
         <p:spPr>
           <a:xfrm>
             <a:off x="2764080" y="6347160"/>
-            <a:ext cx="1342080" cy="495720"/>
+            <a:ext cx="1341000" cy="494640"/>
           </a:xfrm>
           <a:prstGeom prst="triangle">
             <a:avLst>
@@ -20405,7 +20105,7 @@
         <p:spPr>
           <a:xfrm>
             <a:off x="1584720" y="6356160"/>
-            <a:ext cx="1342080" cy="495720"/>
+            <a:ext cx="1341000" cy="494640"/>
           </a:xfrm>
           <a:prstGeom prst="triangle">
             <a:avLst>
@@ -20446,7 +20146,7 @@
         <p:spPr>
           <a:xfrm>
             <a:off x="3468960" y="6351480"/>
-            <a:ext cx="1342080" cy="495720"/>
+            <a:ext cx="1341000" cy="494640"/>
           </a:xfrm>
           <a:prstGeom prst="triangle">
             <a:avLst>
@@ -20487,7 +20187,7 @@
         <p:spPr>
           <a:xfrm>
             <a:off x="4413960" y="6263640"/>
-            <a:ext cx="1342080" cy="495720"/>
+            <a:ext cx="1341000" cy="494640"/>
           </a:xfrm>
           <a:prstGeom prst="triangle">
             <a:avLst>
@@ -20535,7 +20235,7 @@
         <p:spPr>
           <a:xfrm>
             <a:off x="6046560" y="6251760"/>
-            <a:ext cx="1342080" cy="495720"/>
+            <a:ext cx="1341000" cy="494640"/>
           </a:xfrm>
           <a:prstGeom prst="triangle">
             <a:avLst>
@@ -20583,7 +20283,7 @@
         <p:spPr>
           <a:xfrm>
             <a:off x="5393160" y="6250680"/>
-            <a:ext cx="1342080" cy="495720"/>
+            <a:ext cx="1341000" cy="494640"/>
           </a:xfrm>
           <a:prstGeom prst="triangle">
             <a:avLst>
@@ -20631,7 +20331,7 @@
         <p:spPr>
           <a:xfrm>
             <a:off x="4889880" y="6250680"/>
-            <a:ext cx="1342080" cy="495720"/>
+            <a:ext cx="1341000" cy="494640"/>
           </a:xfrm>
           <a:prstGeom prst="triangle">
             <a:avLst>
@@ -20679,7 +20379,7 @@
         <p:spPr>
           <a:xfrm>
             <a:off x="5806800" y="6342840"/>
-            <a:ext cx="1342080" cy="495720"/>
+            <a:ext cx="1341000" cy="494640"/>
           </a:xfrm>
           <a:prstGeom prst="triangle">
             <a:avLst>
@@ -20727,7 +20427,7 @@
         <p:spPr>
           <a:xfrm>
             <a:off x="4731120" y="6329880"/>
-            <a:ext cx="1342080" cy="495720"/>
+            <a:ext cx="1341000" cy="494640"/>
           </a:xfrm>
           <a:prstGeom prst="triangle">
             <a:avLst>
@@ -20775,7 +20475,7 @@
         <p:spPr>
           <a:xfrm>
             <a:off x="4037400" y="6356160"/>
-            <a:ext cx="1342080" cy="495720"/>
+            <a:ext cx="1341000" cy="494640"/>
           </a:xfrm>
           <a:prstGeom prst="triangle">
             <a:avLst>
@@ -20816,7 +20516,7 @@
         <p:spPr>
           <a:xfrm>
             <a:off x="6221520" y="6359400"/>
-            <a:ext cx="1342080" cy="495720"/>
+            <a:ext cx="1341000" cy="494640"/>
           </a:xfrm>
           <a:prstGeom prst="triangle">
             <a:avLst>
@@ -20857,7 +20557,7 @@
         <p:spPr>
           <a:xfrm>
             <a:off x="5032080" y="6356160"/>
-            <a:ext cx="1342080" cy="495720"/>
+            <a:ext cx="1341000" cy="494640"/>
           </a:xfrm>
           <a:prstGeom prst="triangle">
             <a:avLst>
@@ -20897,13 +20597,13 @@
         </p:nvPicPr>
         <p:blipFill>
           <a:blip r:embed="rId5"/>
-          <a:srcRect l="0" t="0" r="5" b="47253"/>
+          <a:srcRect l="0" t="0" r="5" b="47238"/>
           <a:stretch/>
         </p:blipFill>
         <p:spPr>
           <a:xfrm>
             <a:off x="216000" y="2324880"/>
-            <a:ext cx="5347800" cy="3108600"/>
+            <a:ext cx="5346720" cy="3107520"/>
           </a:xfrm>
           <a:prstGeom prst="rect">
             <a:avLst/>
@@ -20921,13 +20621,13 @@
         </p:nvPicPr>
         <p:blipFill>
           <a:blip r:embed="rId6"/>
-          <a:srcRect l="0" t="50346" r="5" b="0"/>
+          <a:srcRect l="0" t="50326" r="5" b="0"/>
           <a:stretch/>
         </p:blipFill>
         <p:spPr>
           <a:xfrm>
             <a:off x="6294600" y="2324880"/>
-            <a:ext cx="5681160" cy="3108600"/>
+            <a:ext cx="5680080" cy="3107520"/>
           </a:xfrm>
           <a:prstGeom prst="rect">
             <a:avLst/>
@@ -20946,7 +20646,7 @@
         <p:spPr>
           <a:xfrm>
             <a:off x="11171880" y="5427720"/>
-            <a:ext cx="878400" cy="260640"/>
+            <a:ext cx="877320" cy="259560"/>
           </a:xfrm>
           <a:prstGeom prst="rect">
             <a:avLst/>
@@ -20976,6 +20676,7 @@
                   <a:srgbClr val="680059"/>
                 </a:solidFill>
                 <a:latin typeface="Arial"/>
+                <a:ea typeface="DejaVu Sans"/>
               </a:rPr>
               <a:t>By dbader</a:t>
             </a:r>
@@ -21050,7 +20751,7 @@
         <p:spPr>
           <a:xfrm>
             <a:off x="352440" y="324000"/>
-            <a:ext cx="4845240" cy="849600"/>
+            <a:ext cx="4844160" cy="848520"/>
           </a:xfrm>
           <a:prstGeom prst="rect">
             <a:avLst/>
@@ -21108,7 +20809,7 @@
         <p:spPr>
           <a:xfrm>
             <a:off x="352440" y="1235160"/>
-            <a:ext cx="3943800" cy="636480"/>
+            <a:ext cx="3942720" cy="635400"/>
           </a:xfrm>
           <a:prstGeom prst="rect">
             <a:avLst/>
@@ -21170,7 +20871,7 @@
         <p:spPr>
           <a:xfrm>
             <a:off x="7259760" y="3092040"/>
-            <a:ext cx="4627080" cy="2942640"/>
+            <a:ext cx="4626000" cy="2941560"/>
           </a:xfrm>
           <a:prstGeom prst="rect">
             <a:avLst/>
@@ -21189,7 +20890,7 @@
         <p:spPr>
           <a:xfrm>
             <a:off x="352440" y="1931040"/>
-            <a:ext cx="11440800" cy="3669120"/>
+            <a:ext cx="11439720" cy="3668040"/>
           </a:xfrm>
           <a:prstGeom prst="rect">
             <a:avLst/>
@@ -21221,18 +20922,13 @@
             </a:endParaRPr>
           </a:p>
           <a:p>
-            <a:pPr marL="216000" indent="-213480">
+            <a:pPr>
               <a:lnSpc>
                 <a:spcPct val="90000"/>
               </a:lnSpc>
               <a:spcBef>
                 <a:spcPts val="1001"/>
               </a:spcBef>
-              <a:buClr>
-                <a:srgbClr val="000000"/>
-              </a:buClr>
-              <a:buFont typeface="Wingdings" charset="2"/>
-              <a:buChar char=""/>
             </a:pPr>
             <a:r>
               <a:rPr b="0" lang="en-US" sz="2200" spc="-1" strike="noStrike">
@@ -21313,16 +21009,6 @@
                 <a:latin typeface="Manjari Bold"/>
                 <a:ea typeface="Hack"/>
               </a:rPr>
-              <a:t>   </a:t>
-            </a:r>
-            <a:r>
-              <a:rPr b="0" lang="en-US" sz="2200" spc="-1" strike="noStrike">
-                <a:solidFill>
-                  <a:srgbClr val="000000"/>
-                </a:solidFill>
-                <a:latin typeface="Manjari Bold"/>
-                <a:ea typeface="Hack"/>
-              </a:rPr>
               <a:t>We will be using python 3.8.x in this workshop .</a:t>
             </a:r>
             <a:endParaRPr b="0" lang="en-US" sz="2200" spc="-1" strike="noStrike">
@@ -21357,7 +21043,7 @@
         <p:spPr>
           <a:xfrm>
             <a:off x="11110680" y="123840"/>
-            <a:ext cx="928080" cy="979200"/>
+            <a:ext cx="927000" cy="978120"/>
           </a:xfrm>
           <a:prstGeom prst="rect">
             <a:avLst/>
@@ -21376,7 +21062,7 @@
         <p:spPr>
           <a:xfrm>
             <a:off x="6502680" y="6263640"/>
-            <a:ext cx="1342080" cy="495720"/>
+            <a:ext cx="1341000" cy="494640"/>
           </a:xfrm>
           <a:prstGeom prst="triangle">
             <a:avLst>
@@ -21424,7 +21110,7 @@
         <p:spPr>
           <a:xfrm>
             <a:off x="3777120" y="6242400"/>
-            <a:ext cx="1342080" cy="495720"/>
+            <a:ext cx="1341000" cy="494640"/>
           </a:xfrm>
           <a:prstGeom prst="triangle">
             <a:avLst>
@@ -21472,7 +21158,7 @@
         <p:spPr>
           <a:xfrm>
             <a:off x="6948360" y="6263640"/>
-            <a:ext cx="1342080" cy="495720"/>
+            <a:ext cx="1341000" cy="494640"/>
           </a:xfrm>
           <a:prstGeom prst="triangle">
             <a:avLst>
@@ -21520,7 +21206,7 @@
         <p:spPr>
           <a:xfrm>
             <a:off x="8580960" y="6251760"/>
-            <a:ext cx="1342080" cy="495720"/>
+            <a:ext cx="1341000" cy="494640"/>
           </a:xfrm>
           <a:prstGeom prst="triangle">
             <a:avLst>
@@ -21568,7 +21254,7 @@
         <p:spPr>
           <a:xfrm>
             <a:off x="7927560" y="6250680"/>
-            <a:ext cx="1342080" cy="495720"/>
+            <a:ext cx="1341000" cy="494640"/>
           </a:xfrm>
           <a:prstGeom prst="triangle">
             <a:avLst>
@@ -21616,7 +21302,7 @@
         <p:spPr>
           <a:xfrm>
             <a:off x="7424280" y="6250680"/>
-            <a:ext cx="1342080" cy="495720"/>
+            <a:ext cx="1341000" cy="494640"/>
           </a:xfrm>
           <a:prstGeom prst="triangle">
             <a:avLst>
@@ -21664,7 +21350,7 @@
         <p:spPr>
           <a:xfrm>
             <a:off x="8341200" y="6342840"/>
-            <a:ext cx="1342080" cy="495720"/>
+            <a:ext cx="1341000" cy="494640"/>
           </a:xfrm>
           <a:prstGeom prst="triangle">
             <a:avLst>
@@ -21712,7 +21398,7 @@
         <p:spPr>
           <a:xfrm>
             <a:off x="7265520" y="6329880"/>
-            <a:ext cx="1342080" cy="495720"/>
+            <a:ext cx="1341000" cy="494640"/>
           </a:xfrm>
           <a:prstGeom prst="triangle">
             <a:avLst>
@@ -21760,7 +21446,7 @@
         <p:spPr>
           <a:xfrm>
             <a:off x="6572160" y="6356160"/>
-            <a:ext cx="1342080" cy="495720"/>
+            <a:ext cx="1341000" cy="494640"/>
           </a:xfrm>
           <a:prstGeom prst="triangle">
             <a:avLst>
@@ -21808,7 +21494,7 @@
         <p:spPr>
           <a:xfrm>
             <a:off x="9141120" y="6238440"/>
-            <a:ext cx="1342080" cy="495720"/>
+            <a:ext cx="1341000" cy="494640"/>
           </a:xfrm>
           <a:prstGeom prst="triangle">
             <a:avLst>
@@ -21856,7 +21542,7 @@
         <p:spPr>
           <a:xfrm>
             <a:off x="8746200" y="6347160"/>
-            <a:ext cx="1342080" cy="495720"/>
+            <a:ext cx="1341000" cy="494640"/>
           </a:xfrm>
           <a:prstGeom prst="triangle">
             <a:avLst>
@@ -21904,7 +21590,7 @@
         <p:spPr>
           <a:xfrm>
             <a:off x="7566840" y="6356160"/>
-            <a:ext cx="1342080" cy="495720"/>
+            <a:ext cx="1341000" cy="494640"/>
           </a:xfrm>
           <a:prstGeom prst="triangle">
             <a:avLst>
@@ -21952,7 +21638,7 @@
         <p:spPr>
           <a:xfrm>
             <a:off x="9368280" y="6356160"/>
-            <a:ext cx="2810160" cy="495720"/>
+            <a:ext cx="2809080" cy="494640"/>
           </a:xfrm>
           <a:prstGeom prst="rect">
             <a:avLst/>
@@ -22000,7 +21686,7 @@
         <p:spPr>
           <a:xfrm>
             <a:off x="7938000" y="6074280"/>
-            <a:ext cx="4242600" cy="777600"/>
+            <a:ext cx="4241520" cy="776520"/>
           </a:xfrm>
           <a:prstGeom prst="rect">
             <a:avLst/>
@@ -22031,7 +21717,7 @@
         <p:spPr>
           <a:xfrm>
             <a:off x="7146360" y="5930640"/>
-            <a:ext cx="5042880" cy="924480"/>
+            <a:ext cx="5041800" cy="923400"/>
           </a:xfrm>
           <a:prstGeom prst="rect">
             <a:avLst/>
@@ -22057,7 +21743,7 @@
         <p:spPr>
           <a:xfrm>
             <a:off x="10061640" y="6480720"/>
-            <a:ext cx="2116800" cy="362160"/>
+            <a:ext cx="2115720" cy="361080"/>
           </a:xfrm>
           <a:prstGeom prst="rect">
             <a:avLst/>
@@ -22123,7 +21809,7 @@
         <p:spPr>
           <a:xfrm>
             <a:off x="8629560" y="6203160"/>
-            <a:ext cx="3559680" cy="651960"/>
+            <a:ext cx="3558600" cy="650880"/>
           </a:xfrm>
           <a:prstGeom prst="rect">
             <a:avLst/>
@@ -22149,7 +21835,7 @@
         <p:spPr>
           <a:xfrm>
             <a:off x="966600" y="6263640"/>
-            <a:ext cx="1342080" cy="495720"/>
+            <a:ext cx="1341000" cy="494640"/>
           </a:xfrm>
           <a:prstGeom prst="triangle">
             <a:avLst>
@@ -22197,7 +21883,7 @@
         <p:spPr>
           <a:xfrm>
             <a:off x="2598840" y="6251760"/>
-            <a:ext cx="1342080" cy="495720"/>
+            <a:ext cx="1341000" cy="494640"/>
           </a:xfrm>
           <a:prstGeom prst="triangle">
             <a:avLst>
@@ -22245,7 +21931,7 @@
         <p:spPr>
           <a:xfrm>
             <a:off x="1945440" y="6250680"/>
-            <a:ext cx="1342080" cy="495720"/>
+            <a:ext cx="1341000" cy="494640"/>
           </a:xfrm>
           <a:prstGeom prst="triangle">
             <a:avLst>
@@ -22293,7 +21979,7 @@
         <p:spPr>
           <a:xfrm>
             <a:off x="1442160" y="6250680"/>
-            <a:ext cx="1342080" cy="495720"/>
+            <a:ext cx="1341000" cy="494640"/>
           </a:xfrm>
           <a:prstGeom prst="triangle">
             <a:avLst>
@@ -22341,7 +22027,7 @@
         <p:spPr>
           <a:xfrm>
             <a:off x="309240" y="6237360"/>
-            <a:ext cx="1342080" cy="495720"/>
+            <a:ext cx="1341000" cy="494640"/>
           </a:xfrm>
           <a:prstGeom prst="triangle">
             <a:avLst>
@@ -22389,7 +22075,7 @@
         <p:spPr>
           <a:xfrm>
             <a:off x="0" y="6356160"/>
-            <a:ext cx="1342080" cy="495720"/>
+            <a:ext cx="1341000" cy="494640"/>
           </a:xfrm>
           <a:prstGeom prst="triangle">
             <a:avLst>
@@ -22430,7 +22116,7 @@
         <p:spPr>
           <a:xfrm>
             <a:off x="2359080" y="6342840"/>
-            <a:ext cx="1342080" cy="495720"/>
+            <a:ext cx="1341000" cy="494640"/>
           </a:xfrm>
           <a:prstGeom prst="triangle">
             <a:avLst>
@@ -22478,7 +22164,7 @@
         <p:spPr>
           <a:xfrm>
             <a:off x="1283760" y="6329880"/>
-            <a:ext cx="1342080" cy="495720"/>
+            <a:ext cx="1341000" cy="494640"/>
           </a:xfrm>
           <a:prstGeom prst="triangle">
             <a:avLst>
@@ -22526,7 +22212,7 @@
         <p:spPr>
           <a:xfrm>
             <a:off x="590040" y="6356160"/>
-            <a:ext cx="1342080" cy="495720"/>
+            <a:ext cx="1341000" cy="494640"/>
           </a:xfrm>
           <a:prstGeom prst="triangle">
             <a:avLst>
@@ -22567,7 +22253,7 @@
         <p:spPr>
           <a:xfrm>
             <a:off x="3159000" y="6238440"/>
-            <a:ext cx="1342080" cy="495720"/>
+            <a:ext cx="1341000" cy="494640"/>
           </a:xfrm>
           <a:prstGeom prst="triangle">
             <a:avLst>
@@ -22615,7 +22301,7 @@
         <p:spPr>
           <a:xfrm>
             <a:off x="2764080" y="6347160"/>
-            <a:ext cx="1342080" cy="495720"/>
+            <a:ext cx="1341000" cy="494640"/>
           </a:xfrm>
           <a:prstGeom prst="triangle">
             <a:avLst>
@@ -22663,7 +22349,7 @@
         <p:spPr>
           <a:xfrm>
             <a:off x="1584720" y="6356160"/>
-            <a:ext cx="1342080" cy="495720"/>
+            <a:ext cx="1341000" cy="494640"/>
           </a:xfrm>
           <a:prstGeom prst="triangle">
             <a:avLst>
@@ -22704,7 +22390,7 @@
         <p:spPr>
           <a:xfrm>
             <a:off x="3468960" y="6351480"/>
-            <a:ext cx="1342080" cy="495720"/>
+            <a:ext cx="1341000" cy="494640"/>
           </a:xfrm>
           <a:prstGeom prst="triangle">
             <a:avLst>
@@ -22745,7 +22431,7 @@
         <p:spPr>
           <a:xfrm>
             <a:off x="4413960" y="6263640"/>
-            <a:ext cx="1342080" cy="495720"/>
+            <a:ext cx="1341000" cy="494640"/>
           </a:xfrm>
           <a:prstGeom prst="triangle">
             <a:avLst>
@@ -22793,7 +22479,7 @@
         <p:spPr>
           <a:xfrm>
             <a:off x="6046560" y="6251760"/>
-            <a:ext cx="1342080" cy="495720"/>
+            <a:ext cx="1341000" cy="494640"/>
           </a:xfrm>
           <a:prstGeom prst="triangle">
             <a:avLst>
@@ -22841,7 +22527,7 @@
         <p:spPr>
           <a:xfrm>
             <a:off x="5393160" y="6250680"/>
-            <a:ext cx="1342080" cy="495720"/>
+            <a:ext cx="1341000" cy="494640"/>
           </a:xfrm>
           <a:prstGeom prst="triangle">
             <a:avLst>
@@ -22889,7 +22575,7 @@
         <p:spPr>
           <a:xfrm>
             <a:off x="4889880" y="6250680"/>
-            <a:ext cx="1342080" cy="495720"/>
+            <a:ext cx="1341000" cy="494640"/>
           </a:xfrm>
           <a:prstGeom prst="triangle">
             <a:avLst>
@@ -22937,7 +22623,7 @@
         <p:spPr>
           <a:xfrm>
             <a:off x="5806800" y="6342840"/>
-            <a:ext cx="1342080" cy="495720"/>
+            <a:ext cx="1341000" cy="494640"/>
           </a:xfrm>
           <a:prstGeom prst="triangle">
             <a:avLst>
@@ -22985,7 +22671,7 @@
         <p:spPr>
           <a:xfrm>
             <a:off x="4731120" y="6329880"/>
-            <a:ext cx="1342080" cy="495720"/>
+            <a:ext cx="1341000" cy="494640"/>
           </a:xfrm>
           <a:prstGeom prst="triangle">
             <a:avLst>
@@ -23033,7 +22719,7 @@
         <p:spPr>
           <a:xfrm>
             <a:off x="4037400" y="6356160"/>
-            <a:ext cx="1342080" cy="495720"/>
+            <a:ext cx="1341000" cy="494640"/>
           </a:xfrm>
           <a:prstGeom prst="triangle">
             <a:avLst>
@@ -23074,7 +22760,7 @@
         <p:spPr>
           <a:xfrm>
             <a:off x="6221520" y="6359400"/>
-            <a:ext cx="1342080" cy="495720"/>
+            <a:ext cx="1341000" cy="494640"/>
           </a:xfrm>
           <a:prstGeom prst="triangle">
             <a:avLst>
@@ -23115,7 +22801,7 @@
         <p:spPr>
           <a:xfrm>
             <a:off x="5032080" y="6356160"/>
-            <a:ext cx="1342080" cy="495720"/>
+            <a:ext cx="1341000" cy="494640"/>
           </a:xfrm>
           <a:prstGeom prst="triangle">
             <a:avLst>
@@ -23212,7 +22898,7 @@
         <p:spPr>
           <a:xfrm>
             <a:off x="352440" y="324000"/>
-            <a:ext cx="4845240" cy="849600"/>
+            <a:ext cx="4844160" cy="848520"/>
           </a:xfrm>
           <a:prstGeom prst="rect">
             <a:avLst/>
@@ -23270,7 +22956,7 @@
         <p:spPr>
           <a:xfrm>
             <a:off x="352440" y="1235160"/>
-            <a:ext cx="3943800" cy="636480"/>
+            <a:ext cx="3942720" cy="635400"/>
           </a:xfrm>
           <a:prstGeom prst="rect">
             <a:avLst/>
@@ -23328,7 +23014,7 @@
         <p:spPr>
           <a:xfrm>
             <a:off x="352440" y="1931040"/>
-            <a:ext cx="11440800" cy="3669120"/>
+            <a:ext cx="11439720" cy="3668040"/>
           </a:xfrm>
           <a:prstGeom prst="rect">
             <a:avLst/>
@@ -23360,18 +23046,13 @@
             </a:endParaRPr>
           </a:p>
           <a:p>
-            <a:pPr marL="216000" indent="-213480">
+            <a:pPr>
               <a:lnSpc>
                 <a:spcPct val="90000"/>
               </a:lnSpc>
               <a:spcBef>
                 <a:spcPts val="1001"/>
               </a:spcBef>
-              <a:buClr>
-                <a:srgbClr val="000000"/>
-              </a:buClr>
-              <a:buFont typeface="Wingdings" charset="2"/>
-              <a:buChar char=""/>
             </a:pPr>
             <a:r>
               <a:rPr b="0" lang="en-US" sz="2200" spc="-1" strike="noStrike">
@@ -23381,7 +23062,7 @@
                 <a:latin typeface="Manjari Bold"/>
                 <a:ea typeface="Hack"/>
               </a:rPr>
-              <a:t>A very popular and open-source IDE to use is visual studio code, it has a python           extension made and maintained by Microsoft for the ease of writing python code .</a:t>
+              <a:t>A very popular and open-source IDE to use is visual studio code, it has a python           extension made and maintained by Microsoft makes writing python code an easy          task .</a:t>
             </a:r>
             <a:endParaRPr b="0" lang="en-US" sz="2200" spc="-1" strike="noStrike">
               <a:latin typeface="Arial"/>
@@ -23441,7 +23122,7 @@
         <p:spPr>
           <a:xfrm>
             <a:off x="11110680" y="123840"/>
-            <a:ext cx="928080" cy="979200"/>
+            <a:ext cx="927000" cy="978120"/>
           </a:xfrm>
           <a:prstGeom prst="rect">
             <a:avLst/>
@@ -23460,7 +23141,7 @@
         <p:spPr>
           <a:xfrm>
             <a:off x="6502680" y="6263640"/>
-            <a:ext cx="1342080" cy="495720"/>
+            <a:ext cx="1341000" cy="494640"/>
           </a:xfrm>
           <a:prstGeom prst="triangle">
             <a:avLst>
@@ -23508,7 +23189,7 @@
         <p:spPr>
           <a:xfrm>
             <a:off x="3777120" y="6242400"/>
-            <a:ext cx="1342080" cy="495720"/>
+            <a:ext cx="1341000" cy="494640"/>
           </a:xfrm>
           <a:prstGeom prst="triangle">
             <a:avLst>
@@ -23556,7 +23237,7 @@
         <p:spPr>
           <a:xfrm>
             <a:off x="6948360" y="6263640"/>
-            <a:ext cx="1342080" cy="495720"/>
+            <a:ext cx="1341000" cy="494640"/>
           </a:xfrm>
           <a:prstGeom prst="triangle">
             <a:avLst>
@@ -23604,7 +23285,7 @@
         <p:spPr>
           <a:xfrm>
             <a:off x="8580960" y="6251760"/>
-            <a:ext cx="1342080" cy="495720"/>
+            <a:ext cx="1341000" cy="494640"/>
           </a:xfrm>
           <a:prstGeom prst="triangle">
             <a:avLst>
@@ -23652,7 +23333,7 @@
         <p:spPr>
           <a:xfrm>
             <a:off x="7927560" y="6250680"/>
-            <a:ext cx="1342080" cy="495720"/>
+            <a:ext cx="1341000" cy="494640"/>
           </a:xfrm>
           <a:prstGeom prst="triangle">
             <a:avLst>
@@ -23700,7 +23381,7 @@
         <p:spPr>
           <a:xfrm>
             <a:off x="7424280" y="6250680"/>
-            <a:ext cx="1342080" cy="495720"/>
+            <a:ext cx="1341000" cy="494640"/>
           </a:xfrm>
           <a:prstGeom prst="triangle">
             <a:avLst>
@@ -23748,7 +23429,7 @@
         <p:spPr>
           <a:xfrm>
             <a:off x="8341200" y="6342840"/>
-            <a:ext cx="1342080" cy="495720"/>
+            <a:ext cx="1341000" cy="494640"/>
           </a:xfrm>
           <a:prstGeom prst="triangle">
             <a:avLst>
@@ -23796,7 +23477,7 @@
         <p:spPr>
           <a:xfrm>
             <a:off x="7265520" y="6329880"/>
-            <a:ext cx="1342080" cy="495720"/>
+            <a:ext cx="1341000" cy="494640"/>
           </a:xfrm>
           <a:prstGeom prst="triangle">
             <a:avLst>
@@ -23844,7 +23525,7 @@
         <p:spPr>
           <a:xfrm>
             <a:off x="6572160" y="6356160"/>
-            <a:ext cx="1342080" cy="495720"/>
+            <a:ext cx="1341000" cy="494640"/>
           </a:xfrm>
           <a:prstGeom prst="triangle">
             <a:avLst>
@@ -23892,7 +23573,7 @@
         <p:spPr>
           <a:xfrm>
             <a:off x="9141120" y="6238440"/>
-            <a:ext cx="1342080" cy="495720"/>
+            <a:ext cx="1341000" cy="494640"/>
           </a:xfrm>
           <a:prstGeom prst="triangle">
             <a:avLst>
@@ -23940,7 +23621,7 @@
         <p:spPr>
           <a:xfrm>
             <a:off x="8746200" y="6347160"/>
-            <a:ext cx="1342080" cy="495720"/>
+            <a:ext cx="1341000" cy="494640"/>
           </a:xfrm>
           <a:prstGeom prst="triangle">
             <a:avLst>
@@ -23988,7 +23669,7 @@
         <p:spPr>
           <a:xfrm>
             <a:off x="7566840" y="6356160"/>
-            <a:ext cx="1342080" cy="495720"/>
+            <a:ext cx="1341000" cy="494640"/>
           </a:xfrm>
           <a:prstGeom prst="triangle">
             <a:avLst>
@@ -24036,7 +23717,7 @@
         <p:spPr>
           <a:xfrm>
             <a:off x="9368280" y="6356160"/>
-            <a:ext cx="2810160" cy="495720"/>
+            <a:ext cx="2809080" cy="494640"/>
           </a:xfrm>
           <a:prstGeom prst="rect">
             <a:avLst/>
@@ -24084,7 +23765,7 @@
         <p:spPr>
           <a:xfrm>
             <a:off x="7938000" y="6074280"/>
-            <a:ext cx="4242600" cy="777600"/>
+            <a:ext cx="4241520" cy="776520"/>
           </a:xfrm>
           <a:prstGeom prst="rect">
             <a:avLst/>
@@ -24115,7 +23796,7 @@
         <p:spPr>
           <a:xfrm>
             <a:off x="7146360" y="5930640"/>
-            <a:ext cx="5042880" cy="924480"/>
+            <a:ext cx="5041800" cy="923400"/>
           </a:xfrm>
           <a:prstGeom prst="rect">
             <a:avLst/>
@@ -24141,7 +23822,7 @@
         <p:spPr>
           <a:xfrm>
             <a:off x="10061640" y="6480720"/>
-            <a:ext cx="2116800" cy="362160"/>
+            <a:ext cx="2115720" cy="361080"/>
           </a:xfrm>
           <a:prstGeom prst="rect">
             <a:avLst/>
@@ -24207,7 +23888,7 @@
         <p:spPr>
           <a:xfrm>
             <a:off x="8629560" y="6203160"/>
-            <a:ext cx="3559680" cy="651960"/>
+            <a:ext cx="3558600" cy="650880"/>
           </a:xfrm>
           <a:prstGeom prst="rect">
             <a:avLst/>
@@ -24233,7 +23914,7 @@
         <p:spPr>
           <a:xfrm>
             <a:off x="966600" y="6263640"/>
-            <a:ext cx="1342080" cy="495720"/>
+            <a:ext cx="1341000" cy="494640"/>
           </a:xfrm>
           <a:prstGeom prst="triangle">
             <a:avLst>
@@ -24281,7 +23962,7 @@
         <p:spPr>
           <a:xfrm>
             <a:off x="2598840" y="6251760"/>
-            <a:ext cx="1342080" cy="495720"/>
+            <a:ext cx="1341000" cy="494640"/>
           </a:xfrm>
           <a:prstGeom prst="triangle">
             <a:avLst>
@@ -24329,7 +24010,7 @@
         <p:spPr>
           <a:xfrm>
             <a:off x="1945440" y="6250680"/>
-            <a:ext cx="1342080" cy="495720"/>
+            <a:ext cx="1341000" cy="494640"/>
           </a:xfrm>
           <a:prstGeom prst="triangle">
             <a:avLst>
@@ -24377,7 +24058,7 @@
         <p:spPr>
           <a:xfrm>
             <a:off x="1442160" y="6250680"/>
-            <a:ext cx="1342080" cy="495720"/>
+            <a:ext cx="1341000" cy="494640"/>
           </a:xfrm>
           <a:prstGeom prst="triangle">
             <a:avLst>
@@ -24425,7 +24106,7 @@
         <p:spPr>
           <a:xfrm>
             <a:off x="309240" y="6237360"/>
-            <a:ext cx="1342080" cy="495720"/>
+            <a:ext cx="1341000" cy="494640"/>
           </a:xfrm>
           <a:prstGeom prst="triangle">
             <a:avLst>
@@ -24473,7 +24154,7 @@
         <p:spPr>
           <a:xfrm>
             <a:off x="0" y="6356160"/>
-            <a:ext cx="1342080" cy="495720"/>
+            <a:ext cx="1341000" cy="494640"/>
           </a:xfrm>
           <a:prstGeom prst="triangle">
             <a:avLst>
@@ -24514,7 +24195,7 @@
         <p:spPr>
           <a:xfrm>
             <a:off x="2359080" y="6342840"/>
-            <a:ext cx="1342080" cy="495720"/>
+            <a:ext cx="1341000" cy="494640"/>
           </a:xfrm>
           <a:prstGeom prst="triangle">
             <a:avLst>
@@ -24562,7 +24243,7 @@
         <p:spPr>
           <a:xfrm>
             <a:off x="1283760" y="6329880"/>
-            <a:ext cx="1342080" cy="495720"/>
+            <a:ext cx="1341000" cy="494640"/>
           </a:xfrm>
           <a:prstGeom prst="triangle">
             <a:avLst>
@@ -24610,7 +24291,7 @@
         <p:spPr>
           <a:xfrm>
             <a:off x="590040" y="6356160"/>
-            <a:ext cx="1342080" cy="495720"/>
+            <a:ext cx="1341000" cy="494640"/>
           </a:xfrm>
           <a:prstGeom prst="triangle">
             <a:avLst>
@@ -24651,7 +24332,7 @@
         <p:spPr>
           <a:xfrm>
             <a:off x="3159000" y="6238440"/>
-            <a:ext cx="1342080" cy="495720"/>
+            <a:ext cx="1341000" cy="494640"/>
           </a:xfrm>
           <a:prstGeom prst="triangle">
             <a:avLst>
@@ -24699,7 +24380,7 @@
         <p:spPr>
           <a:xfrm>
             <a:off x="2764080" y="6347160"/>
-            <a:ext cx="1342080" cy="495720"/>
+            <a:ext cx="1341000" cy="494640"/>
           </a:xfrm>
           <a:prstGeom prst="triangle">
             <a:avLst>
@@ -24747,7 +24428,7 @@
         <p:spPr>
           <a:xfrm>
             <a:off x="1584720" y="6356160"/>
-            <a:ext cx="1342080" cy="495720"/>
+            <a:ext cx="1341000" cy="494640"/>
           </a:xfrm>
           <a:prstGeom prst="triangle">
             <a:avLst>
@@ -24788,7 +24469,7 @@
         <p:spPr>
           <a:xfrm>
             <a:off x="3468960" y="6351480"/>
-            <a:ext cx="1342080" cy="495720"/>
+            <a:ext cx="1341000" cy="494640"/>
           </a:xfrm>
           <a:prstGeom prst="triangle">
             <a:avLst>
@@ -24829,7 +24510,7 @@
         <p:spPr>
           <a:xfrm>
             <a:off x="4413960" y="6263640"/>
-            <a:ext cx="1342080" cy="495720"/>
+            <a:ext cx="1341000" cy="494640"/>
           </a:xfrm>
           <a:prstGeom prst="triangle">
             <a:avLst>
@@ -24877,7 +24558,7 @@
         <p:spPr>
           <a:xfrm>
             <a:off x="6046560" y="6251760"/>
-            <a:ext cx="1342080" cy="495720"/>
+            <a:ext cx="1341000" cy="494640"/>
           </a:xfrm>
           <a:prstGeom prst="triangle">
             <a:avLst>
@@ -24925,7 +24606,7 @@
         <p:spPr>
           <a:xfrm>
             <a:off x="5393160" y="6250680"/>
-            <a:ext cx="1342080" cy="495720"/>
+            <a:ext cx="1341000" cy="494640"/>
           </a:xfrm>
           <a:prstGeom prst="triangle">
             <a:avLst>
@@ -24973,7 +24654,7 @@
         <p:spPr>
           <a:xfrm>
             <a:off x="4889880" y="6250680"/>
-            <a:ext cx="1342080" cy="495720"/>
+            <a:ext cx="1341000" cy="494640"/>
           </a:xfrm>
           <a:prstGeom prst="triangle">
             <a:avLst>
@@ -25021,7 +24702,7 @@
         <p:spPr>
           <a:xfrm>
             <a:off x="5806800" y="6342840"/>
-            <a:ext cx="1342080" cy="495720"/>
+            <a:ext cx="1341000" cy="494640"/>
           </a:xfrm>
           <a:prstGeom prst="triangle">
             <a:avLst>
@@ -25069,7 +24750,7 @@
         <p:spPr>
           <a:xfrm>
             <a:off x="4731120" y="6329880"/>
-            <a:ext cx="1342080" cy="495720"/>
+            <a:ext cx="1341000" cy="494640"/>
           </a:xfrm>
           <a:prstGeom prst="triangle">
             <a:avLst>
@@ -25117,7 +24798,7 @@
         <p:spPr>
           <a:xfrm>
             <a:off x="4037400" y="6356160"/>
-            <a:ext cx="1342080" cy="495720"/>
+            <a:ext cx="1341000" cy="494640"/>
           </a:xfrm>
           <a:prstGeom prst="triangle">
             <a:avLst>
@@ -25158,7 +24839,7 @@
         <p:spPr>
           <a:xfrm>
             <a:off x="6221520" y="6359400"/>
-            <a:ext cx="1342080" cy="495720"/>
+            <a:ext cx="1341000" cy="494640"/>
           </a:xfrm>
           <a:prstGeom prst="triangle">
             <a:avLst>
@@ -25199,7 +24880,7 @@
         <p:spPr>
           <a:xfrm>
             <a:off x="5032080" y="6356160"/>
-            <a:ext cx="1342080" cy="495720"/>
+            <a:ext cx="1341000" cy="494640"/>
           </a:xfrm>
           <a:prstGeom prst="triangle">
             <a:avLst>
@@ -25244,7 +24925,7 @@
         <p:spPr>
           <a:xfrm>
             <a:off x="183960" y="3663720"/>
-            <a:ext cx="9090360" cy="2060640"/>
+            <a:ext cx="9089280" cy="2059560"/>
           </a:xfrm>
           <a:prstGeom prst="rect">
             <a:avLst/>
@@ -25267,7 +24948,7 @@
         <p:spPr>
           <a:xfrm>
             <a:off x="9509760" y="3601800"/>
-            <a:ext cx="2142360" cy="2142360"/>
+            <a:ext cx="2141280" cy="2141280"/>
           </a:xfrm>
           <a:prstGeom prst="rect">
             <a:avLst/>
@@ -25342,7 +25023,7 @@
         <p:spPr>
           <a:xfrm>
             <a:off x="352440" y="324000"/>
-            <a:ext cx="4845240" cy="849600"/>
+            <a:ext cx="4844160" cy="848520"/>
           </a:xfrm>
           <a:prstGeom prst="rect">
             <a:avLst/>
@@ -25400,7 +25081,7 @@
         <p:spPr>
           <a:xfrm>
             <a:off x="352440" y="1235160"/>
-            <a:ext cx="7328520" cy="636480"/>
+            <a:ext cx="7327440" cy="635400"/>
           </a:xfrm>
           <a:prstGeom prst="rect">
             <a:avLst/>
@@ -25458,7 +25139,7 @@
         <p:spPr>
           <a:xfrm>
             <a:off x="352440" y="1931040"/>
-            <a:ext cx="11440800" cy="3669120"/>
+            <a:ext cx="11439720" cy="3668040"/>
           </a:xfrm>
           <a:prstGeom prst="rect">
             <a:avLst/>
@@ -25490,18 +25171,13 @@
             </a:endParaRPr>
           </a:p>
           <a:p>
-            <a:pPr marL="216000" indent="-213480">
+            <a:pPr>
               <a:lnSpc>
                 <a:spcPct val="90000"/>
               </a:lnSpc>
               <a:spcBef>
                 <a:spcPts val="1001"/>
               </a:spcBef>
-              <a:buClr>
-                <a:srgbClr val="000000"/>
-              </a:buClr>
-              <a:buFont typeface="Wingdings" charset="2"/>
-              <a:buChar char=""/>
             </a:pPr>
             <a:endParaRPr b="0" lang="en-US" sz="1800" spc="-1" strike="noStrike">
               <a:latin typeface="Arial"/>
@@ -25561,7 +25237,7 @@
         <p:spPr>
           <a:xfrm>
             <a:off x="11110680" y="123840"/>
-            <a:ext cx="928080" cy="979200"/>
+            <a:ext cx="927000" cy="978120"/>
           </a:xfrm>
           <a:prstGeom prst="rect">
             <a:avLst/>
@@ -25580,7 +25256,7 @@
         <p:spPr>
           <a:xfrm>
             <a:off x="6502680" y="6263640"/>
-            <a:ext cx="1342080" cy="495720"/>
+            <a:ext cx="1341000" cy="494640"/>
           </a:xfrm>
           <a:prstGeom prst="triangle">
             <a:avLst>
@@ -25628,7 +25304,7 @@
         <p:spPr>
           <a:xfrm>
             <a:off x="3777120" y="6242400"/>
-            <a:ext cx="1342080" cy="495720"/>
+            <a:ext cx="1341000" cy="494640"/>
           </a:xfrm>
           <a:prstGeom prst="triangle">
             <a:avLst>
@@ -25676,7 +25352,7 @@
         <p:spPr>
           <a:xfrm>
             <a:off x="6948360" y="6263640"/>
-            <a:ext cx="1342080" cy="495720"/>
+            <a:ext cx="1341000" cy="494640"/>
           </a:xfrm>
           <a:prstGeom prst="triangle">
             <a:avLst>
@@ -25724,7 +25400,7 @@
         <p:spPr>
           <a:xfrm>
             <a:off x="8580960" y="6251760"/>
-            <a:ext cx="1342080" cy="495720"/>
+            <a:ext cx="1341000" cy="494640"/>
           </a:xfrm>
           <a:prstGeom prst="triangle">
             <a:avLst>
@@ -25772,7 +25448,7 @@
         <p:spPr>
           <a:xfrm>
             <a:off x="7927560" y="6250680"/>
-            <a:ext cx="1342080" cy="495720"/>
+            <a:ext cx="1341000" cy="494640"/>
           </a:xfrm>
           <a:prstGeom prst="triangle">
             <a:avLst>
@@ -25820,7 +25496,7 @@
         <p:spPr>
           <a:xfrm>
             <a:off x="7424280" y="6250680"/>
-            <a:ext cx="1342080" cy="495720"/>
+            <a:ext cx="1341000" cy="494640"/>
           </a:xfrm>
           <a:prstGeom prst="triangle">
             <a:avLst>
@@ -25868,7 +25544,7 @@
         <p:spPr>
           <a:xfrm>
             <a:off x="8341200" y="6342840"/>
-            <a:ext cx="1342080" cy="495720"/>
+            <a:ext cx="1341000" cy="494640"/>
           </a:xfrm>
           <a:prstGeom prst="triangle">
             <a:avLst>
@@ -25916,7 +25592,7 @@
         <p:spPr>
           <a:xfrm>
             <a:off x="7265520" y="6329880"/>
-            <a:ext cx="1342080" cy="495720"/>
+            <a:ext cx="1341000" cy="494640"/>
           </a:xfrm>
           <a:prstGeom prst="triangle">
             <a:avLst>
@@ -25964,7 +25640,7 @@
         <p:spPr>
           <a:xfrm>
             <a:off x="6572160" y="6356160"/>
-            <a:ext cx="1342080" cy="495720"/>
+            <a:ext cx="1341000" cy="494640"/>
           </a:xfrm>
           <a:prstGeom prst="triangle">
             <a:avLst>
@@ -26012,7 +25688,7 @@
         <p:spPr>
           <a:xfrm>
             <a:off x="9141120" y="6238440"/>
-            <a:ext cx="1342080" cy="495720"/>
+            <a:ext cx="1341000" cy="494640"/>
           </a:xfrm>
           <a:prstGeom prst="triangle">
             <a:avLst>
@@ -26060,7 +25736,7 @@
         <p:spPr>
           <a:xfrm>
             <a:off x="8746200" y="6347160"/>
-            <a:ext cx="1342080" cy="495720"/>
+            <a:ext cx="1341000" cy="494640"/>
           </a:xfrm>
           <a:prstGeom prst="triangle">
             <a:avLst>
@@ -26108,7 +25784,7 @@
         <p:spPr>
           <a:xfrm>
             <a:off x="7566840" y="6356160"/>
-            <a:ext cx="1342080" cy="495720"/>
+            <a:ext cx="1341000" cy="494640"/>
           </a:xfrm>
           <a:prstGeom prst="triangle">
             <a:avLst>
@@ -26156,7 +25832,7 @@
         <p:spPr>
           <a:xfrm>
             <a:off x="9368280" y="6356160"/>
-            <a:ext cx="2810160" cy="495720"/>
+            <a:ext cx="2809080" cy="494640"/>
           </a:xfrm>
           <a:prstGeom prst="rect">
             <a:avLst/>
@@ -26204,7 +25880,7 @@
         <p:spPr>
           <a:xfrm>
             <a:off x="7938000" y="6074280"/>
-            <a:ext cx="4242600" cy="777600"/>
+            <a:ext cx="4241520" cy="776520"/>
           </a:xfrm>
           <a:prstGeom prst="rect">
             <a:avLst/>
@@ -26235,7 +25911,7 @@
         <p:spPr>
           <a:xfrm>
             <a:off x="7146360" y="5930640"/>
-            <a:ext cx="5042880" cy="924480"/>
+            <a:ext cx="5041800" cy="923400"/>
           </a:xfrm>
           <a:prstGeom prst="rect">
             <a:avLst/>
@@ -26261,7 +25937,7 @@
         <p:spPr>
           <a:xfrm>
             <a:off x="10061640" y="6480720"/>
-            <a:ext cx="2116800" cy="362160"/>
+            <a:ext cx="2115720" cy="361080"/>
           </a:xfrm>
           <a:prstGeom prst="rect">
             <a:avLst/>
@@ -26327,7 +26003,7 @@
         <p:spPr>
           <a:xfrm>
             <a:off x="8629560" y="6203160"/>
-            <a:ext cx="3559680" cy="651960"/>
+            <a:ext cx="3558600" cy="650880"/>
           </a:xfrm>
           <a:prstGeom prst="rect">
             <a:avLst/>
@@ -26353,7 +26029,7 @@
         <p:spPr>
           <a:xfrm>
             <a:off x="966600" y="6263640"/>
-            <a:ext cx="1342080" cy="495720"/>
+            <a:ext cx="1341000" cy="494640"/>
           </a:xfrm>
           <a:prstGeom prst="triangle">
             <a:avLst>
@@ -26401,7 +26077,7 @@
         <p:spPr>
           <a:xfrm>
             <a:off x="2598840" y="6251760"/>
-            <a:ext cx="1342080" cy="495720"/>
+            <a:ext cx="1341000" cy="494640"/>
           </a:xfrm>
           <a:prstGeom prst="triangle">
             <a:avLst>
@@ -26449,7 +26125,7 @@
         <p:spPr>
           <a:xfrm>
             <a:off x="1945440" y="6250680"/>
-            <a:ext cx="1342080" cy="495720"/>
+            <a:ext cx="1341000" cy="494640"/>
           </a:xfrm>
           <a:prstGeom prst="triangle">
             <a:avLst>
@@ -26497,7 +26173,7 @@
         <p:spPr>
           <a:xfrm>
             <a:off x="1442160" y="6250680"/>
-            <a:ext cx="1342080" cy="495720"/>
+            <a:ext cx="1341000" cy="494640"/>
           </a:xfrm>
           <a:prstGeom prst="triangle">
             <a:avLst>
@@ -26545,7 +26221,7 @@
         <p:spPr>
           <a:xfrm>
             <a:off x="309240" y="6237360"/>
-            <a:ext cx="1342080" cy="495720"/>
+            <a:ext cx="1341000" cy="494640"/>
           </a:xfrm>
           <a:prstGeom prst="triangle">
             <a:avLst>
@@ -26593,7 +26269,7 @@
         <p:spPr>
           <a:xfrm>
             <a:off x="0" y="6356160"/>
-            <a:ext cx="1342080" cy="495720"/>
+            <a:ext cx="1341000" cy="494640"/>
           </a:xfrm>
           <a:prstGeom prst="triangle">
             <a:avLst>
@@ -26634,7 +26310,7 @@
         <p:spPr>
           <a:xfrm>
             <a:off x="2359080" y="6342840"/>
-            <a:ext cx="1342080" cy="495720"/>
+            <a:ext cx="1341000" cy="494640"/>
           </a:xfrm>
           <a:prstGeom prst="triangle">
             <a:avLst>
@@ -26682,7 +26358,7 @@
         <p:spPr>
           <a:xfrm>
             <a:off x="1283760" y="6329880"/>
-            <a:ext cx="1342080" cy="495720"/>
+            <a:ext cx="1341000" cy="494640"/>
           </a:xfrm>
           <a:prstGeom prst="triangle">
             <a:avLst>
@@ -26730,7 +26406,7 @@
         <p:spPr>
           <a:xfrm>
             <a:off x="590040" y="6356160"/>
-            <a:ext cx="1342080" cy="495720"/>
+            <a:ext cx="1341000" cy="494640"/>
           </a:xfrm>
           <a:prstGeom prst="triangle">
             <a:avLst>
@@ -26771,7 +26447,7 @@
         <p:spPr>
           <a:xfrm>
             <a:off x="3159000" y="6238440"/>
-            <a:ext cx="1342080" cy="495720"/>
+            <a:ext cx="1341000" cy="494640"/>
           </a:xfrm>
           <a:prstGeom prst="triangle">
             <a:avLst>
@@ -26819,7 +26495,7 @@
         <p:spPr>
           <a:xfrm>
             <a:off x="2764080" y="6347160"/>
-            <a:ext cx="1342080" cy="495720"/>
+            <a:ext cx="1341000" cy="494640"/>
           </a:xfrm>
           <a:prstGeom prst="triangle">
             <a:avLst>
@@ -26867,7 +26543,7 @@
         <p:spPr>
           <a:xfrm>
             <a:off x="1584720" y="6356160"/>
-            <a:ext cx="1342080" cy="495720"/>
+            <a:ext cx="1341000" cy="494640"/>
           </a:xfrm>
           <a:prstGeom prst="triangle">
             <a:avLst>
@@ -26908,7 +26584,7 @@
         <p:spPr>
           <a:xfrm>
             <a:off x="3468960" y="6351480"/>
-            <a:ext cx="1342080" cy="495720"/>
+            <a:ext cx="1341000" cy="494640"/>
           </a:xfrm>
           <a:prstGeom prst="triangle">
             <a:avLst>
@@ -26949,7 +26625,7 @@
         <p:spPr>
           <a:xfrm>
             <a:off x="4413960" y="6263640"/>
-            <a:ext cx="1342080" cy="495720"/>
+            <a:ext cx="1341000" cy="494640"/>
           </a:xfrm>
           <a:prstGeom prst="triangle">
             <a:avLst>
@@ -26997,7 +26673,7 @@
         <p:spPr>
           <a:xfrm>
             <a:off x="6046560" y="6251760"/>
-            <a:ext cx="1342080" cy="495720"/>
+            <a:ext cx="1341000" cy="494640"/>
           </a:xfrm>
           <a:prstGeom prst="triangle">
             <a:avLst>
@@ -27045,7 +26721,7 @@
         <p:spPr>
           <a:xfrm>
             <a:off x="5393160" y="6250680"/>
-            <a:ext cx="1342080" cy="495720"/>
+            <a:ext cx="1341000" cy="494640"/>
           </a:xfrm>
           <a:prstGeom prst="triangle">
             <a:avLst>
@@ -27093,7 +26769,7 @@
         <p:spPr>
           <a:xfrm>
             <a:off x="4889880" y="6250680"/>
-            <a:ext cx="1342080" cy="495720"/>
+            <a:ext cx="1341000" cy="494640"/>
           </a:xfrm>
           <a:prstGeom prst="triangle">
             <a:avLst>
@@ -27141,7 +26817,7 @@
         <p:spPr>
           <a:xfrm>
             <a:off x="5806800" y="6342840"/>
-            <a:ext cx="1342080" cy="495720"/>
+            <a:ext cx="1341000" cy="494640"/>
           </a:xfrm>
           <a:prstGeom prst="triangle">
             <a:avLst>
@@ -27189,7 +26865,7 @@
         <p:spPr>
           <a:xfrm>
             <a:off x="4731120" y="6329880"/>
-            <a:ext cx="1342080" cy="495720"/>
+            <a:ext cx="1341000" cy="494640"/>
           </a:xfrm>
           <a:prstGeom prst="triangle">
             <a:avLst>
@@ -27237,7 +26913,7 @@
         <p:spPr>
           <a:xfrm>
             <a:off x="4037400" y="6356160"/>
-            <a:ext cx="1342080" cy="495720"/>
+            <a:ext cx="1341000" cy="494640"/>
           </a:xfrm>
           <a:prstGeom prst="triangle">
             <a:avLst>
@@ -27278,7 +26954,7 @@
         <p:spPr>
           <a:xfrm>
             <a:off x="6221520" y="6359400"/>
-            <a:ext cx="1342080" cy="495720"/>
+            <a:ext cx="1341000" cy="494640"/>
           </a:xfrm>
           <a:prstGeom prst="triangle">
             <a:avLst>
@@ -27319,7 +26995,7 @@
         <p:spPr>
           <a:xfrm>
             <a:off x="5032080" y="6356160"/>
-            <a:ext cx="1342080" cy="495720"/>
+            <a:ext cx="1341000" cy="494640"/>
           </a:xfrm>
           <a:prstGeom prst="triangle">
             <a:avLst>
@@ -27364,7 +27040,7 @@
         <p:spPr>
           <a:xfrm>
             <a:off x="2449440" y="3749040"/>
-            <a:ext cx="9343800" cy="1927800"/>
+            <a:ext cx="9342720" cy="1926720"/>
           </a:xfrm>
           <a:prstGeom prst="rect">
             <a:avLst/>
@@ -27376,14 +27052,14 @@
       </p:pic>
       <p:sp>
         <p:nvSpPr>
-          <p:cNvPr id="388" name="TextShape 40"/>
-          <p:cNvSpPr txBox="1"/>
+          <p:cNvPr id="388" name="CustomShape 40"/>
+          <p:cNvSpPr/>
           <p:nvPr/>
         </p:nvSpPr>
         <p:spPr>
           <a:xfrm>
             <a:off x="640080" y="2377440"/>
-            <a:ext cx="11153160" cy="1068840"/>
+            <a:ext cx="11152080" cy="1067760"/>
           </a:xfrm>
           <a:prstGeom prst="rect">
             <a:avLst/>
@@ -27393,23 +27069,42 @@
             <a:noFill/>
           </a:ln>
         </p:spPr>
+        <p:style>
+          <a:lnRef idx="0"/>
+          <a:fillRef idx="0"/>
+          <a:effectRef idx="0"/>
+          <a:fontRef idx="minor"/>
+        </p:style>
         <p:txBody>
           <a:bodyPr lIns="90000" rIns="90000" tIns="45000" bIns="45000"/>
           <a:p>
+            <a:pPr>
+              <a:lnSpc>
+                <a:spcPct val="100000"/>
+              </a:lnSpc>
+            </a:pPr>
             <a:r>
               <a:rPr b="0" lang="en-US" sz="2200" spc="-1" strike="noStrike">
+                <a:solidFill>
+                  <a:srgbClr val="000000"/>
+                </a:solidFill>
                 <a:latin typeface="Manjari Bold"/>
+                <a:ea typeface="DejaVu Sans"/>
               </a:rPr>
               <a:t>Use python interpreter to run simple python code, python interpreter can be opened by using python.exe program or calling “python” on any of the command line tools if python is already added to the PATH .</a:t>
             </a:r>
             <a:r>
               <a:rPr b="0" lang="en-US" sz="1800" spc="-1" strike="noStrike">
+                <a:solidFill>
+                  <a:srgbClr val="000000"/>
+                </a:solidFill>
                 <a:latin typeface="Manjari Bold"/>
+                <a:ea typeface="DejaVu Sans"/>
               </a:rPr>
               <a:t> </a:t>
             </a:r>
             <a:endParaRPr b="0" lang="en-US" sz="1800" spc="-1" strike="noStrike">
-              <a:latin typeface="Manjari Bold"/>
+              <a:latin typeface="Arial"/>
             </a:endParaRPr>
           </a:p>
         </p:txBody>
@@ -27479,7 +27174,7 @@
         <p:spPr>
           <a:xfrm>
             <a:off x="352440" y="324000"/>
-            <a:ext cx="3029400" cy="849600"/>
+            <a:ext cx="3028320" cy="848520"/>
           </a:xfrm>
           <a:prstGeom prst="rect">
             <a:avLst/>
@@ -27537,7 +27232,7 @@
         <p:spPr>
           <a:xfrm>
             <a:off x="352440" y="1235160"/>
-            <a:ext cx="2665080" cy="636480"/>
+            <a:ext cx="2664000" cy="635400"/>
           </a:xfrm>
           <a:prstGeom prst="rect">
             <a:avLst/>
@@ -27595,7 +27290,7 @@
         <p:spPr>
           <a:xfrm>
             <a:off x="352440" y="1931040"/>
-            <a:ext cx="11440800" cy="3669120"/>
+            <a:ext cx="11439720" cy="3668040"/>
           </a:xfrm>
           <a:prstGeom prst="rect">
             <a:avLst/>
@@ -27627,19 +27322,24 @@
             </a:endParaRPr>
           </a:p>
           <a:p>
-            <a:pPr marL="216000" indent="-213480">
+            <a:pPr>
               <a:lnSpc>
                 <a:spcPct val="90000"/>
               </a:lnSpc>
               <a:spcBef>
                 <a:spcPts val="1001"/>
               </a:spcBef>
-              <a:buClr>
-                <a:srgbClr val="000000"/>
-              </a:buClr>
-              <a:buFont typeface="Wingdings" charset="2"/>
-              <a:buChar char=""/>
             </a:pPr>
+            <a:r>
+              <a:rPr b="0" lang="en-US" sz="2200" spc="-1" strike="noStrike">
+                <a:solidFill>
+                  <a:srgbClr val="000000"/>
+                </a:solidFill>
+                <a:latin typeface="Ubuntu Mono"/>
+                <a:ea typeface="Hack"/>
+              </a:rPr>
+              <a:t>	</a:t>
+            </a:r>
             <a:r>
               <a:rPr b="0" lang="en-US" sz="2200" spc="-1" strike="noStrike">
                 <a:solidFill>
@@ -27655,19 +27355,24 @@
             </a:endParaRPr>
           </a:p>
           <a:p>
-            <a:pPr marL="216000" indent="-213480">
+            <a:pPr>
               <a:lnSpc>
                 <a:spcPct val="90000"/>
               </a:lnSpc>
               <a:spcBef>
                 <a:spcPts val="1001"/>
               </a:spcBef>
-              <a:buClr>
-                <a:srgbClr val="000000"/>
-              </a:buClr>
-              <a:buFont typeface="Wingdings" charset="2"/>
-              <a:buChar char=""/>
             </a:pPr>
+            <a:r>
+              <a:rPr b="0" lang="en-US" sz="2200" spc="-1" strike="noStrike">
+                <a:solidFill>
+                  <a:srgbClr val="000000"/>
+                </a:solidFill>
+                <a:latin typeface="Ubuntu Mono"/>
+                <a:ea typeface="Hack"/>
+              </a:rPr>
+              <a:t>	</a:t>
+            </a:r>
             <a:r>
               <a:rPr b="0" lang="en-US" sz="2200" spc="-1" strike="noStrike">
                 <a:solidFill>
@@ -27683,19 +27388,24 @@
             </a:endParaRPr>
           </a:p>
           <a:p>
-            <a:pPr marL="216000" indent="-213480">
+            <a:pPr>
               <a:lnSpc>
                 <a:spcPct val="90000"/>
               </a:lnSpc>
               <a:spcBef>
                 <a:spcPts val="1001"/>
               </a:spcBef>
-              <a:buClr>
-                <a:srgbClr val="000000"/>
-              </a:buClr>
-              <a:buFont typeface="Wingdings" charset="2"/>
-              <a:buChar char=""/>
             </a:pPr>
+            <a:r>
+              <a:rPr b="0" lang="en-US" sz="2200" spc="-1" strike="noStrike">
+                <a:solidFill>
+                  <a:srgbClr val="000000"/>
+                </a:solidFill>
+                <a:latin typeface="Ubuntu Mono"/>
+                <a:ea typeface="Hack"/>
+              </a:rPr>
+              <a:t>	</a:t>
+            </a:r>
             <a:r>
               <a:rPr b="0" lang="en-US" sz="2200" spc="-1" strike="noStrike">
                 <a:solidFill>
@@ -27711,19 +27421,24 @@
             </a:endParaRPr>
           </a:p>
           <a:p>
-            <a:pPr marL="216000" indent="-213480">
+            <a:pPr>
               <a:lnSpc>
                 <a:spcPct val="90000"/>
               </a:lnSpc>
               <a:spcBef>
                 <a:spcPts val="1001"/>
               </a:spcBef>
-              <a:buClr>
-                <a:srgbClr val="000000"/>
-              </a:buClr>
-              <a:buFont typeface="Wingdings" charset="2"/>
-              <a:buChar char=""/>
             </a:pPr>
+            <a:r>
+              <a:rPr b="0" lang="en-US" sz="2200" spc="-1" strike="noStrike">
+                <a:solidFill>
+                  <a:srgbClr val="000000"/>
+                </a:solidFill>
+                <a:latin typeface="Ubuntu Mono"/>
+                <a:ea typeface="Hack"/>
+              </a:rPr>
+              <a:t>	</a:t>
+            </a:r>
             <a:r>
               <a:rPr b="0" lang="en-US" sz="2200" spc="-1" strike="noStrike">
                 <a:solidFill>
@@ -27739,19 +27454,24 @@
             </a:endParaRPr>
           </a:p>
           <a:p>
-            <a:pPr marL="216000" indent="-213480">
+            <a:pPr>
               <a:lnSpc>
                 <a:spcPct val="90000"/>
               </a:lnSpc>
               <a:spcBef>
                 <a:spcPts val="1001"/>
               </a:spcBef>
-              <a:buClr>
-                <a:srgbClr val="000000"/>
-              </a:buClr>
-              <a:buFont typeface="Wingdings" charset="2"/>
-              <a:buChar char=""/>
             </a:pPr>
+            <a:r>
+              <a:rPr b="0" lang="en-US" sz="2200" spc="-1" strike="noStrike">
+                <a:solidFill>
+                  <a:srgbClr val="000000"/>
+                </a:solidFill>
+                <a:latin typeface="Ubuntu Mono"/>
+                <a:ea typeface="Hack"/>
+              </a:rPr>
+              <a:t>	</a:t>
+            </a:r>
             <a:r>
               <a:rPr b="0" lang="en-US" sz="2200" spc="-1" strike="noStrike">
                 <a:solidFill>
@@ -27767,19 +27487,24 @@
             </a:endParaRPr>
           </a:p>
           <a:p>
-            <a:pPr marL="216000" indent="-213480">
+            <a:pPr>
               <a:lnSpc>
                 <a:spcPct val="90000"/>
               </a:lnSpc>
               <a:spcBef>
                 <a:spcPts val="1001"/>
               </a:spcBef>
-              <a:buClr>
-                <a:srgbClr val="000000"/>
-              </a:buClr>
-              <a:buFont typeface="Wingdings" charset="2"/>
-              <a:buChar char=""/>
             </a:pPr>
+            <a:r>
+              <a:rPr b="0" lang="en-US" sz="2200" spc="-1" strike="noStrike">
+                <a:solidFill>
+                  <a:srgbClr val="000000"/>
+                </a:solidFill>
+                <a:latin typeface="Ubuntu Mono"/>
+                <a:ea typeface="Hack"/>
+              </a:rPr>
+              <a:t>	</a:t>
+            </a:r>
             <a:r>
               <a:rPr b="0" lang="en-US" sz="2200" spc="-1" strike="noStrike">
                 <a:solidFill>
@@ -27795,19 +27520,24 @@
             </a:endParaRPr>
           </a:p>
           <a:p>
-            <a:pPr marL="216000" indent="-213480">
+            <a:pPr>
               <a:lnSpc>
                 <a:spcPct val="90000"/>
               </a:lnSpc>
               <a:spcBef>
                 <a:spcPts val="1001"/>
               </a:spcBef>
-              <a:buClr>
-                <a:srgbClr val="000000"/>
-              </a:buClr>
-              <a:buFont typeface="Wingdings" charset="2"/>
-              <a:buChar char=""/>
             </a:pPr>
+            <a:r>
+              <a:rPr b="0" lang="en-US" sz="2200" spc="-1" strike="noStrike">
+                <a:solidFill>
+                  <a:srgbClr val="000000"/>
+                </a:solidFill>
+                <a:latin typeface="Ubuntu Mono"/>
+                <a:ea typeface="Hack"/>
+              </a:rPr>
+              <a:t>	</a:t>
+            </a:r>
             <a:r>
               <a:rPr b="0" lang="en-US" sz="2200" spc="-1" strike="noStrike">
                 <a:solidFill>
@@ -27823,19 +27553,24 @@
             </a:endParaRPr>
           </a:p>
           <a:p>
-            <a:pPr marL="216000" indent="-213480">
+            <a:pPr>
               <a:lnSpc>
                 <a:spcPct val="90000"/>
               </a:lnSpc>
               <a:spcBef>
                 <a:spcPts val="1001"/>
               </a:spcBef>
-              <a:buClr>
-                <a:srgbClr val="000000"/>
-              </a:buClr>
-              <a:buFont typeface="Wingdings" charset="2"/>
-              <a:buChar char=""/>
             </a:pPr>
+            <a:r>
+              <a:rPr b="0" lang="en-US" sz="2200" spc="-1" strike="noStrike">
+                <a:solidFill>
+                  <a:srgbClr val="000000"/>
+                </a:solidFill>
+                <a:latin typeface="Ubuntu Mono"/>
+                <a:ea typeface="Hack"/>
+              </a:rPr>
+              <a:t>	</a:t>
+            </a:r>
             <a:r>
               <a:rPr b="0" lang="en-US" sz="2200" spc="-1" strike="noStrike">
                 <a:solidFill>
@@ -27878,7 +27613,7 @@
         <p:spPr>
           <a:xfrm>
             <a:off x="11110680" y="123840"/>
-            <a:ext cx="928080" cy="979200"/>
+            <a:ext cx="927000" cy="978120"/>
           </a:xfrm>
           <a:prstGeom prst="rect">
             <a:avLst/>
@@ -27897,7 +27632,7 @@
         <p:spPr>
           <a:xfrm>
             <a:off x="6502680" y="6263640"/>
-            <a:ext cx="1342080" cy="495720"/>
+            <a:ext cx="1341000" cy="494640"/>
           </a:xfrm>
           <a:prstGeom prst="triangle">
             <a:avLst>
@@ -27945,7 +27680,7 @@
         <p:spPr>
           <a:xfrm>
             <a:off x="3777120" y="6242400"/>
-            <a:ext cx="1342080" cy="495720"/>
+            <a:ext cx="1341000" cy="494640"/>
           </a:xfrm>
           <a:prstGeom prst="triangle">
             <a:avLst>
@@ -27993,7 +27728,7 @@
         <p:spPr>
           <a:xfrm>
             <a:off x="6948360" y="6263640"/>
-            <a:ext cx="1342080" cy="495720"/>
+            <a:ext cx="1341000" cy="494640"/>
           </a:xfrm>
           <a:prstGeom prst="triangle">
             <a:avLst>
@@ -28041,7 +27776,7 @@
         <p:spPr>
           <a:xfrm>
             <a:off x="8580960" y="6251760"/>
-            <a:ext cx="1342080" cy="495720"/>
+            <a:ext cx="1341000" cy="494640"/>
           </a:xfrm>
           <a:prstGeom prst="triangle">
             <a:avLst>
@@ -28089,7 +27824,7 @@
         <p:spPr>
           <a:xfrm>
             <a:off x="7927560" y="6250680"/>
-            <a:ext cx="1342080" cy="495720"/>
+            <a:ext cx="1341000" cy="494640"/>
           </a:xfrm>
           <a:prstGeom prst="triangle">
             <a:avLst>
@@ -28137,7 +27872,7 @@
         <p:spPr>
           <a:xfrm>
             <a:off x="7424280" y="6250680"/>
-            <a:ext cx="1342080" cy="495720"/>
+            <a:ext cx="1341000" cy="494640"/>
           </a:xfrm>
           <a:prstGeom prst="triangle">
             <a:avLst>
@@ -28185,7 +27920,7 @@
         <p:spPr>
           <a:xfrm>
             <a:off x="8341200" y="6342840"/>
-            <a:ext cx="1342080" cy="495720"/>
+            <a:ext cx="1341000" cy="494640"/>
           </a:xfrm>
           <a:prstGeom prst="triangle">
             <a:avLst>
@@ -28233,7 +27968,7 @@
         <p:spPr>
           <a:xfrm>
             <a:off x="7265520" y="6329880"/>
-            <a:ext cx="1342080" cy="495720"/>
+            <a:ext cx="1341000" cy="494640"/>
           </a:xfrm>
           <a:prstGeom prst="triangle">
             <a:avLst>
@@ -28281,7 +28016,7 @@
         <p:spPr>
           <a:xfrm>
             <a:off x="6572160" y="6356160"/>
-            <a:ext cx="1342080" cy="495720"/>
+            <a:ext cx="1341000" cy="494640"/>
           </a:xfrm>
           <a:prstGeom prst="triangle">
             <a:avLst>
@@ -28329,7 +28064,7 @@
         <p:spPr>
           <a:xfrm>
             <a:off x="9141120" y="6238440"/>
-            <a:ext cx="1342080" cy="495720"/>
+            <a:ext cx="1341000" cy="494640"/>
           </a:xfrm>
           <a:prstGeom prst="triangle">
             <a:avLst>
@@ -28377,7 +28112,7 @@
         <p:spPr>
           <a:xfrm>
             <a:off x="8746200" y="6347160"/>
-            <a:ext cx="1342080" cy="495720"/>
+            <a:ext cx="1341000" cy="494640"/>
           </a:xfrm>
           <a:prstGeom prst="triangle">
             <a:avLst>
@@ -28425,7 +28160,7 @@
         <p:spPr>
           <a:xfrm>
             <a:off x="7566840" y="6356160"/>
-            <a:ext cx="1342080" cy="495720"/>
+            <a:ext cx="1341000" cy="494640"/>
           </a:xfrm>
           <a:prstGeom prst="triangle">
             <a:avLst>
@@ -28473,7 +28208,7 @@
         <p:spPr>
           <a:xfrm>
             <a:off x="9368280" y="6356160"/>
-            <a:ext cx="2810160" cy="495720"/>
+            <a:ext cx="2809080" cy="494640"/>
           </a:xfrm>
           <a:prstGeom prst="rect">
             <a:avLst/>
@@ -28521,7 +28256,7 @@
         <p:spPr>
           <a:xfrm>
             <a:off x="7938000" y="6074280"/>
-            <a:ext cx="4242600" cy="777600"/>
+            <a:ext cx="4241520" cy="776520"/>
           </a:xfrm>
           <a:prstGeom prst="rect">
             <a:avLst/>
@@ -28552,7 +28287,7 @@
         <p:spPr>
           <a:xfrm>
             <a:off x="7146360" y="5930640"/>
-            <a:ext cx="5042880" cy="924480"/>
+            <a:ext cx="5041800" cy="923400"/>
           </a:xfrm>
           <a:prstGeom prst="rect">
             <a:avLst/>
@@ -28578,7 +28313,7 @@
         <p:spPr>
           <a:xfrm>
             <a:off x="10061640" y="6480720"/>
-            <a:ext cx="2116800" cy="362160"/>
+            <a:ext cx="2115720" cy="361080"/>
           </a:xfrm>
           <a:prstGeom prst="rect">
             <a:avLst/>
@@ -28644,7 +28379,7 @@
         <p:spPr>
           <a:xfrm>
             <a:off x="8629560" y="6203160"/>
-            <a:ext cx="3559680" cy="651960"/>
+            <a:ext cx="3558600" cy="650880"/>
           </a:xfrm>
           <a:prstGeom prst="rect">
             <a:avLst/>
@@ -28670,7 +28405,7 @@
         <p:spPr>
           <a:xfrm>
             <a:off x="966600" y="6263640"/>
-            <a:ext cx="1342080" cy="495720"/>
+            <a:ext cx="1341000" cy="494640"/>
           </a:xfrm>
           <a:prstGeom prst="triangle">
             <a:avLst>
@@ -28718,7 +28453,7 @@
         <p:spPr>
           <a:xfrm>
             <a:off x="2598840" y="6251760"/>
-            <a:ext cx="1342080" cy="495720"/>
+            <a:ext cx="1341000" cy="494640"/>
           </a:xfrm>
           <a:prstGeom prst="triangle">
             <a:avLst>
@@ -28766,7 +28501,7 @@
         <p:spPr>
           <a:xfrm>
             <a:off x="1945440" y="6250680"/>
-            <a:ext cx="1342080" cy="495720"/>
+            <a:ext cx="1341000" cy="494640"/>
           </a:xfrm>
           <a:prstGeom prst="triangle">
             <a:avLst>
@@ -28814,7 +28549,7 @@
         <p:spPr>
           <a:xfrm>
             <a:off x="1442160" y="6250680"/>
-            <a:ext cx="1342080" cy="495720"/>
+            <a:ext cx="1341000" cy="494640"/>
           </a:xfrm>
           <a:prstGeom prst="triangle">
             <a:avLst>
@@ -28862,7 +28597,7 @@
         <p:spPr>
           <a:xfrm>
             <a:off x="309240" y="6237360"/>
-            <a:ext cx="1342080" cy="495720"/>
+            <a:ext cx="1341000" cy="494640"/>
           </a:xfrm>
           <a:prstGeom prst="triangle">
             <a:avLst>
@@ -28910,7 +28645,7 @@
         <p:spPr>
           <a:xfrm>
             <a:off x="0" y="6356160"/>
-            <a:ext cx="1342080" cy="495720"/>
+            <a:ext cx="1341000" cy="494640"/>
           </a:xfrm>
           <a:prstGeom prst="triangle">
             <a:avLst>
@@ -28951,7 +28686,7 @@
         <p:spPr>
           <a:xfrm>
             <a:off x="2359080" y="6342840"/>
-            <a:ext cx="1342080" cy="495720"/>
+            <a:ext cx="1341000" cy="494640"/>
           </a:xfrm>
           <a:prstGeom prst="triangle">
             <a:avLst>
@@ -28999,7 +28734,7 @@
         <p:spPr>
           <a:xfrm>
             <a:off x="1283760" y="6329880"/>
-            <a:ext cx="1342080" cy="495720"/>
+            <a:ext cx="1341000" cy="494640"/>
           </a:xfrm>
           <a:prstGeom prst="triangle">
             <a:avLst>
@@ -29047,7 +28782,7 @@
         <p:spPr>
           <a:xfrm>
             <a:off x="590040" y="6356160"/>
-            <a:ext cx="1342080" cy="495720"/>
+            <a:ext cx="1341000" cy="494640"/>
           </a:xfrm>
           <a:prstGeom prst="triangle">
             <a:avLst>
@@ -29088,7 +28823,7 @@
         <p:spPr>
           <a:xfrm>
             <a:off x="3159000" y="6238440"/>
-            <a:ext cx="1342080" cy="495720"/>
+            <a:ext cx="1341000" cy="494640"/>
           </a:xfrm>
           <a:prstGeom prst="triangle">
             <a:avLst>
@@ -29136,7 +28871,7 @@
         <p:spPr>
           <a:xfrm>
             <a:off x="2764080" y="6347160"/>
-            <a:ext cx="1342080" cy="495720"/>
+            <a:ext cx="1341000" cy="494640"/>
           </a:xfrm>
           <a:prstGeom prst="triangle">
             <a:avLst>
@@ -29184,7 +28919,7 @@
         <p:spPr>
           <a:xfrm>
             <a:off x="1584720" y="6356160"/>
-            <a:ext cx="1342080" cy="495720"/>
+            <a:ext cx="1341000" cy="494640"/>
           </a:xfrm>
           <a:prstGeom prst="triangle">
             <a:avLst>
@@ -29225,7 +28960,7 @@
         <p:spPr>
           <a:xfrm>
             <a:off x="3468960" y="6351480"/>
-            <a:ext cx="1342080" cy="495720"/>
+            <a:ext cx="1341000" cy="494640"/>
           </a:xfrm>
           <a:prstGeom prst="triangle">
             <a:avLst>
@@ -29266,7 +29001,7 @@
         <p:spPr>
           <a:xfrm>
             <a:off x="4413960" y="6263640"/>
-            <a:ext cx="1342080" cy="495720"/>
+            <a:ext cx="1341000" cy="494640"/>
           </a:xfrm>
           <a:prstGeom prst="triangle">
             <a:avLst>
@@ -29314,7 +29049,7 @@
         <p:spPr>
           <a:xfrm>
             <a:off x="6046560" y="6251760"/>
-            <a:ext cx="1342080" cy="495720"/>
+            <a:ext cx="1341000" cy="494640"/>
           </a:xfrm>
           <a:prstGeom prst="triangle">
             <a:avLst>
@@ -29362,7 +29097,7 @@
         <p:spPr>
           <a:xfrm>
             <a:off x="5393160" y="6250680"/>
-            <a:ext cx="1342080" cy="495720"/>
+            <a:ext cx="1341000" cy="494640"/>
           </a:xfrm>
           <a:prstGeom prst="triangle">
             <a:avLst>
@@ -29410,7 +29145,7 @@
         <p:spPr>
           <a:xfrm>
             <a:off x="4889880" y="6250680"/>
-            <a:ext cx="1342080" cy="495720"/>
+            <a:ext cx="1341000" cy="494640"/>
           </a:xfrm>
           <a:prstGeom prst="triangle">
             <a:avLst>
@@ -29458,7 +29193,7 @@
         <p:spPr>
           <a:xfrm>
             <a:off x="5806800" y="6342840"/>
-            <a:ext cx="1342080" cy="495720"/>
+            <a:ext cx="1341000" cy="494640"/>
           </a:xfrm>
           <a:prstGeom prst="triangle">
             <a:avLst>
@@ -29506,7 +29241,7 @@
         <p:spPr>
           <a:xfrm>
             <a:off x="4731120" y="6329880"/>
-            <a:ext cx="1342080" cy="495720"/>
+            <a:ext cx="1341000" cy="494640"/>
           </a:xfrm>
           <a:prstGeom prst="triangle">
             <a:avLst>
@@ -29554,7 +29289,7 @@
         <p:spPr>
           <a:xfrm>
             <a:off x="4037400" y="6356160"/>
-            <a:ext cx="1342080" cy="495720"/>
+            <a:ext cx="1341000" cy="494640"/>
           </a:xfrm>
           <a:prstGeom prst="triangle">
             <a:avLst>
@@ -29595,7 +29330,7 @@
         <p:spPr>
           <a:xfrm>
             <a:off x="6221520" y="6359400"/>
-            <a:ext cx="1342080" cy="495720"/>
+            <a:ext cx="1341000" cy="494640"/>
           </a:xfrm>
           <a:prstGeom prst="triangle">
             <a:avLst>
@@ -29636,7 +29371,7 @@
         <p:spPr>
           <a:xfrm>
             <a:off x="5032080" y="6356160"/>
-            <a:ext cx="1342080" cy="495720"/>
+            <a:ext cx="1341000" cy="494640"/>
           </a:xfrm>
           <a:prstGeom prst="triangle">
             <a:avLst>
